--- a/profile/Strike-Stroke-ppt.pptx
+++ b/profile/Strike-Stroke-ppt.pptx
@@ -5,7 +5,7 @@
     <p:sldMasterId id="2147483648" r:id="rId1"/>
   </p:sldMasterIdLst>
   <p:notesMasterIdLst>
-    <p:notesMasterId r:id="rId13"/>
+    <p:notesMasterId r:id="rId12"/>
   </p:notesMasterIdLst>
   <p:sldIdLst>
     <p:sldId id="256" r:id="rId2"/>
@@ -18,19 +18,13 @@
     <p:sldId id="263" r:id="rId9"/>
     <p:sldId id="264" r:id="rId10"/>
     <p:sldId id="265" r:id="rId11"/>
-    <p:sldId id="266" r:id="rId12"/>
   </p:sldIdLst>
   <p:sldSz cx="24384000" cy="13716000"/>
   <p:notesSz cx="6858000" cy="9144000"/>
   <p:embeddedFontLst>
     <p:embeddedFont>
-      <p:font typeface="D2Coding" panose="020B0609020101020101" pitchFamily="49" charset="-127"/>
-      <p:regular r:id="rId14"/>
-      <p:bold r:id="rId15"/>
-    </p:embeddedFont>
-    <p:embeddedFont>
       <p:font typeface="NanumSquareOTF ExtraBold" panose="020B0600000101010101" pitchFamily="34" charset="-127"/>
-      <p:bold r:id="rId16"/>
+      <p:bold r:id="rId13"/>
     </p:embeddedFont>
   </p:embeddedFontLst>
   <p:defaultTextStyle>
@@ -4447,7 +4441,7 @@
         </p:nvSpPr>
         <p:spPr>
           <a:xfrm>
-            <a:off x="18562305" y="12375127"/>
+            <a:off x="20111705" y="13265485"/>
             <a:ext cx="3920945" cy="550022"/>
           </a:xfrm>
           <a:prstGeom prst="rect">
@@ -4476,30 +4470,12 @@
           </a:lstStyle>
           <a:p>
             <a:r>
-              <a:rPr dirty="0" err="1">
-                <a:latin typeface="NanumSquareOTF ExtraBold" panose="020B0600000101010101" pitchFamily="34" charset="-127"/>
-                <a:ea typeface="NanumSquareOTF ExtraBold" panose="020B0600000101010101" pitchFamily="34" charset="-127"/>
-              </a:rPr>
-              <a:t>이승수</a:t>
-            </a:r>
-            <a:r>
-              <a:rPr dirty="0">
-                <a:latin typeface="NanumSquareOTF ExtraBold" panose="020B0600000101010101" pitchFamily="34" charset="-127"/>
-                <a:ea typeface="NanumSquareOTF ExtraBold" panose="020B0600000101010101" pitchFamily="34" charset="-127"/>
-              </a:rPr>
-              <a:t>   </a:t>
-            </a:r>
-            <a:r>
-              <a:rPr dirty="0" err="1">
-                <a:latin typeface="NanumSquareOTF ExtraBold" panose="020B0600000101010101" pitchFamily="34" charset="-127"/>
-                <a:ea typeface="NanumSquareOTF ExtraBold" panose="020B0600000101010101" pitchFamily="34" charset="-127"/>
-              </a:rPr>
-              <a:t>박건률</a:t>
-            </a:r>
-            <a:endParaRPr dirty="0">
-              <a:latin typeface="NanumSquareOTF ExtraBold" panose="020B0600000101010101" pitchFamily="34" charset="-127"/>
-              <a:ea typeface="NanumSquareOTF ExtraBold" panose="020B0600000101010101" pitchFamily="34" charset="-127"/>
-            </a:endParaRPr>
+              <a:rPr>
+                <a:latin typeface="NanumSquareOTF ExtraBold" panose="020B0600000101010101" pitchFamily="34" charset="-127"/>
+                <a:ea typeface="NanumSquareOTF ExtraBold" panose="020B0600000101010101" pitchFamily="34" charset="-127"/>
+              </a:rPr>
+              <a:t>이승수   박건률</a:t>
+            </a:r>
           </a:p>
         </p:txBody>
       </p:sp>
@@ -4529,58 +4505,9 @@
           <a:chExt cx="0" cy="0"/>
         </a:xfrm>
       </p:grpSpPr>
-      <p:sp>
-        <p:nvSpPr>
-          <p:cNvPr id="262" name="Conclusion"/>
-          <p:cNvSpPr txBox="1"/>
-          <p:nvPr/>
-        </p:nvSpPr>
-        <p:spPr>
-          <a:xfrm>
-            <a:off x="809817" y="318714"/>
-            <a:ext cx="15899915" cy="1585627"/>
-          </a:xfrm>
-          <a:prstGeom prst="rect">
-            <a:avLst/>
-          </a:prstGeom>
-          <a:ln w="12700">
-            <a:miter lim="400000"/>
-          </a:ln>
-          <a:extLst>
-            <a:ext uri="{C572A759-6A51-4108-AA02-DFA0A04FC94B}">
-              <ma14:wrappingTextBoxFlag xmlns:ma14="http://schemas.microsoft.com/office/mac/drawingml/2011/main" xmlns:a14="http://schemas.microsoft.com/office/drawing/2010/main" xmlns:m="http://schemas.openxmlformats.org/officeDocument/2006/math" xmlns="" val="1"/>
-            </a:ext>
-          </a:extLst>
-        </p:spPr>
-        <p:txBody>
-          <a:bodyPr lIns="50800" tIns="50800" rIns="50800" bIns="50800" anchor="ctr">
-            <a:spAutoFit/>
-          </a:bodyPr>
-          <a:lstStyle>
-            <a:lvl1pPr>
-              <a:lnSpc>
-                <a:spcPct val="80000"/>
-              </a:lnSpc>
-              <a:spcBef>
-                <a:spcPts val="0"/>
-              </a:spcBef>
-              <a:defRPr sz="11600" b="1" spc="-232"/>
-            </a:lvl1pPr>
-          </a:lstStyle>
-          <a:p>
-            <a:r>
-              <a:rPr dirty="0">
-                <a:latin typeface="NanumSquareOTF ExtraBold" panose="020B0600000101010101" pitchFamily="34" charset="-127"/>
-                <a:ea typeface="NanumSquareOTF ExtraBold" panose="020B0600000101010101" pitchFamily="34" charset="-127"/>
-              </a:rPr>
-              <a:t>Conclusion</a:t>
-            </a:r>
-          </a:p>
-        </p:txBody>
-      </p:sp>
       <p:pic>
         <p:nvPicPr>
-          <p:cNvPr id="263" name="선 선" descr="선 선"/>
+          <p:cNvPr id="268" name="qrcode_85359069_77cb1713b83a63e11309ea0b5111f4b4.png" descr="qrcode_85359069_77cb1713b83a63e11309ea0b5111f4b4.png"/>
           <p:cNvPicPr>
             <a:picLocks noChangeAspect="1"/>
           </p:cNvPicPr>
@@ -4594,8 +4521,8 @@
         </p:blipFill>
         <p:spPr>
           <a:xfrm>
-            <a:off x="560891" y="2169866"/>
-            <a:ext cx="22855498" cy="76202"/>
+            <a:off x="5529358" y="8854708"/>
+            <a:ext cx="4000734" cy="4000734"/>
           </a:xfrm>
           <a:prstGeom prst="rect">
             <a:avLst/>
@@ -4607,14 +4534,96 @@
       </p:pic>
       <p:sp>
         <p:nvSpPr>
-          <p:cNvPr id="264" name="뇌졸중 판단 시스템 + MLOps"/>
+          <p:cNvPr id="269" name="Github QR"/>
           <p:cNvSpPr txBox="1"/>
           <p:nvPr/>
         </p:nvSpPr>
         <p:spPr>
           <a:xfrm>
-            <a:off x="1130575" y="3059315"/>
-            <a:ext cx="9531455" cy="948978"/>
+            <a:off x="5744605" y="7462269"/>
+            <a:ext cx="3570239" cy="895245"/>
+          </a:xfrm>
+          <a:prstGeom prst="rect">
+            <a:avLst/>
+          </a:prstGeom>
+          <a:ln w="12700">
+            <a:miter lim="400000"/>
+          </a:ln>
+          <a:extLst>
+            <a:ext uri="{C572A759-6A51-4108-AA02-DFA0A04FC94B}">
+              <ma14:wrappingTextBoxFlag xmlns:ma14="http://schemas.microsoft.com/office/mac/drawingml/2011/main" xmlns:a14="http://schemas.microsoft.com/office/drawing/2010/main" xmlns:m="http://schemas.openxmlformats.org/officeDocument/2006/math" xmlns="" val="1"/>
+            </a:ext>
+          </a:extLst>
+        </p:spPr>
+        <p:txBody>
+          <a:bodyPr lIns="50800" tIns="50800" rIns="50800" bIns="50800" anchor="ctr">
+            <a:spAutoFit/>
+          </a:bodyPr>
+          <a:lstStyle>
+            <a:lvl1pPr defTabSz="792479">
+              <a:lnSpc>
+                <a:spcPct val="100000"/>
+              </a:lnSpc>
+              <a:spcBef>
+                <a:spcPts val="0"/>
+              </a:spcBef>
+              <a:defRPr sz="5200" b="1"/>
+            </a:lvl1pPr>
+          </a:lstStyle>
+          <a:p>
+            <a:r>
+              <a:rPr>
+                <a:latin typeface="NanumSquareOTF ExtraBold" panose="020B0600000101010101" pitchFamily="34" charset="-127"/>
+                <a:ea typeface="NanumSquareOTF ExtraBold" panose="020B0600000101010101" pitchFamily="34" charset="-127"/>
+              </a:rPr>
+              <a:t>Github QR</a:t>
+            </a:r>
+          </a:p>
+        </p:txBody>
+      </p:sp>
+      <p:sp>
+        <p:nvSpPr>
+          <p:cNvPr id="270" name="선"/>
+          <p:cNvSpPr/>
+          <p:nvPr/>
+        </p:nvSpPr>
+        <p:spPr>
+          <a:xfrm flipV="1">
+            <a:off x="11998918" y="9016393"/>
+            <a:ext cx="1" cy="3292013"/>
+          </a:xfrm>
+          <a:prstGeom prst="line">
+            <a:avLst/>
+          </a:prstGeom>
+          <a:ln w="127000">
+            <a:solidFill>
+              <a:srgbClr val="000000"/>
+            </a:solidFill>
+            <a:prstDash val="sysDot"/>
+            <a:miter lim="400000"/>
+          </a:ln>
+        </p:spPr>
+        <p:txBody>
+          <a:bodyPr lIns="45718" tIns="45718" rIns="45718" bIns="45718"/>
+          <a:lstStyle/>
+          <a:p>
+            <a:endParaRPr b="1">
+              <a:latin typeface="NanumSquareOTF ExtraBold" panose="020B0600000101010101" pitchFamily="34" charset="-127"/>
+              <a:ea typeface="NanumSquareOTF ExtraBold" panose="020B0600000101010101" pitchFamily="34" charset="-127"/>
+            </a:endParaRPr>
+          </a:p>
+        </p:txBody>
+      </p:sp>
+      <p:sp>
+        <p:nvSpPr>
+          <p:cNvPr id="271" name="Youtube QR"/>
+          <p:cNvSpPr txBox="1"/>
+          <p:nvPr/>
+        </p:nvSpPr>
+        <p:spPr>
+          <a:xfrm>
+            <a:off x="15470283" y="7133500"/>
+            <a:ext cx="3994683" cy="918200"/>
           </a:xfrm>
           <a:prstGeom prst="rect">
             <a:avLst/>
@@ -4640,295 +4649,25 @@
               <a:spcBef>
                 <a:spcPts val="0"/>
               </a:spcBef>
-              <a:defRPr sz="5500" b="1"/>
+              <a:defRPr sz="5300" b="1"/>
             </a:lvl1pPr>
           </a:lstStyle>
           <a:p>
             <a:r>
-              <a:rPr dirty="0">
-                <a:latin typeface="NanumSquareOTF ExtraBold" panose="020B0600000101010101" pitchFamily="34" charset="-127"/>
-                <a:ea typeface="NanumSquareOTF ExtraBold" panose="020B0600000101010101" pitchFamily="34" charset="-127"/>
-              </a:rPr>
-              <a:t>1. </a:t>
-            </a:r>
-            <a:r>
-              <a:rPr dirty="0" err="1">
-                <a:latin typeface="NanumSquareOTF ExtraBold" panose="020B0600000101010101" pitchFamily="34" charset="-127"/>
-                <a:ea typeface="NanumSquareOTF ExtraBold" panose="020B0600000101010101" pitchFamily="34" charset="-127"/>
-              </a:rPr>
-              <a:t>뇌졸중</a:t>
-            </a:r>
-            <a:r>
-              <a:rPr dirty="0">
-                <a:latin typeface="NanumSquareOTF ExtraBold" panose="020B0600000101010101" pitchFamily="34" charset="-127"/>
-                <a:ea typeface="NanumSquareOTF ExtraBold" panose="020B0600000101010101" pitchFamily="34" charset="-127"/>
-              </a:rPr>
-              <a:t> </a:t>
-            </a:r>
-            <a:r>
-              <a:rPr dirty="0" err="1">
-                <a:latin typeface="NanumSquareOTF ExtraBold" panose="020B0600000101010101" pitchFamily="34" charset="-127"/>
-                <a:ea typeface="NanumSquareOTF ExtraBold" panose="020B0600000101010101" pitchFamily="34" charset="-127"/>
-              </a:rPr>
-              <a:t>판단</a:t>
-            </a:r>
-            <a:r>
-              <a:rPr dirty="0">
-                <a:latin typeface="NanumSquareOTF ExtraBold" panose="020B0600000101010101" pitchFamily="34" charset="-127"/>
-                <a:ea typeface="NanumSquareOTF ExtraBold" panose="020B0600000101010101" pitchFamily="34" charset="-127"/>
-              </a:rPr>
-              <a:t> </a:t>
-            </a:r>
-            <a:r>
-              <a:rPr dirty="0" err="1">
-                <a:latin typeface="NanumSquareOTF ExtraBold" panose="020B0600000101010101" pitchFamily="34" charset="-127"/>
-                <a:ea typeface="NanumSquareOTF ExtraBold" panose="020B0600000101010101" pitchFamily="34" charset="-127"/>
-              </a:rPr>
-              <a:t>시스템</a:t>
-            </a:r>
-            <a:r>
-              <a:rPr dirty="0">
-                <a:latin typeface="NanumSquareOTF ExtraBold" panose="020B0600000101010101" pitchFamily="34" charset="-127"/>
-                <a:ea typeface="NanumSquareOTF ExtraBold" panose="020B0600000101010101" pitchFamily="34" charset="-127"/>
-              </a:rPr>
-              <a:t> + </a:t>
-            </a:r>
-            <a:r>
-              <a:rPr dirty="0" err="1">
-                <a:latin typeface="NanumSquareOTF ExtraBold" panose="020B0600000101010101" pitchFamily="34" charset="-127"/>
-                <a:ea typeface="NanumSquareOTF ExtraBold" panose="020B0600000101010101" pitchFamily="34" charset="-127"/>
-              </a:rPr>
-              <a:t>MLOps</a:t>
-            </a:r>
-            <a:endParaRPr dirty="0">
-              <a:latin typeface="NanumSquareOTF ExtraBold" panose="020B0600000101010101" pitchFamily="34" charset="-127"/>
-              <a:ea typeface="NanumSquareOTF ExtraBold" panose="020B0600000101010101" pitchFamily="34" charset="-127"/>
-            </a:endParaRPr>
-          </a:p>
-        </p:txBody>
-      </p:sp>
-      <p:sp>
-        <p:nvSpPr>
-          <p:cNvPr id="265" name="여러 헬스 케어 가구로 집을 개인 최적화된 병원으로 만들 수 있다."/>
-          <p:cNvSpPr txBox="1"/>
-          <p:nvPr/>
-        </p:nvSpPr>
-        <p:spPr>
-          <a:xfrm>
-            <a:off x="1154273" y="4379565"/>
-            <a:ext cx="21289482" cy="948978"/>
-          </a:xfrm>
-          <a:prstGeom prst="rect">
-            <a:avLst/>
-          </a:prstGeom>
-          <a:ln w="12700">
-            <a:miter lim="400000"/>
-          </a:ln>
-          <a:extLst>
-            <a:ext uri="{C572A759-6A51-4108-AA02-DFA0A04FC94B}">
-              <ma14:wrappingTextBoxFlag xmlns:ma14="http://schemas.microsoft.com/office/mac/drawingml/2011/main" xmlns:a14="http://schemas.microsoft.com/office/drawing/2010/main" xmlns:m="http://schemas.openxmlformats.org/officeDocument/2006/math" xmlns="" val="1"/>
-            </a:ext>
-          </a:extLst>
-        </p:spPr>
-        <p:txBody>
-          <a:bodyPr wrap="none" lIns="50800" tIns="50800" rIns="50800" bIns="50800" anchor="ctr">
-            <a:spAutoFit/>
-          </a:bodyPr>
-          <a:lstStyle>
-            <a:lvl1pPr defTabSz="825500">
-              <a:lnSpc>
-                <a:spcPct val="100000"/>
-              </a:lnSpc>
-              <a:spcBef>
-                <a:spcPts val="0"/>
-              </a:spcBef>
-              <a:defRPr sz="5500" b="1"/>
-            </a:lvl1pPr>
-          </a:lstStyle>
-          <a:p>
-            <a:r>
-              <a:rPr dirty="0">
-                <a:latin typeface="NanumSquareOTF ExtraBold" panose="020B0600000101010101" pitchFamily="34" charset="-127"/>
-                <a:ea typeface="NanumSquareOTF ExtraBold" panose="020B0600000101010101" pitchFamily="34" charset="-127"/>
-              </a:rPr>
-              <a:t>=&gt; </a:t>
-            </a:r>
-            <a:r>
-              <a:rPr dirty="0" err="1">
-                <a:latin typeface="NanumSquareOTF ExtraBold" panose="020B0600000101010101" pitchFamily="34" charset="-127"/>
-                <a:ea typeface="NanumSquareOTF ExtraBold" panose="020B0600000101010101" pitchFamily="34" charset="-127"/>
-              </a:rPr>
-              <a:t>가전을</a:t>
-            </a:r>
-            <a:r>
-              <a:rPr dirty="0">
-                <a:latin typeface="NanumSquareOTF ExtraBold" panose="020B0600000101010101" pitchFamily="34" charset="-127"/>
-                <a:ea typeface="NanumSquareOTF ExtraBold" panose="020B0600000101010101" pitchFamily="34" charset="-127"/>
-              </a:rPr>
-              <a:t> </a:t>
-            </a:r>
-            <a:r>
-              <a:rPr dirty="0" err="1">
-                <a:latin typeface="NanumSquareOTF ExtraBold" panose="020B0600000101010101" pitchFamily="34" charset="-127"/>
-                <a:ea typeface="NanumSquareOTF ExtraBold" panose="020B0600000101010101" pitchFamily="34" charset="-127"/>
-              </a:rPr>
-              <a:t>통한</a:t>
-            </a:r>
-            <a:r>
-              <a:rPr dirty="0">
-                <a:latin typeface="NanumSquareOTF ExtraBold" panose="020B0600000101010101" pitchFamily="34" charset="-127"/>
-                <a:ea typeface="NanumSquareOTF ExtraBold" panose="020B0600000101010101" pitchFamily="34" charset="-127"/>
-              </a:rPr>
-              <a:t> </a:t>
-            </a:r>
-            <a:r>
-              <a:rPr dirty="0" err="1">
-                <a:latin typeface="NanumSquareOTF ExtraBold" panose="020B0600000101010101" pitchFamily="34" charset="-127"/>
-                <a:ea typeface="NanumSquareOTF ExtraBold" panose="020B0600000101010101" pitchFamily="34" charset="-127"/>
-              </a:rPr>
-              <a:t>헬스</a:t>
-            </a:r>
-            <a:r>
-              <a:rPr dirty="0">
-                <a:latin typeface="NanumSquareOTF ExtraBold" panose="020B0600000101010101" pitchFamily="34" charset="-127"/>
-                <a:ea typeface="NanumSquareOTF ExtraBold" panose="020B0600000101010101" pitchFamily="34" charset="-127"/>
-              </a:rPr>
-              <a:t> </a:t>
-            </a:r>
-            <a:r>
-              <a:rPr dirty="0" err="1">
-                <a:latin typeface="NanumSquareOTF ExtraBold" panose="020B0600000101010101" pitchFamily="34" charset="-127"/>
-                <a:ea typeface="NanumSquareOTF ExtraBold" panose="020B0600000101010101" pitchFamily="34" charset="-127"/>
-              </a:rPr>
-              <a:t>케어</a:t>
-            </a:r>
-            <a:r>
-              <a:rPr dirty="0">
-                <a:latin typeface="NanumSquareOTF ExtraBold" panose="020B0600000101010101" pitchFamily="34" charset="-127"/>
-                <a:ea typeface="NanumSquareOTF ExtraBold" panose="020B0600000101010101" pitchFamily="34" charset="-127"/>
-              </a:rPr>
-              <a:t> </a:t>
-            </a:r>
-            <a:r>
-              <a:rPr dirty="0" err="1">
-                <a:latin typeface="NanumSquareOTF ExtraBold" panose="020B0600000101010101" pitchFamily="34" charset="-127"/>
-                <a:ea typeface="NanumSquareOTF ExtraBold" panose="020B0600000101010101" pitchFamily="34" charset="-127"/>
-              </a:rPr>
-              <a:t>기능으로</a:t>
-            </a:r>
-            <a:r>
-              <a:rPr dirty="0">
-                <a:latin typeface="NanumSquareOTF ExtraBold" panose="020B0600000101010101" pitchFamily="34" charset="-127"/>
-                <a:ea typeface="NanumSquareOTF ExtraBold" panose="020B0600000101010101" pitchFamily="34" charset="-127"/>
-              </a:rPr>
-              <a:t> </a:t>
-            </a:r>
-            <a:r>
-              <a:rPr dirty="0" err="1">
-                <a:latin typeface="NanumSquareOTF ExtraBold" panose="020B0600000101010101" pitchFamily="34" charset="-127"/>
-                <a:ea typeface="NanumSquareOTF ExtraBold" panose="020B0600000101010101" pitchFamily="34" charset="-127"/>
-              </a:rPr>
-              <a:t>집을</a:t>
-            </a:r>
-            <a:r>
-              <a:rPr dirty="0">
-                <a:latin typeface="NanumSquareOTF ExtraBold" panose="020B0600000101010101" pitchFamily="34" charset="-127"/>
-                <a:ea typeface="NanumSquareOTF ExtraBold" panose="020B0600000101010101" pitchFamily="34" charset="-127"/>
-              </a:rPr>
-              <a:t> </a:t>
-            </a:r>
-            <a:r>
-              <a:rPr dirty="0" err="1">
-                <a:latin typeface="NanumSquareOTF ExtraBold" panose="020B0600000101010101" pitchFamily="34" charset="-127"/>
-                <a:ea typeface="NanumSquareOTF ExtraBold" panose="020B0600000101010101" pitchFamily="34" charset="-127"/>
-              </a:rPr>
-              <a:t>하나의</a:t>
-            </a:r>
-            <a:r>
-              <a:rPr dirty="0">
-                <a:latin typeface="NanumSquareOTF ExtraBold" panose="020B0600000101010101" pitchFamily="34" charset="-127"/>
-                <a:ea typeface="NanumSquareOTF ExtraBold" panose="020B0600000101010101" pitchFamily="34" charset="-127"/>
-              </a:rPr>
-              <a:t> </a:t>
-            </a:r>
-            <a:r>
-              <a:rPr dirty="0" err="1">
-                <a:latin typeface="NanumSquareOTF ExtraBold" panose="020B0600000101010101" pitchFamily="34" charset="-127"/>
-                <a:ea typeface="NanumSquareOTF ExtraBold" panose="020B0600000101010101" pitchFamily="34" charset="-127"/>
-              </a:rPr>
-              <a:t>진단</a:t>
-            </a:r>
-            <a:r>
-              <a:rPr dirty="0">
-                <a:latin typeface="NanumSquareOTF ExtraBold" panose="020B0600000101010101" pitchFamily="34" charset="-127"/>
-                <a:ea typeface="NanumSquareOTF ExtraBold" panose="020B0600000101010101" pitchFamily="34" charset="-127"/>
-              </a:rPr>
-              <a:t> </a:t>
-            </a:r>
-            <a:r>
-              <a:rPr dirty="0" err="1">
-                <a:latin typeface="NanumSquareOTF ExtraBold" panose="020B0600000101010101" pitchFamily="34" charset="-127"/>
-                <a:ea typeface="NanumSquareOTF ExtraBold" panose="020B0600000101010101" pitchFamily="34" charset="-127"/>
-              </a:rPr>
-              <a:t>센터로</a:t>
-            </a:r>
-            <a:r>
-              <a:rPr dirty="0">
-                <a:latin typeface="NanumSquareOTF ExtraBold" panose="020B0600000101010101" pitchFamily="34" charset="-127"/>
-                <a:ea typeface="NanumSquareOTF ExtraBold" panose="020B0600000101010101" pitchFamily="34" charset="-127"/>
-              </a:rPr>
-              <a:t> </a:t>
-            </a:r>
-            <a:r>
-              <a:rPr dirty="0" err="1">
-                <a:latin typeface="NanumSquareOTF ExtraBold" panose="020B0600000101010101" pitchFamily="34" charset="-127"/>
-                <a:ea typeface="NanumSquareOTF ExtraBold" panose="020B0600000101010101" pitchFamily="34" charset="-127"/>
-              </a:rPr>
-              <a:t>만들</a:t>
-            </a:r>
-            <a:r>
-              <a:rPr dirty="0">
-                <a:latin typeface="NanumSquareOTF ExtraBold" panose="020B0600000101010101" pitchFamily="34" charset="-127"/>
-                <a:ea typeface="NanumSquareOTF ExtraBold" panose="020B0600000101010101" pitchFamily="34" charset="-127"/>
-              </a:rPr>
-              <a:t> </a:t>
-            </a:r>
-            <a:r>
-              <a:rPr dirty="0" err="1">
-                <a:latin typeface="NanumSquareOTF ExtraBold" panose="020B0600000101010101" pitchFamily="34" charset="-127"/>
-                <a:ea typeface="NanumSquareOTF ExtraBold" panose="020B0600000101010101" pitchFamily="34" charset="-127"/>
-              </a:rPr>
-              <a:t>수</a:t>
-            </a:r>
-            <a:r>
-              <a:rPr dirty="0">
-                <a:latin typeface="NanumSquareOTF ExtraBold" panose="020B0600000101010101" pitchFamily="34" charset="-127"/>
-                <a:ea typeface="NanumSquareOTF ExtraBold" panose="020B0600000101010101" pitchFamily="34" charset="-127"/>
-              </a:rPr>
-              <a:t> </a:t>
-            </a:r>
-            <a:r>
-              <a:rPr dirty="0" err="1">
-                <a:latin typeface="NanumSquareOTF ExtraBold" panose="020B0600000101010101" pitchFamily="34" charset="-127"/>
-                <a:ea typeface="NanumSquareOTF ExtraBold" panose="020B0600000101010101" pitchFamily="34" charset="-127"/>
-              </a:rPr>
-              <a:t>있다</a:t>
-            </a:r>
-            <a:r>
-              <a:rPr dirty="0">
-                <a:latin typeface="NanumSquareOTF ExtraBold" panose="020B0600000101010101" pitchFamily="34" charset="-127"/>
-                <a:ea typeface="NanumSquareOTF ExtraBold" panose="020B0600000101010101" pitchFamily="34" charset="-127"/>
-              </a:rPr>
-              <a:t>.</a:t>
+              <a:rPr>
+                <a:latin typeface="NanumSquareOTF ExtraBold" panose="020B0600000101010101" pitchFamily="34" charset="-127"/>
+                <a:ea typeface="NanumSquareOTF ExtraBold" panose="020B0600000101010101" pitchFamily="34" charset="-127"/>
+              </a:rPr>
+              <a:t>Youtube QR</a:t>
             </a:r>
           </a:p>
         </p:txBody>
       </p:sp>
       <p:pic>
         <p:nvPicPr>
-          <p:cNvPr id="266" name="free-animated-icon-connection-7211809.gif" descr="free-animated-icon-connection-7211809.gif"/>
+          <p:cNvPr id="272" name="1gZhK.jpg" descr="1gZhK.jpg"/>
           <p:cNvPicPr>
-            <a:picLocks/>
+            <a:picLocks noChangeAspect="1"/>
           </p:cNvPicPr>
           <p:nvPr/>
         </p:nvPicPr>
@@ -4940,8 +4679,8 @@
         </p:blipFill>
         <p:spPr>
           <a:xfrm>
-            <a:off x="8533124" y="6766710"/>
-            <a:ext cx="6911034" cy="6911035"/>
+            <a:off x="14971579" y="8198978"/>
+            <a:ext cx="4926842" cy="4926842"/>
           </a:xfrm>
           <a:prstGeom prst="rect">
             <a:avLst/>
@@ -4951,385 +4690,16 @@
           </a:ln>
         </p:spPr>
       </p:pic>
-      <p:pic>
-        <p:nvPicPr>
-          <p:cNvPr id="267" name="free-icon-artificial-intelligence-12220317.png" descr="free-icon-artificial-intelligence-12220317.png"/>
-          <p:cNvPicPr>
-            <a:picLocks noChangeAspect="1"/>
-          </p:cNvPicPr>
-          <p:nvPr/>
-        </p:nvPicPr>
-        <p:blipFill>
-          <a:blip r:embed="rId4"/>
-          <a:stretch>
-            <a:fillRect/>
-          </a:stretch>
-        </p:blipFill>
-        <p:spPr>
-          <a:xfrm>
-            <a:off x="15618771" y="10563968"/>
-            <a:ext cx="3504764" cy="3504763"/>
-          </a:xfrm>
-          <a:prstGeom prst="rect">
-            <a:avLst/>
-          </a:prstGeom>
-          <a:ln w="12700">
-            <a:miter lim="400000"/>
-          </a:ln>
-        </p:spPr>
-      </p:pic>
       <p:sp>
         <p:nvSpPr>
-          <p:cNvPr id="268" name="Stroke AI"/>
+          <p:cNvPr id="273" name="5/13"/>
           <p:cNvSpPr txBox="1"/>
           <p:nvPr/>
         </p:nvSpPr>
         <p:spPr>
           <a:xfrm>
-            <a:off x="4516806" y="7667437"/>
-            <a:ext cx="4071627" cy="1164421"/>
-          </a:xfrm>
-          <a:prstGeom prst="rect">
-            <a:avLst/>
-          </a:prstGeom>
-          <a:ln w="12700">
-            <a:miter lim="400000"/>
-          </a:ln>
-          <a:extLst>
-            <a:ext uri="{C572A759-6A51-4108-AA02-DFA0A04FC94B}">
-              <ma14:wrappingTextBoxFlag xmlns:ma14="http://schemas.microsoft.com/office/mac/drawingml/2011/main" xmlns:a14="http://schemas.microsoft.com/office/drawing/2010/main" xmlns:m="http://schemas.openxmlformats.org/officeDocument/2006/math" xmlns="" val="1"/>
-            </a:ext>
-          </a:extLst>
-        </p:spPr>
-        <p:txBody>
-          <a:bodyPr wrap="none" lIns="50800" tIns="50800" rIns="50800" bIns="50800" anchor="ctr">
-            <a:spAutoFit/>
-          </a:bodyPr>
-          <a:lstStyle>
-            <a:lvl1pPr defTabSz="825500">
-              <a:lnSpc>
-                <a:spcPct val="100000"/>
-              </a:lnSpc>
-              <a:spcBef>
-                <a:spcPts val="0"/>
-              </a:spcBef>
-              <a:defRPr sz="6900">
-                <a:latin typeface="SF Pro Bold"/>
-                <a:ea typeface="SF Pro Bold"/>
-                <a:cs typeface="SF Pro Bold"/>
-                <a:sym typeface="SF Pro Bold"/>
-              </a:defRPr>
-            </a:lvl1pPr>
-          </a:lstStyle>
-          <a:p>
-            <a:r>
-              <a:rPr b="1" dirty="0">
-                <a:latin typeface="NanumSquareOTF ExtraBold" panose="020B0600000101010101" pitchFamily="34" charset="-127"/>
-                <a:ea typeface="NanumSquareOTF ExtraBold" panose="020B0600000101010101" pitchFamily="34" charset="-127"/>
-                <a:cs typeface="+mj-cs"/>
-              </a:rPr>
-              <a:t>Stroke AI</a:t>
-            </a:r>
-          </a:p>
-        </p:txBody>
-      </p:sp>
-      <p:pic>
-        <p:nvPicPr>
-          <p:cNvPr id="269" name="free-icon-artificial-intelligence-12220317.png" descr="free-icon-artificial-intelligence-12220317.png"/>
-          <p:cNvPicPr>
-            <a:picLocks noChangeAspect="1"/>
-          </p:cNvPicPr>
-          <p:nvPr/>
-        </p:nvPicPr>
-        <p:blipFill>
-          <a:blip r:embed="rId4"/>
-          <a:stretch>
-            <a:fillRect/>
-          </a:stretch>
-        </p:blipFill>
-        <p:spPr>
-          <a:xfrm>
-            <a:off x="15255997" y="6497266"/>
-            <a:ext cx="3504764" cy="3504764"/>
-          </a:xfrm>
-          <a:prstGeom prst="rect">
-            <a:avLst/>
-          </a:prstGeom>
-          <a:ln w="12700">
-            <a:miter lim="400000"/>
-          </a:ln>
-        </p:spPr>
-      </p:pic>
-      <p:sp>
-        <p:nvSpPr>
-          <p:cNvPr id="270" name="Insomnia AI"/>
-          <p:cNvSpPr txBox="1"/>
-          <p:nvPr/>
-        </p:nvSpPr>
-        <p:spPr>
-          <a:xfrm>
-            <a:off x="15241564" y="5935328"/>
-            <a:ext cx="3733394" cy="872034"/>
-          </a:xfrm>
-          <a:prstGeom prst="rect">
-            <a:avLst/>
-          </a:prstGeom>
-          <a:ln w="12700">
-            <a:miter lim="400000"/>
-          </a:ln>
-          <a:extLst>
-            <a:ext uri="{C572A759-6A51-4108-AA02-DFA0A04FC94B}">
-              <ma14:wrappingTextBoxFlag xmlns:ma14="http://schemas.microsoft.com/office/mac/drawingml/2011/main" xmlns:a14="http://schemas.microsoft.com/office/drawing/2010/main" xmlns:m="http://schemas.openxmlformats.org/officeDocument/2006/math" xmlns="" val="1"/>
-            </a:ext>
-          </a:extLst>
-        </p:spPr>
-        <p:txBody>
-          <a:bodyPr wrap="none" lIns="50800" tIns="50800" rIns="50800" bIns="50800" anchor="ctr">
-            <a:spAutoFit/>
-          </a:bodyPr>
-          <a:lstStyle>
-            <a:lvl1pPr defTabSz="825500">
-              <a:lnSpc>
-                <a:spcPct val="100000"/>
-              </a:lnSpc>
-              <a:spcBef>
-                <a:spcPts val="0"/>
-              </a:spcBef>
-              <a:defRPr sz="5000">
-                <a:latin typeface="SF Pro Bold"/>
-                <a:ea typeface="SF Pro Bold"/>
-                <a:cs typeface="SF Pro Bold"/>
-                <a:sym typeface="SF Pro Bold"/>
-              </a:defRPr>
-            </a:lvl1pPr>
-          </a:lstStyle>
-          <a:p>
-            <a:r>
-              <a:rPr b="1" dirty="0">
-                <a:latin typeface="NanumSquareOTF ExtraBold" panose="020B0600000101010101" pitchFamily="34" charset="-127"/>
-                <a:ea typeface="NanumSquareOTF ExtraBold" panose="020B0600000101010101" pitchFamily="34" charset="-127"/>
-              </a:rPr>
-              <a:t>Insomnia AI</a:t>
-            </a:r>
-          </a:p>
-        </p:txBody>
-      </p:sp>
-      <p:pic>
-        <p:nvPicPr>
-          <p:cNvPr id="271" name="free-icon-artificial-intelligence-12220317.png" descr="free-icon-artificial-intelligence-12220317.png"/>
-          <p:cNvPicPr>
-            <a:picLocks noChangeAspect="1"/>
-          </p:cNvPicPr>
-          <p:nvPr/>
-        </p:nvPicPr>
-        <p:blipFill>
-          <a:blip r:embed="rId4"/>
-          <a:stretch>
-            <a:fillRect/>
-          </a:stretch>
-        </p:blipFill>
-        <p:spPr>
-          <a:xfrm>
-            <a:off x="4960685" y="8920084"/>
-            <a:ext cx="3504764" cy="3504765"/>
-          </a:xfrm>
-          <a:prstGeom prst="rect">
-            <a:avLst/>
-          </a:prstGeom>
-          <a:ln w="12700">
-            <a:miter lim="400000"/>
-          </a:ln>
-        </p:spPr>
-      </p:pic>
-      <p:sp>
-        <p:nvSpPr>
-          <p:cNvPr id="272" name="MLOps"/>
-          <p:cNvSpPr txBox="1"/>
-          <p:nvPr/>
-        </p:nvSpPr>
-        <p:spPr>
-          <a:xfrm>
-            <a:off x="9890066" y="5672844"/>
-            <a:ext cx="4197149" cy="1397001"/>
-          </a:xfrm>
-          <a:prstGeom prst="rect">
-            <a:avLst/>
-          </a:prstGeom>
-          <a:ln w="12700">
-            <a:miter lim="400000"/>
-          </a:ln>
-          <a:extLst>
-            <a:ext uri="{C572A759-6A51-4108-AA02-DFA0A04FC94B}">
-              <ma14:wrappingTextBoxFlag xmlns:ma14="http://schemas.microsoft.com/office/mac/drawingml/2011/main" xmlns:a14="http://schemas.microsoft.com/office/drawing/2010/main" xmlns:m="http://schemas.openxmlformats.org/officeDocument/2006/math" xmlns="" val="1"/>
-            </a:ext>
-          </a:extLst>
-        </p:spPr>
-        <p:txBody>
-          <a:bodyPr lIns="50800" tIns="50800" rIns="50800" bIns="50800" anchor="ctr">
-            <a:spAutoFit/>
-          </a:bodyPr>
-          <a:lstStyle>
-            <a:lvl1pPr>
-              <a:lnSpc>
-                <a:spcPct val="100000"/>
-              </a:lnSpc>
-              <a:spcBef>
-                <a:spcPts val="0"/>
-              </a:spcBef>
-              <a:defRPr sz="8500" spc="-170">
-                <a:latin typeface="SF Pro Bold"/>
-                <a:ea typeface="SF Pro Bold"/>
-                <a:cs typeface="SF Pro Bold"/>
-                <a:sym typeface="SF Pro Bold"/>
-              </a:defRPr>
-            </a:lvl1pPr>
-          </a:lstStyle>
-          <a:p>
-            <a:r>
-              <a:rPr b="1" dirty="0" err="1">
-                <a:latin typeface="NanumSquareOTF ExtraBold" panose="020B0600000101010101" pitchFamily="34" charset="-127"/>
-                <a:ea typeface="NanumSquareOTF ExtraBold" panose="020B0600000101010101" pitchFamily="34" charset="-127"/>
-                <a:cs typeface="+mj-cs"/>
-              </a:rPr>
-              <a:t>MLOps</a:t>
-            </a:r>
-            <a:endParaRPr b="1" dirty="0">
-              <a:latin typeface="NanumSquareOTF ExtraBold" panose="020B0600000101010101" pitchFamily="34" charset="-127"/>
-              <a:ea typeface="NanumSquareOTF ExtraBold" panose="020B0600000101010101" pitchFamily="34" charset="-127"/>
-              <a:cs typeface="+mj-cs"/>
-            </a:endParaRPr>
-          </a:p>
-        </p:txBody>
-      </p:sp>
-      <p:sp>
-        <p:nvSpPr>
-          <p:cNvPr id="273" name="Diabetes AI"/>
-          <p:cNvSpPr txBox="1"/>
-          <p:nvPr/>
-        </p:nvSpPr>
-        <p:spPr>
-          <a:xfrm>
-            <a:off x="15767349" y="9859935"/>
-            <a:ext cx="3682098" cy="1164421"/>
-          </a:xfrm>
-          <a:prstGeom prst="rect">
-            <a:avLst/>
-          </a:prstGeom>
-          <a:ln w="12700">
-            <a:miter lim="400000"/>
-          </a:ln>
-          <a:extLst>
-            <a:ext uri="{C572A759-6A51-4108-AA02-DFA0A04FC94B}">
-              <ma14:wrappingTextBoxFlag xmlns:ma14="http://schemas.microsoft.com/office/mac/drawingml/2011/main" xmlns:a14="http://schemas.microsoft.com/office/drawing/2010/main" xmlns:m="http://schemas.openxmlformats.org/officeDocument/2006/math" xmlns="" val="1"/>
-            </a:ext>
-          </a:extLst>
-        </p:spPr>
-        <p:txBody>
-          <a:bodyPr wrap="none" lIns="50800" tIns="50800" rIns="50800" bIns="50800" anchor="ctr">
-            <a:spAutoFit/>
-          </a:bodyPr>
-          <a:lstStyle/>
-          <a:p>
-            <a:pPr defTabSz="825500">
-              <a:lnSpc>
-                <a:spcPct val="100000"/>
-              </a:lnSpc>
-              <a:spcBef>
-                <a:spcPts val="0"/>
-              </a:spcBef>
-              <a:defRPr sz="5000">
-                <a:latin typeface="SF Pro Bold"/>
-                <a:ea typeface="SF Pro Bold"/>
-                <a:cs typeface="SF Pro Bold"/>
-                <a:sym typeface="SF Pro Bold"/>
-              </a:defRPr>
-            </a:pPr>
-            <a:r>
-              <a:rPr b="1" dirty="0">
-                <a:latin typeface="NanumSquareOTF ExtraBold" panose="020B0600000101010101" pitchFamily="34" charset="-127"/>
-                <a:ea typeface="NanumSquareOTF ExtraBold" panose="020B0600000101010101" pitchFamily="34" charset="-127"/>
-                <a:cs typeface="+mj-cs"/>
-              </a:rPr>
-              <a:t>Diabetes</a:t>
-            </a:r>
-            <a:r>
-              <a:rPr sz="6900" b="1" dirty="0">
-                <a:latin typeface="NanumSquareOTF ExtraBold" panose="020B0600000101010101" pitchFamily="34" charset="-127"/>
-                <a:ea typeface="NanumSquareOTF ExtraBold" panose="020B0600000101010101" pitchFamily="34" charset="-127"/>
-                <a:cs typeface="+mj-cs"/>
-              </a:rPr>
-              <a:t> </a:t>
-            </a:r>
-            <a:r>
-              <a:rPr b="1" dirty="0">
-                <a:latin typeface="NanumSquareOTF ExtraBold" panose="020B0600000101010101" pitchFamily="34" charset="-127"/>
-                <a:ea typeface="NanumSquareOTF ExtraBold" panose="020B0600000101010101" pitchFamily="34" charset="-127"/>
-                <a:cs typeface="+mj-cs"/>
-              </a:rPr>
-              <a:t>AI</a:t>
-            </a:r>
-          </a:p>
-        </p:txBody>
-      </p:sp>
-      <p:sp>
-        <p:nvSpPr>
-          <p:cNvPr id="274" name="5/13"/>
-          <p:cNvSpPr txBox="1"/>
-          <p:nvPr/>
-        </p:nvSpPr>
-        <p:spPr>
-          <a:xfrm>
-            <a:off x="22291811" y="1363805"/>
+            <a:off x="22782181" y="12829646"/>
             <a:ext cx="1131720" cy="656590"/>
-          </a:xfrm>
-          <a:prstGeom prst="rect">
-            <a:avLst/>
-          </a:prstGeom>
-          <a:ln w="12700">
-            <a:miter lim="400000"/>
-          </a:ln>
-          <a:extLst>
-            <a:ext uri="{C572A759-6A51-4108-AA02-DFA0A04FC94B}">
-              <ma14:wrappingTextBoxFlag xmlns:ma14="http://schemas.microsoft.com/office/mac/drawingml/2011/main" xmlns:a14="http://schemas.microsoft.com/office/drawing/2010/main" xmlns:m="http://schemas.openxmlformats.org/officeDocument/2006/math" xmlns="" val="1"/>
-            </a:ext>
-          </a:extLst>
-        </p:spPr>
-        <p:txBody>
-          <a:bodyPr wrap="none" lIns="50800" tIns="50800" rIns="50800" bIns="50800" anchor="ctr">
-            <a:spAutoFit/>
-          </a:bodyPr>
-          <a:lstStyle>
-            <a:lvl1pPr defTabSz="825500">
-              <a:lnSpc>
-                <a:spcPct val="100000"/>
-              </a:lnSpc>
-              <a:spcBef>
-                <a:spcPts val="0"/>
-              </a:spcBef>
-              <a:defRPr sz="3600" b="1"/>
-            </a:lvl1pPr>
-          </a:lstStyle>
-          <a:p>
-            <a:r>
-              <a:rPr>
-                <a:latin typeface="NanumSquareOTF ExtraBold" panose="020B0600000101010101" pitchFamily="34" charset="-127"/>
-                <a:ea typeface="NanumSquareOTF ExtraBold" panose="020B0600000101010101" pitchFamily="34" charset="-127"/>
-              </a:rPr>
-              <a:t>9 / 9</a:t>
-            </a:r>
-          </a:p>
-        </p:txBody>
-      </p:sp>
-      <p:sp>
-        <p:nvSpPr>
-          <p:cNvPr id="275" name="5/13"/>
-          <p:cNvSpPr txBox="1"/>
-          <p:nvPr/>
-        </p:nvSpPr>
-        <p:spPr>
-          <a:xfrm>
-            <a:off x="22789444" y="12833052"/>
-            <a:ext cx="1418658" cy="656590"/>
           </a:xfrm>
           <a:prstGeom prst="rect">
             <a:avLst/>
@@ -5364,274 +4734,14 @@
                 <a:latin typeface="NanumSquareOTF ExtraBold" panose="020B0600000101010101" pitchFamily="34" charset="-127"/>
                 <a:ea typeface="NanumSquareOTF ExtraBold" panose="020B0600000101010101" pitchFamily="34" charset="-127"/>
               </a:rPr>
-              <a:t>9 / 10</a:t>
-            </a:r>
-          </a:p>
-        </p:txBody>
-      </p:sp>
-    </p:spTree>
-  </p:cSld>
-  <p:clrMapOvr>
-    <a:masterClrMapping/>
-  </p:clrMapOvr>
-  <p:transition spd="med"/>
-</p:sld>
-</file>
-
-<file path=ppt/slides/slide11.xml><?xml version="1.0" encoding="utf-8"?>
-<p:sld xmlns:a="http://schemas.openxmlformats.org/drawingml/2006/main" xmlns:r="http://schemas.openxmlformats.org/officeDocument/2006/relationships" xmlns:p="http://schemas.openxmlformats.org/presentationml/2006/main">
-  <p:cSld>
-    <p:spTree>
-      <p:nvGrpSpPr>
-        <p:cNvPr id="1" name=""/>
-        <p:cNvGrpSpPr/>
-        <p:nvPr/>
-      </p:nvGrpSpPr>
-      <p:grpSpPr>
-        <a:xfrm>
-          <a:off x="0" y="0"/>
-          <a:ext cx="0" cy="0"/>
-          <a:chOff x="0" y="0"/>
-          <a:chExt cx="0" cy="0"/>
-        </a:xfrm>
-      </p:grpSpPr>
-      <p:pic>
-        <p:nvPicPr>
-          <p:cNvPr id="277" name="qrcode_85359069_77cb1713b83a63e11309ea0b5111f4b4.png" descr="qrcode_85359069_77cb1713b83a63e11309ea0b5111f4b4.png"/>
-          <p:cNvPicPr>
-            <a:picLocks noChangeAspect="1"/>
-          </p:cNvPicPr>
-          <p:nvPr/>
-        </p:nvPicPr>
-        <p:blipFill>
-          <a:blip r:embed="rId2"/>
-          <a:stretch>
-            <a:fillRect/>
-          </a:stretch>
-        </p:blipFill>
-        <p:spPr>
-          <a:xfrm>
-            <a:off x="5529358" y="8854708"/>
-            <a:ext cx="4000734" cy="4000734"/>
-          </a:xfrm>
-          <a:prstGeom prst="rect">
-            <a:avLst/>
-          </a:prstGeom>
-          <a:ln w="12700">
-            <a:miter lim="400000"/>
-          </a:ln>
-        </p:spPr>
-      </p:pic>
-      <p:sp>
-        <p:nvSpPr>
-          <p:cNvPr id="278" name="Github QR"/>
-          <p:cNvSpPr txBox="1"/>
-          <p:nvPr/>
-        </p:nvSpPr>
-        <p:spPr>
-          <a:xfrm>
-            <a:off x="5744605" y="7462269"/>
-            <a:ext cx="3570239" cy="895245"/>
-          </a:xfrm>
-          <a:prstGeom prst="rect">
-            <a:avLst/>
-          </a:prstGeom>
-          <a:ln w="12700">
-            <a:miter lim="400000"/>
-          </a:ln>
-          <a:extLst>
-            <a:ext uri="{C572A759-6A51-4108-AA02-DFA0A04FC94B}">
-              <ma14:wrappingTextBoxFlag xmlns:ma14="http://schemas.microsoft.com/office/mac/drawingml/2011/main" xmlns:a14="http://schemas.microsoft.com/office/drawing/2010/main" xmlns:m="http://schemas.openxmlformats.org/officeDocument/2006/math" xmlns="" val="1"/>
-            </a:ext>
-          </a:extLst>
-        </p:spPr>
-        <p:txBody>
-          <a:bodyPr lIns="50800" tIns="50800" rIns="50800" bIns="50800" anchor="ctr">
-            <a:spAutoFit/>
-          </a:bodyPr>
-          <a:lstStyle>
-            <a:lvl1pPr defTabSz="792479">
-              <a:lnSpc>
-                <a:spcPct val="100000"/>
-              </a:lnSpc>
-              <a:spcBef>
-                <a:spcPts val="0"/>
-              </a:spcBef>
-              <a:defRPr sz="5200" b="1"/>
-            </a:lvl1pPr>
-          </a:lstStyle>
-          <a:p>
-            <a:r>
-              <a:rPr>
-                <a:latin typeface="NanumSquareOTF ExtraBold" panose="020B0600000101010101" pitchFamily="34" charset="-127"/>
-                <a:ea typeface="NanumSquareOTF ExtraBold" panose="020B0600000101010101" pitchFamily="34" charset="-127"/>
-              </a:rPr>
-              <a:t>Github QR</a:t>
+              <a:t>9 / 9</a:t>
             </a:r>
           </a:p>
         </p:txBody>
       </p:sp>
       <p:sp>
         <p:nvSpPr>
-          <p:cNvPr id="279" name="선"/>
-          <p:cNvSpPr/>
-          <p:nvPr/>
-        </p:nvSpPr>
-        <p:spPr>
-          <a:xfrm flipV="1">
-            <a:off x="11998918" y="9016393"/>
-            <a:ext cx="1" cy="3292013"/>
-          </a:xfrm>
-          <a:prstGeom prst="line">
-            <a:avLst/>
-          </a:prstGeom>
-          <a:ln w="127000">
-            <a:solidFill>
-              <a:srgbClr val="000000"/>
-            </a:solidFill>
-            <a:prstDash val="sysDot"/>
-            <a:miter lim="400000"/>
-          </a:ln>
-        </p:spPr>
-        <p:txBody>
-          <a:bodyPr lIns="45718" tIns="45718" rIns="45718" bIns="45718"/>
-          <a:lstStyle/>
-          <a:p>
-            <a:endParaRPr b="1">
-              <a:latin typeface="NanumSquareOTF ExtraBold" panose="020B0600000101010101" pitchFamily="34" charset="-127"/>
-              <a:ea typeface="NanumSquareOTF ExtraBold" panose="020B0600000101010101" pitchFamily="34" charset="-127"/>
-            </a:endParaRPr>
-          </a:p>
-        </p:txBody>
-      </p:sp>
-      <p:sp>
-        <p:nvSpPr>
-          <p:cNvPr id="280" name="Youtube QR"/>
-          <p:cNvSpPr txBox="1"/>
-          <p:nvPr/>
-        </p:nvSpPr>
-        <p:spPr>
-          <a:xfrm>
-            <a:off x="15470283" y="7133500"/>
-            <a:ext cx="3994683" cy="918200"/>
-          </a:xfrm>
-          <a:prstGeom prst="rect">
-            <a:avLst/>
-          </a:prstGeom>
-          <a:ln w="12700">
-            <a:miter lim="400000"/>
-          </a:ln>
-          <a:extLst>
-            <a:ext uri="{C572A759-6A51-4108-AA02-DFA0A04FC94B}">
-              <ma14:wrappingTextBoxFlag xmlns:ma14="http://schemas.microsoft.com/office/mac/drawingml/2011/main" xmlns:a14="http://schemas.microsoft.com/office/drawing/2010/main" xmlns:m="http://schemas.openxmlformats.org/officeDocument/2006/math" xmlns="" val="1"/>
-            </a:ext>
-          </a:extLst>
-        </p:spPr>
-        <p:txBody>
-          <a:bodyPr wrap="none" lIns="50800" tIns="50800" rIns="50800" bIns="50800" anchor="ctr">
-            <a:spAutoFit/>
-          </a:bodyPr>
-          <a:lstStyle>
-            <a:lvl1pPr defTabSz="825500">
-              <a:lnSpc>
-                <a:spcPct val="100000"/>
-              </a:lnSpc>
-              <a:spcBef>
-                <a:spcPts val="0"/>
-              </a:spcBef>
-              <a:defRPr sz="5300" b="1"/>
-            </a:lvl1pPr>
-          </a:lstStyle>
-          <a:p>
-            <a:r>
-              <a:rPr>
-                <a:latin typeface="NanumSquareOTF ExtraBold" panose="020B0600000101010101" pitchFamily="34" charset="-127"/>
-                <a:ea typeface="NanumSquareOTF ExtraBold" panose="020B0600000101010101" pitchFamily="34" charset="-127"/>
-              </a:rPr>
-              <a:t>Youtube QR</a:t>
-            </a:r>
-          </a:p>
-        </p:txBody>
-      </p:sp>
-      <p:pic>
-        <p:nvPicPr>
-          <p:cNvPr id="281" name="1gZhK.jpg" descr="1gZhK.jpg"/>
-          <p:cNvPicPr>
-            <a:picLocks noChangeAspect="1"/>
-          </p:cNvPicPr>
-          <p:nvPr/>
-        </p:nvPicPr>
-        <p:blipFill>
-          <a:blip r:embed="rId3"/>
-          <a:stretch>
-            <a:fillRect/>
-          </a:stretch>
-        </p:blipFill>
-        <p:spPr>
-          <a:xfrm>
-            <a:off x="14971579" y="8198978"/>
-            <a:ext cx="4926842" cy="4926842"/>
-          </a:xfrm>
-          <a:prstGeom prst="rect">
-            <a:avLst/>
-          </a:prstGeom>
-          <a:ln w="12700">
-            <a:miter lim="400000"/>
-          </a:ln>
-        </p:spPr>
-      </p:pic>
-      <p:sp>
-        <p:nvSpPr>
-          <p:cNvPr id="282" name="5/13"/>
-          <p:cNvSpPr txBox="1"/>
-          <p:nvPr/>
-        </p:nvSpPr>
-        <p:spPr>
-          <a:xfrm>
-            <a:off x="22576173" y="12833052"/>
-            <a:ext cx="1705595" cy="656590"/>
-          </a:xfrm>
-          <a:prstGeom prst="rect">
-            <a:avLst/>
-          </a:prstGeom>
-          <a:ln w="12700">
-            <a:miter lim="400000"/>
-          </a:ln>
-          <a:extLst>
-            <a:ext uri="{C572A759-6A51-4108-AA02-DFA0A04FC94B}">
-              <ma14:wrappingTextBoxFlag xmlns:ma14="http://schemas.microsoft.com/office/mac/drawingml/2011/main" xmlns:a14="http://schemas.microsoft.com/office/drawing/2010/main" xmlns:m="http://schemas.openxmlformats.org/officeDocument/2006/math" xmlns="" val="1"/>
-            </a:ext>
-          </a:extLst>
-        </p:spPr>
-        <p:txBody>
-          <a:bodyPr wrap="none" lIns="50800" tIns="50800" rIns="50800" bIns="50800" anchor="ctr">
-            <a:spAutoFit/>
-          </a:bodyPr>
-          <a:lstStyle>
-            <a:lvl1pPr defTabSz="825500">
-              <a:lnSpc>
-                <a:spcPct val="100000"/>
-              </a:lnSpc>
-              <a:spcBef>
-                <a:spcPts val="0"/>
-              </a:spcBef>
-              <a:defRPr sz="3600"/>
-            </a:lvl1pPr>
-          </a:lstStyle>
-          <a:p>
-            <a:r>
-              <a:rPr b="1">
-                <a:latin typeface="NanumSquareOTF ExtraBold" panose="020B0600000101010101" pitchFamily="34" charset="-127"/>
-                <a:ea typeface="NanumSquareOTF ExtraBold" panose="020B0600000101010101" pitchFamily="34" charset="-127"/>
-              </a:rPr>
-              <a:t>10 / 10</a:t>
-            </a:r>
-          </a:p>
-        </p:txBody>
-      </p:sp>
-      <p:sp>
-        <p:nvSpPr>
-          <p:cNvPr id="283" name="Stroke Striker"/>
+          <p:cNvPr id="274" name="Stroke Striker"/>
           <p:cNvSpPr txBox="1"/>
           <p:nvPr/>
         </p:nvSpPr>
@@ -5680,7 +4790,7 @@
       </p:sp>
       <p:sp>
         <p:nvSpPr>
-          <p:cNvPr id="284" name="하루에 한번쯤은 냉장고를 열어보는 우리의 습관에…"/>
+          <p:cNvPr id="275" name="하루에 한번쯤은 냉장고를 열어보는 우리의 습관에…"/>
           <p:cNvSpPr txBox="1"/>
           <p:nvPr/>
         </p:nvSpPr>
@@ -5722,86 +4832,12 @@
               </a:defRPr>
             </a:pPr>
             <a:r>
-              <a:rPr b="1" dirty="0" err="1">
-                <a:latin typeface="NanumSquareOTF ExtraBold" panose="020B0600000101010101" pitchFamily="34" charset="-127"/>
-                <a:ea typeface="NanumSquareOTF ExtraBold" panose="020B0600000101010101" pitchFamily="34" charset="-127"/>
-              </a:rPr>
-              <a:t>하루에</a:t>
-            </a:r>
-            <a:r>
-              <a:rPr b="1" dirty="0">
-                <a:latin typeface="NanumSquareOTF ExtraBold" panose="020B0600000101010101" pitchFamily="34" charset="-127"/>
-                <a:ea typeface="NanumSquareOTF ExtraBold" panose="020B0600000101010101" pitchFamily="34" charset="-127"/>
-              </a:rPr>
-              <a:t> </a:t>
-            </a:r>
-            <a:r>
-              <a:rPr b="1" dirty="0" err="1">
-                <a:latin typeface="NanumSquareOTF ExtraBold" panose="020B0600000101010101" pitchFamily="34" charset="-127"/>
-                <a:ea typeface="NanumSquareOTF ExtraBold" panose="020B0600000101010101" pitchFamily="34" charset="-127"/>
-              </a:rPr>
-              <a:t>한번쯤은</a:t>
-            </a:r>
-            <a:r>
-              <a:rPr b="1" dirty="0">
-                <a:latin typeface="NanumSquareOTF ExtraBold" panose="020B0600000101010101" pitchFamily="34" charset="-127"/>
-                <a:ea typeface="NanumSquareOTF ExtraBold" panose="020B0600000101010101" pitchFamily="34" charset="-127"/>
-              </a:rPr>
-              <a:t> </a:t>
-            </a:r>
-            <a:r>
-              <a:rPr b="1" dirty="0" err="1">
-                <a:latin typeface="NanumSquareOTF ExtraBold" panose="020B0600000101010101" pitchFamily="34" charset="-127"/>
-                <a:ea typeface="NanumSquareOTF ExtraBold" panose="020B0600000101010101" pitchFamily="34" charset="-127"/>
-              </a:rPr>
-              <a:t>냉장고를</a:t>
-            </a:r>
-            <a:r>
-              <a:rPr b="1" dirty="0">
-                <a:latin typeface="NanumSquareOTF ExtraBold" panose="020B0600000101010101" pitchFamily="34" charset="-127"/>
-                <a:ea typeface="NanumSquareOTF ExtraBold" panose="020B0600000101010101" pitchFamily="34" charset="-127"/>
-              </a:rPr>
-              <a:t> </a:t>
-            </a:r>
-            <a:r>
-              <a:rPr b="1" dirty="0" err="1">
-                <a:latin typeface="NanumSquareOTF ExtraBold" panose="020B0600000101010101" pitchFamily="34" charset="-127"/>
-                <a:ea typeface="NanumSquareOTF ExtraBold" panose="020B0600000101010101" pitchFamily="34" charset="-127"/>
-              </a:rPr>
-              <a:t>열어보는</a:t>
-            </a:r>
-            <a:r>
-              <a:rPr b="1" dirty="0">
-                <a:latin typeface="NanumSquareOTF ExtraBold" panose="020B0600000101010101" pitchFamily="34" charset="-127"/>
-                <a:ea typeface="NanumSquareOTF ExtraBold" panose="020B0600000101010101" pitchFamily="34" charset="-127"/>
-              </a:rPr>
-              <a:t> </a:t>
-            </a:r>
-            <a:r>
-              <a:rPr b="1" dirty="0" err="1">
-                <a:latin typeface="NanumSquareOTF ExtraBold" panose="020B0600000101010101" pitchFamily="34" charset="-127"/>
-                <a:ea typeface="NanumSquareOTF ExtraBold" panose="020B0600000101010101" pitchFamily="34" charset="-127"/>
-              </a:rPr>
-              <a:t>우리의</a:t>
-            </a:r>
-            <a:r>
-              <a:rPr b="1" dirty="0">
-                <a:latin typeface="NanumSquareOTF ExtraBold" panose="020B0600000101010101" pitchFamily="34" charset="-127"/>
-                <a:ea typeface="NanumSquareOTF ExtraBold" panose="020B0600000101010101" pitchFamily="34" charset="-127"/>
-              </a:rPr>
-              <a:t> </a:t>
-            </a:r>
-            <a:r>
-              <a:rPr b="1" dirty="0" err="1">
-                <a:latin typeface="NanumSquareOTF ExtraBold" panose="020B0600000101010101" pitchFamily="34" charset="-127"/>
-                <a:ea typeface="NanumSquareOTF ExtraBold" panose="020B0600000101010101" pitchFamily="34" charset="-127"/>
-              </a:rPr>
-              <a:t>습관에</a:t>
-            </a:r>
-            <a:endParaRPr b="1" dirty="0">
-              <a:latin typeface="NanumSquareOTF ExtraBold" panose="020B0600000101010101" pitchFamily="34" charset="-127"/>
-              <a:ea typeface="NanumSquareOTF ExtraBold" panose="020B0600000101010101" pitchFamily="34" charset="-127"/>
-            </a:endParaRPr>
+              <a:rPr b="1">
+                <a:latin typeface="NanumSquareOTF ExtraBold" panose="020B0600000101010101" pitchFamily="34" charset="-127"/>
+                <a:ea typeface="NanumSquareOTF ExtraBold" panose="020B0600000101010101" pitchFamily="34" charset="-127"/>
+              </a:rPr>
+              <a:t>하루에 한번쯤은 냉장고를 열어보는 우리의 습관에</a:t>
+            </a:r>
           </a:p>
           <a:p>
             <a:pPr algn="ctr" defTabSz="825500">
@@ -5819,99 +4855,18 @@
               </a:defRPr>
             </a:pPr>
             <a:br>
-              <a:rPr b="1" dirty="0">
+              <a:rPr b="1">
                 <a:latin typeface="NanumSquareOTF ExtraBold" panose="020B0600000101010101" pitchFamily="34" charset="-127"/>
                 <a:ea typeface="NanumSquareOTF ExtraBold" panose="020B0600000101010101" pitchFamily="34" charset="-127"/>
               </a:rPr>
             </a:br>
             <a:r>
-              <a:rPr b="1" dirty="0">
-                <a:latin typeface="NanumSquareOTF ExtraBold" panose="020B0600000101010101" pitchFamily="34" charset="-127"/>
-                <a:ea typeface="NanumSquareOTF ExtraBold" panose="020B0600000101010101" pitchFamily="34" charset="-127"/>
-              </a:rPr>
-              <a:t>AI </a:t>
-            </a:r>
-            <a:r>
-              <a:rPr b="1" dirty="0" err="1">
-                <a:latin typeface="NanumSquareOTF ExtraBold" panose="020B0600000101010101" pitchFamily="34" charset="-127"/>
-                <a:ea typeface="NanumSquareOTF ExtraBold" panose="020B0600000101010101" pitchFamily="34" charset="-127"/>
-              </a:rPr>
-              <a:t>기술을</a:t>
-            </a:r>
-            <a:r>
-              <a:rPr b="1" dirty="0">
-                <a:latin typeface="NanumSquareOTF ExtraBold" panose="020B0600000101010101" pitchFamily="34" charset="-127"/>
-                <a:ea typeface="NanumSquareOTF ExtraBold" panose="020B0600000101010101" pitchFamily="34" charset="-127"/>
-              </a:rPr>
-              <a:t> </a:t>
-            </a:r>
-            <a:r>
-              <a:rPr b="1" dirty="0" err="1">
-                <a:latin typeface="NanumSquareOTF ExtraBold" panose="020B0600000101010101" pitchFamily="34" charset="-127"/>
-                <a:ea typeface="NanumSquareOTF ExtraBold" panose="020B0600000101010101" pitchFamily="34" charset="-127"/>
-              </a:rPr>
-              <a:t>결합한</a:t>
-            </a:r>
-            <a:r>
-              <a:rPr b="1" dirty="0">
-                <a:latin typeface="NanumSquareOTF ExtraBold" panose="020B0600000101010101" pitchFamily="34" charset="-127"/>
-                <a:ea typeface="NanumSquareOTF ExtraBold" panose="020B0600000101010101" pitchFamily="34" charset="-127"/>
-              </a:rPr>
-              <a:t> </a:t>
-            </a:r>
-            <a:r>
-              <a:rPr b="1" dirty="0" err="1">
-                <a:latin typeface="NanumSquareOTF ExtraBold" panose="020B0600000101010101" pitchFamily="34" charset="-127"/>
-                <a:ea typeface="NanumSquareOTF ExtraBold" panose="020B0600000101010101" pitchFamily="34" charset="-127"/>
-              </a:rPr>
-              <a:t>실시간</a:t>
-            </a:r>
-            <a:r>
-              <a:rPr b="1" dirty="0">
-                <a:latin typeface="NanumSquareOTF ExtraBold" panose="020B0600000101010101" pitchFamily="34" charset="-127"/>
-                <a:ea typeface="NanumSquareOTF ExtraBold" panose="020B0600000101010101" pitchFamily="34" charset="-127"/>
-              </a:rPr>
-              <a:t> </a:t>
-            </a:r>
-            <a:r>
-              <a:rPr b="1" dirty="0" err="1">
-                <a:latin typeface="NanumSquareOTF ExtraBold" panose="020B0600000101010101" pitchFamily="34" charset="-127"/>
-                <a:ea typeface="NanumSquareOTF ExtraBold" panose="020B0600000101010101" pitchFamily="34" charset="-127"/>
-              </a:rPr>
-              <a:t>능동적</a:t>
-            </a:r>
-            <a:r>
-              <a:rPr b="1" dirty="0">
-                <a:latin typeface="NanumSquareOTF ExtraBold" panose="020B0600000101010101" pitchFamily="34" charset="-127"/>
-                <a:ea typeface="NanumSquareOTF ExtraBold" panose="020B0600000101010101" pitchFamily="34" charset="-127"/>
-              </a:rPr>
-              <a:t> </a:t>
-            </a:r>
-            <a:r>
-              <a:rPr b="1" dirty="0" err="1">
-                <a:latin typeface="NanumSquareOTF ExtraBold" panose="020B0600000101010101" pitchFamily="34" charset="-127"/>
-                <a:ea typeface="NanumSquareOTF ExtraBold" panose="020B0600000101010101" pitchFamily="34" charset="-127"/>
-              </a:rPr>
-              <a:t>뇌졸중</a:t>
-            </a:r>
-            <a:r>
-              <a:rPr b="1" dirty="0">
-                <a:latin typeface="NanumSquareOTF ExtraBold" panose="020B0600000101010101" pitchFamily="34" charset="-127"/>
-                <a:ea typeface="NanumSquareOTF ExtraBold" panose="020B0600000101010101" pitchFamily="34" charset="-127"/>
-              </a:rPr>
-              <a:t> </a:t>
-            </a:r>
-            <a:r>
-              <a:rPr b="1" dirty="0" err="1">
-                <a:latin typeface="NanumSquareOTF ExtraBold" panose="020B0600000101010101" pitchFamily="34" charset="-127"/>
-                <a:ea typeface="NanumSquareOTF ExtraBold" panose="020B0600000101010101" pitchFamily="34" charset="-127"/>
-              </a:rPr>
-              <a:t>탐지기</a:t>
-            </a:r>
-            <a:endParaRPr b="1" dirty="0">
-              <a:latin typeface="NanumSquareOTF ExtraBold" panose="020B0600000101010101" pitchFamily="34" charset="-127"/>
-              <a:ea typeface="NanumSquareOTF ExtraBold" panose="020B0600000101010101" pitchFamily="34" charset="-127"/>
-            </a:endParaRPr>
+              <a:rPr b="1">
+                <a:latin typeface="NanumSquareOTF ExtraBold" panose="020B0600000101010101" pitchFamily="34" charset="-127"/>
+                <a:ea typeface="NanumSquareOTF ExtraBold" panose="020B0600000101010101" pitchFamily="34" charset="-127"/>
+              </a:rPr>
+              <a:t>AI 기술을 결합한 실시간 능동적 뇌졸중 탐지기</a:t>
+            </a:r>
           </a:p>
         </p:txBody>
       </p:sp>
@@ -5950,7 +4905,7 @@
         <p:spPr>
           <a:xfrm>
             <a:off x="22789444" y="12833052"/>
-            <a:ext cx="1418658" cy="656590"/>
+            <a:ext cx="1131720" cy="656590"/>
           </a:xfrm>
           <a:prstGeom prst="rect">
             <a:avLst/>
@@ -5981,11 +4936,11 @@
           </a:lstStyle>
           <a:p>
             <a:r>
-              <a:rPr b="1" dirty="0">
-                <a:latin typeface="NanumSquareOTF ExtraBold" panose="020B0600000101010101" pitchFamily="34" charset="-127"/>
-                <a:ea typeface="NanumSquareOTF ExtraBold" panose="020B0600000101010101" pitchFamily="34" charset="-127"/>
-              </a:rPr>
-              <a:t>1 / 10</a:t>
+              <a:rPr b="1">
+                <a:latin typeface="NanumSquareOTF ExtraBold" panose="020B0600000101010101" pitchFamily="34" charset="-127"/>
+                <a:ea typeface="NanumSquareOTF ExtraBold" panose="020B0600000101010101" pitchFamily="34" charset="-127"/>
+              </a:rPr>
+              <a:t>1 / 9</a:t>
             </a:r>
           </a:p>
         </p:txBody>
@@ -6057,7 +5012,7 @@
           </a:lstStyle>
           <a:p>
             <a:r>
-              <a:rPr dirty="0">
+              <a:rPr>
                 <a:latin typeface="NanumSquareOTF ExtraBold" panose="020B0600000101010101" pitchFamily="34" charset="-127"/>
                 <a:ea typeface="NanumSquareOTF ExtraBold" panose="020B0600000101010101" pitchFamily="34" charset="-127"/>
               </a:rPr>
@@ -6665,11 +5620,130 @@
           </a:lstStyle>
           <a:p>
             <a:r>
-              <a:rPr b="1">
-                <a:latin typeface="NanumSquareOTF ExtraBold" panose="020B0600000101010101" pitchFamily="34" charset="-127"/>
-                <a:ea typeface="NanumSquareOTF ExtraBold" panose="020B0600000101010101" pitchFamily="34" charset="-127"/>
-              </a:rPr>
-              <a:t>집에 있는 가전을 이용해, 집을 하나의 진단 센터로 만들자!</a:t>
+              <a:rPr b="1" dirty="0" err="1">
+                <a:latin typeface="NanumSquareOTF ExtraBold" panose="020B0600000101010101" pitchFamily="34" charset="-127"/>
+                <a:ea typeface="NanumSquareOTF ExtraBold" panose="020B0600000101010101" pitchFamily="34" charset="-127"/>
+              </a:rPr>
+              <a:t>집에</a:t>
+            </a:r>
+            <a:r>
+              <a:rPr b="1" dirty="0">
+                <a:latin typeface="NanumSquareOTF ExtraBold" panose="020B0600000101010101" pitchFamily="34" charset="-127"/>
+                <a:ea typeface="NanumSquareOTF ExtraBold" panose="020B0600000101010101" pitchFamily="34" charset="-127"/>
+              </a:rPr>
+              <a:t> </a:t>
+            </a:r>
+            <a:r>
+              <a:rPr b="1" dirty="0" err="1">
+                <a:latin typeface="NanumSquareOTF ExtraBold" panose="020B0600000101010101" pitchFamily="34" charset="-127"/>
+                <a:ea typeface="NanumSquareOTF ExtraBold" panose="020B0600000101010101" pitchFamily="34" charset="-127"/>
+              </a:rPr>
+              <a:t>있는</a:t>
+            </a:r>
+            <a:r>
+              <a:rPr b="1" dirty="0">
+                <a:latin typeface="NanumSquareOTF ExtraBold" panose="020B0600000101010101" pitchFamily="34" charset="-127"/>
+                <a:ea typeface="NanumSquareOTF ExtraBold" panose="020B0600000101010101" pitchFamily="34" charset="-127"/>
+              </a:rPr>
+              <a:t> </a:t>
+            </a:r>
+            <a:r>
+              <a:rPr b="1" dirty="0" err="1">
+                <a:latin typeface="NanumSquareOTF ExtraBold" panose="020B0600000101010101" pitchFamily="34" charset="-127"/>
+                <a:ea typeface="NanumSquareOTF ExtraBold" panose="020B0600000101010101" pitchFamily="34" charset="-127"/>
+              </a:rPr>
+              <a:t>가전을</a:t>
+            </a:r>
+            <a:r>
+              <a:rPr b="1" dirty="0">
+                <a:latin typeface="NanumSquareOTF ExtraBold" panose="020B0600000101010101" pitchFamily="34" charset="-127"/>
+                <a:ea typeface="NanumSquareOTF ExtraBold" panose="020B0600000101010101" pitchFamily="34" charset="-127"/>
+              </a:rPr>
+              <a:t> </a:t>
+            </a:r>
+            <a:r>
+              <a:rPr b="1" dirty="0" err="1">
+                <a:latin typeface="NanumSquareOTF ExtraBold" panose="020B0600000101010101" pitchFamily="34" charset="-127"/>
+                <a:ea typeface="NanumSquareOTF ExtraBold" panose="020B0600000101010101" pitchFamily="34" charset="-127"/>
+              </a:rPr>
+              <a:t>이용해</a:t>
+            </a:r>
+            <a:r>
+              <a:rPr b="1" dirty="0">
+                <a:latin typeface="NanumSquareOTF ExtraBold" panose="020B0600000101010101" pitchFamily="34" charset="-127"/>
+                <a:ea typeface="NanumSquareOTF ExtraBold" panose="020B0600000101010101" pitchFamily="34" charset="-127"/>
+              </a:rPr>
+              <a:t>, </a:t>
+            </a:r>
+            <a:r>
+              <a:rPr b="1" dirty="0" err="1">
+                <a:latin typeface="NanumSquareOTF ExtraBold" panose="020B0600000101010101" pitchFamily="34" charset="-127"/>
+                <a:ea typeface="NanumSquareOTF ExtraBold" panose="020B0600000101010101" pitchFamily="34" charset="-127"/>
+              </a:rPr>
+              <a:t>집을</a:t>
+            </a:r>
+            <a:r>
+              <a:rPr b="1" dirty="0">
+                <a:latin typeface="NanumSquareOTF ExtraBold" panose="020B0600000101010101" pitchFamily="34" charset="-127"/>
+                <a:ea typeface="NanumSquareOTF ExtraBold" panose="020B0600000101010101" pitchFamily="34" charset="-127"/>
+              </a:rPr>
+              <a:t> </a:t>
+            </a:r>
+            <a:r>
+              <a:rPr b="1" dirty="0" err="1">
+                <a:latin typeface="NanumSquareOTF ExtraBold" panose="020B0600000101010101" pitchFamily="34" charset="-127"/>
+                <a:ea typeface="NanumSquareOTF ExtraBold" panose="020B0600000101010101" pitchFamily="34" charset="-127"/>
+              </a:rPr>
+              <a:t>하나의</a:t>
+            </a:r>
+            <a:r>
+              <a:rPr b="1" dirty="0">
+                <a:latin typeface="NanumSquareOTF ExtraBold" panose="020B0600000101010101" pitchFamily="34" charset="-127"/>
+                <a:ea typeface="NanumSquareOTF ExtraBold" panose="020B0600000101010101" pitchFamily="34" charset="-127"/>
+              </a:rPr>
+              <a:t> </a:t>
+            </a:r>
+            <a:r>
+              <a:rPr b="1" dirty="0" err="1">
+                <a:latin typeface="NanumSquareOTF ExtraBold" panose="020B0600000101010101" pitchFamily="34" charset="-127"/>
+                <a:ea typeface="NanumSquareOTF ExtraBold" panose="020B0600000101010101" pitchFamily="34" charset="-127"/>
+              </a:rPr>
+              <a:t>진단</a:t>
+            </a:r>
+            <a:r>
+              <a:rPr b="1" dirty="0">
+                <a:latin typeface="NanumSquareOTF ExtraBold" panose="020B0600000101010101" pitchFamily="34" charset="-127"/>
+                <a:ea typeface="NanumSquareOTF ExtraBold" panose="020B0600000101010101" pitchFamily="34" charset="-127"/>
+              </a:rPr>
+              <a:t> </a:t>
+            </a:r>
+            <a:r>
+              <a:rPr b="1" dirty="0" err="1">
+                <a:latin typeface="NanumSquareOTF ExtraBold" panose="020B0600000101010101" pitchFamily="34" charset="-127"/>
+                <a:ea typeface="NanumSquareOTF ExtraBold" panose="020B0600000101010101" pitchFamily="34" charset="-127"/>
+              </a:rPr>
+              <a:t>센터로</a:t>
+            </a:r>
+            <a:r>
+              <a:rPr b="1" dirty="0">
+                <a:latin typeface="NanumSquareOTF ExtraBold" panose="020B0600000101010101" pitchFamily="34" charset="-127"/>
+                <a:ea typeface="NanumSquareOTF ExtraBold" panose="020B0600000101010101" pitchFamily="34" charset="-127"/>
+              </a:rPr>
+              <a:t> </a:t>
+            </a:r>
+            <a:r>
+              <a:rPr b="1" dirty="0" err="1">
+                <a:latin typeface="NanumSquareOTF ExtraBold" panose="020B0600000101010101" pitchFamily="34" charset="-127"/>
+                <a:ea typeface="NanumSquareOTF ExtraBold" panose="020B0600000101010101" pitchFamily="34" charset="-127"/>
+              </a:rPr>
+              <a:t>만들자</a:t>
+            </a:r>
+            <a:r>
+              <a:rPr b="1" dirty="0">
+                <a:latin typeface="NanumSquareOTF ExtraBold" panose="020B0600000101010101" pitchFamily="34" charset="-127"/>
+                <a:ea typeface="NanumSquareOTF ExtraBold" panose="020B0600000101010101" pitchFamily="34" charset="-127"/>
+              </a:rPr>
+              <a:t>!</a:t>
             </a:r>
           </a:p>
         </p:txBody>
@@ -6883,7 +5957,7 @@
           </a:lstStyle>
           <a:p>
             <a:r>
-              <a:rPr dirty="0">
+              <a:rPr>
                 <a:latin typeface="NanumSquareOTF ExtraBold" panose="020B0600000101010101" pitchFamily="34" charset="-127"/>
                 <a:ea typeface="NanumSquareOTF ExtraBold" panose="020B0600000101010101" pitchFamily="34" charset="-127"/>
               </a:rPr>
@@ -6954,7 +6028,7 @@
         <p:spPr>
           <a:xfrm>
             <a:off x="22802144" y="12833052"/>
-            <a:ext cx="1418658" cy="656590"/>
+            <a:ext cx="1131720" cy="656590"/>
           </a:xfrm>
           <a:prstGeom prst="rect">
             <a:avLst/>
@@ -6989,7 +6063,7 @@
                 <a:latin typeface="NanumSquareOTF ExtraBold" panose="020B0600000101010101" pitchFamily="34" charset="-127"/>
                 <a:ea typeface="NanumSquareOTF ExtraBold" panose="020B0600000101010101" pitchFamily="34" charset="-127"/>
               </a:rPr>
-              <a:t>2 / 10</a:t>
+              <a:t>2 / 9</a:t>
             </a:r>
           </a:p>
         </p:txBody>
@@ -7368,11 +6442,18 @@
           </a:lstStyle>
           <a:p>
             <a:r>
-              <a:rPr>
-                <a:latin typeface="NanumSquareOTF ExtraBold" panose="020B0600000101010101" pitchFamily="34" charset="-127"/>
-                <a:ea typeface="NanumSquareOTF ExtraBold" panose="020B0600000101010101" pitchFamily="34" charset="-127"/>
-              </a:rPr>
-              <a:t>noStroke_data (2,510개)</a:t>
+              <a:rPr dirty="0" err="1">
+                <a:latin typeface="NanumSquareOTF ExtraBold" panose="020B0600000101010101" pitchFamily="34" charset="-127"/>
+                <a:ea typeface="NanumSquareOTF ExtraBold" panose="020B0600000101010101" pitchFamily="34" charset="-127"/>
+              </a:rPr>
+              <a:t>noStroke_data</a:t>
+            </a:r>
+            <a:r>
+              <a:rPr dirty="0">
+                <a:latin typeface="NanumSquareOTF ExtraBold" panose="020B0600000101010101" pitchFamily="34" charset="-127"/>
+                <a:ea typeface="NanumSquareOTF ExtraBold" panose="020B0600000101010101" pitchFamily="34" charset="-127"/>
+              </a:rPr>
+              <a:t> (2,510개)</a:t>
             </a:r>
           </a:p>
         </p:txBody>
@@ -7542,7 +6623,7 @@
           </a:lstStyle>
           <a:p>
             <a:r>
-              <a:rPr dirty="0">
+              <a:rPr>
                 <a:latin typeface="NanumSquareOTF ExtraBold" panose="020B0600000101010101" pitchFamily="34" charset="-127"/>
                 <a:ea typeface="NanumSquareOTF ExtraBold" panose="020B0600000101010101" pitchFamily="34" charset="-127"/>
               </a:rPr>
@@ -7652,7 +6733,7 @@
         <p:spPr>
           <a:xfrm>
             <a:off x="22789444" y="12833052"/>
-            <a:ext cx="1418658" cy="656590"/>
+            <a:ext cx="1131720" cy="656590"/>
           </a:xfrm>
           <a:prstGeom prst="rect">
             <a:avLst/>
@@ -7687,7 +6768,7 @@
                 <a:latin typeface="NanumSquareOTF ExtraBold" panose="020B0600000101010101" pitchFamily="34" charset="-127"/>
                 <a:ea typeface="NanumSquareOTF ExtraBold" panose="020B0600000101010101" pitchFamily="34" charset="-127"/>
               </a:rPr>
-              <a:t>3 / 10</a:t>
+              <a:t>3 / 9</a:t>
             </a:r>
           </a:p>
         </p:txBody>
@@ -7718,492 +6799,9 @@
           <a:chExt cx="0" cy="0"/>
         </a:xfrm>
       </p:grpSpPr>
-      <p:pic>
-        <p:nvPicPr>
-          <p:cNvPr id="202" name="ViT.png" descr="ViT.png"/>
-          <p:cNvPicPr>
-            <a:picLocks noChangeAspect="1"/>
-          </p:cNvPicPr>
-          <p:nvPr/>
-        </p:nvPicPr>
-        <p:blipFill>
-          <a:blip r:embed="rId2"/>
-          <a:stretch>
-            <a:fillRect/>
-          </a:stretch>
-        </p:blipFill>
-        <p:spPr>
-          <a:xfrm>
-            <a:off x="-148456" y="2034020"/>
-            <a:ext cx="15311381" cy="8402181"/>
-          </a:xfrm>
-          <a:prstGeom prst="rect">
-            <a:avLst/>
-          </a:prstGeom>
-          <a:ln w="12700">
-            <a:miter lim="400000"/>
-          </a:ln>
-        </p:spPr>
-      </p:pic>
-      <p:pic>
-        <p:nvPicPr>
-          <p:cNvPr id="203" name="스크린샷 2023-12-07 오후 8.52.04.png" descr="스크린샷 2023-12-07 오후 8.52.04.png"/>
-          <p:cNvPicPr>
-            <a:picLocks noChangeAspect="1"/>
-          </p:cNvPicPr>
-          <p:nvPr/>
-        </p:nvPicPr>
-        <p:blipFill>
-          <a:blip r:embed="rId3"/>
-          <a:stretch>
-            <a:fillRect/>
-          </a:stretch>
-        </p:blipFill>
-        <p:spPr>
-          <a:xfrm>
-            <a:off x="3703332" y="9666309"/>
-            <a:ext cx="7359998" cy="1149566"/>
-          </a:xfrm>
-          <a:prstGeom prst="rect">
-            <a:avLst/>
-          </a:prstGeom>
-          <a:ln w="12700">
-            <a:miter lim="400000"/>
-          </a:ln>
-        </p:spPr>
-      </p:pic>
-      <p:pic>
-        <p:nvPicPr>
-          <p:cNvPr id="204" name="스크린샷 2023-12-07 오후 8.52.15.png" descr="스크린샷 2023-12-07 오후 8.52.15.png"/>
-          <p:cNvPicPr>
-            <a:picLocks noChangeAspect="1"/>
-          </p:cNvPicPr>
-          <p:nvPr/>
-        </p:nvPicPr>
-        <p:blipFill>
-          <a:blip r:embed="rId4"/>
-          <a:stretch>
-            <a:fillRect/>
-          </a:stretch>
-        </p:blipFill>
-        <p:spPr>
-          <a:xfrm>
-            <a:off x="3626584" y="11402500"/>
-            <a:ext cx="8937056" cy="1710138"/>
-          </a:xfrm>
-          <a:prstGeom prst="rect">
-            <a:avLst/>
-          </a:prstGeom>
-          <a:ln w="12700">
-            <a:miter lim="400000"/>
-          </a:ln>
-        </p:spPr>
-      </p:pic>
       <p:sp>
         <p:nvSpPr>
-          <p:cNvPr id="205" name="AI - Implementation"/>
-          <p:cNvSpPr txBox="1"/>
-          <p:nvPr/>
-        </p:nvSpPr>
-        <p:spPr>
-          <a:xfrm>
-            <a:off x="809817" y="318714"/>
-            <a:ext cx="16411383" cy="1585627"/>
-          </a:xfrm>
-          <a:prstGeom prst="rect">
-            <a:avLst/>
-          </a:prstGeom>
-          <a:ln w="12700">
-            <a:miter lim="400000"/>
-          </a:ln>
-          <a:extLst>
-            <a:ext uri="{C572A759-6A51-4108-AA02-DFA0A04FC94B}">
-              <ma14:wrappingTextBoxFlag xmlns:ma14="http://schemas.microsoft.com/office/mac/drawingml/2011/main" xmlns:a14="http://schemas.microsoft.com/office/drawing/2010/main" xmlns:m="http://schemas.openxmlformats.org/officeDocument/2006/math" xmlns="" val="1"/>
-            </a:ext>
-          </a:extLst>
-        </p:spPr>
-        <p:txBody>
-          <a:bodyPr wrap="square" lIns="50800" tIns="50800" rIns="50800" bIns="50800" anchor="ctr">
-            <a:spAutoFit/>
-          </a:bodyPr>
-          <a:lstStyle>
-            <a:lvl1pPr>
-              <a:lnSpc>
-                <a:spcPct val="80000"/>
-              </a:lnSpc>
-              <a:spcBef>
-                <a:spcPts val="0"/>
-              </a:spcBef>
-              <a:defRPr sz="11600" b="1" spc="-232"/>
-            </a:lvl1pPr>
-          </a:lstStyle>
-          <a:p>
-            <a:r>
-              <a:rPr dirty="0">
-                <a:latin typeface="NanumSquareOTF ExtraBold" panose="020B0600000101010101" pitchFamily="34" charset="-127"/>
-                <a:ea typeface="NanumSquareOTF ExtraBold" panose="020B0600000101010101" pitchFamily="34" charset="-127"/>
-              </a:rPr>
-              <a:t>AI - Vision Transformer</a:t>
-            </a:r>
-          </a:p>
-        </p:txBody>
-      </p:sp>
-      <p:pic>
-        <p:nvPicPr>
-          <p:cNvPr id="206" name="선 선" descr="선 선"/>
-          <p:cNvPicPr>
-            <a:picLocks noChangeAspect="1"/>
-          </p:cNvPicPr>
-          <p:nvPr/>
-        </p:nvPicPr>
-        <p:blipFill>
-          <a:blip r:embed="rId5"/>
-          <a:stretch>
-            <a:fillRect/>
-          </a:stretch>
-        </p:blipFill>
-        <p:spPr>
-          <a:xfrm>
-            <a:off x="560890" y="2169866"/>
-            <a:ext cx="23590713" cy="76202"/>
-          </a:xfrm>
-          <a:prstGeom prst="rect">
-            <a:avLst/>
-          </a:prstGeom>
-          <a:ln w="12700">
-            <a:miter lim="400000"/>
-          </a:ln>
-        </p:spPr>
-      </p:pic>
-      <p:sp>
-        <p:nvSpPr>
-          <p:cNvPr id="207" name="이미지 처리에 특화…"/>
-          <p:cNvSpPr txBox="1"/>
-          <p:nvPr/>
-        </p:nvSpPr>
-        <p:spPr>
-          <a:xfrm>
-            <a:off x="14874715" y="5381720"/>
-            <a:ext cx="9019052" cy="6981014"/>
-          </a:xfrm>
-          <a:prstGeom prst="rect">
-            <a:avLst/>
-          </a:prstGeom>
-          <a:ln w="12700">
-            <a:miter lim="400000"/>
-          </a:ln>
-          <a:extLst>
-            <a:ext uri="{C572A759-6A51-4108-AA02-DFA0A04FC94B}">
-              <ma14:wrappingTextBoxFlag xmlns:ma14="http://schemas.microsoft.com/office/mac/drawingml/2011/main" xmlns:a14="http://schemas.microsoft.com/office/drawing/2010/main" xmlns:m="http://schemas.openxmlformats.org/officeDocument/2006/math" xmlns="" val="1"/>
-            </a:ext>
-          </a:extLst>
-        </p:spPr>
-        <p:txBody>
-          <a:bodyPr wrap="square" lIns="50800" tIns="50800" rIns="50800" bIns="50800" anchor="ctr">
-            <a:spAutoFit/>
-          </a:bodyPr>
-          <a:lstStyle/>
-          <a:p>
-            <a:pPr>
-              <a:defRPr b="1"/>
-            </a:pPr>
-            <a:r>
-              <a:rPr b="1" dirty="0">
-                <a:latin typeface="NanumSquareOTF ExtraBold" panose="020B0600000101010101" pitchFamily="34" charset="-127"/>
-                <a:ea typeface="NanumSquareOTF ExtraBold" panose="020B0600000101010101" pitchFamily="34" charset="-127"/>
-              </a:rPr>
-              <a:t>1. </a:t>
-            </a:r>
-            <a:r>
-              <a:rPr b="1" dirty="0" err="1">
-                <a:latin typeface="NanumSquareOTF ExtraBold" panose="020B0600000101010101" pitchFamily="34" charset="-127"/>
-                <a:ea typeface="NanumSquareOTF ExtraBold" panose="020B0600000101010101" pitchFamily="34" charset="-127"/>
-              </a:rPr>
-              <a:t>이미지</a:t>
-            </a:r>
-            <a:r>
-              <a:rPr b="1" dirty="0">
-                <a:latin typeface="NanumSquareOTF ExtraBold" panose="020B0600000101010101" pitchFamily="34" charset="-127"/>
-                <a:ea typeface="NanumSquareOTF ExtraBold" panose="020B0600000101010101" pitchFamily="34" charset="-127"/>
-              </a:rPr>
-              <a:t> </a:t>
-            </a:r>
-            <a:r>
-              <a:rPr b="1" dirty="0" err="1">
-                <a:latin typeface="NanumSquareOTF ExtraBold" panose="020B0600000101010101" pitchFamily="34" charset="-127"/>
-                <a:ea typeface="NanumSquareOTF ExtraBold" panose="020B0600000101010101" pitchFamily="34" charset="-127"/>
-              </a:rPr>
-              <a:t>처리에</a:t>
-            </a:r>
-            <a:r>
-              <a:rPr b="1" dirty="0">
-                <a:latin typeface="NanumSquareOTF ExtraBold" panose="020B0600000101010101" pitchFamily="34" charset="-127"/>
-                <a:ea typeface="NanumSquareOTF ExtraBold" panose="020B0600000101010101" pitchFamily="34" charset="-127"/>
-              </a:rPr>
-              <a:t> </a:t>
-            </a:r>
-            <a:r>
-              <a:rPr b="1" dirty="0" err="1">
-                <a:latin typeface="NanumSquareOTF ExtraBold" panose="020B0600000101010101" pitchFamily="34" charset="-127"/>
-                <a:ea typeface="NanumSquareOTF ExtraBold" panose="020B0600000101010101" pitchFamily="34" charset="-127"/>
-              </a:rPr>
-              <a:t>특화</a:t>
-            </a:r>
-            <a:endParaRPr b="1" dirty="0">
-              <a:latin typeface="NanumSquareOTF ExtraBold" panose="020B0600000101010101" pitchFamily="34" charset="-127"/>
-              <a:ea typeface="NanumSquareOTF ExtraBold" panose="020B0600000101010101" pitchFamily="34" charset="-127"/>
-            </a:endParaRPr>
-          </a:p>
-          <a:p>
-            <a:pPr>
-              <a:defRPr b="1"/>
-            </a:pPr>
-            <a:endParaRPr b="1" dirty="0">
-              <a:latin typeface="NanumSquareOTF ExtraBold" panose="020B0600000101010101" pitchFamily="34" charset="-127"/>
-              <a:ea typeface="NanumSquareOTF ExtraBold" panose="020B0600000101010101" pitchFamily="34" charset="-127"/>
-            </a:endParaRPr>
-          </a:p>
-          <a:p>
-            <a:pPr>
-              <a:defRPr b="1"/>
-            </a:pPr>
-            <a:r>
-              <a:rPr b="1" dirty="0">
-                <a:latin typeface="NanumSquareOTF ExtraBold" panose="020B0600000101010101" pitchFamily="34" charset="-127"/>
-                <a:ea typeface="NanumSquareOTF ExtraBold" panose="020B0600000101010101" pitchFamily="34" charset="-127"/>
-              </a:rPr>
-              <a:t>2. GPU </a:t>
-            </a:r>
-            <a:r>
-              <a:rPr b="1" dirty="0" err="1">
-                <a:latin typeface="NanumSquareOTF ExtraBold" panose="020B0600000101010101" pitchFamily="34" charset="-127"/>
-                <a:ea typeface="NanumSquareOTF ExtraBold" panose="020B0600000101010101" pitchFamily="34" charset="-127"/>
-              </a:rPr>
-              <a:t>가속</a:t>
-            </a:r>
-            <a:r>
-              <a:rPr b="1" dirty="0">
-                <a:latin typeface="NanumSquareOTF ExtraBold" panose="020B0600000101010101" pitchFamily="34" charset="-127"/>
-                <a:ea typeface="NanumSquareOTF ExtraBold" panose="020B0600000101010101" pitchFamily="34" charset="-127"/>
-              </a:rPr>
-              <a:t> (</a:t>
-            </a:r>
-            <a:r>
-              <a:rPr b="1" dirty="0" err="1">
-                <a:latin typeface="NanumSquareOTF ExtraBold" panose="020B0600000101010101" pitchFamily="34" charset="-127"/>
-                <a:ea typeface="NanumSquareOTF ExtraBold" panose="020B0600000101010101" pitchFamily="34" charset="-127"/>
-              </a:rPr>
-              <a:t>Pytorch</a:t>
-            </a:r>
-            <a:r>
-              <a:rPr b="1" dirty="0">
-                <a:latin typeface="NanumSquareOTF ExtraBold" panose="020B0600000101010101" pitchFamily="34" charset="-127"/>
-                <a:ea typeface="NanumSquareOTF ExtraBold" panose="020B0600000101010101" pitchFamily="34" charset="-127"/>
-              </a:rPr>
-              <a:t>)</a:t>
-            </a:r>
-          </a:p>
-          <a:p>
-            <a:pPr>
-              <a:defRPr b="1"/>
-            </a:pPr>
-            <a:endParaRPr b="1" dirty="0">
-              <a:latin typeface="NanumSquareOTF ExtraBold" panose="020B0600000101010101" pitchFamily="34" charset="-127"/>
-              <a:ea typeface="NanumSquareOTF ExtraBold" panose="020B0600000101010101" pitchFamily="34" charset="-127"/>
-            </a:endParaRPr>
-          </a:p>
-          <a:p>
-            <a:pPr>
-              <a:defRPr b="1"/>
-            </a:pPr>
-            <a:r>
-              <a:rPr b="1" dirty="0">
-                <a:latin typeface="NanumSquareOTF ExtraBold" panose="020B0600000101010101" pitchFamily="34" charset="-127"/>
-                <a:ea typeface="NanumSquareOTF ExtraBold" panose="020B0600000101010101" pitchFamily="34" charset="-127"/>
-              </a:rPr>
-              <a:t>3. </a:t>
-            </a:r>
-            <a:r>
-              <a:rPr b="1" dirty="0" err="1">
-                <a:latin typeface="NanumSquareOTF ExtraBold" panose="020B0600000101010101" pitchFamily="34" charset="-127"/>
-                <a:ea typeface="NanumSquareOTF ExtraBold" panose="020B0600000101010101" pitchFamily="34" charset="-127"/>
-              </a:rPr>
-              <a:t>입</a:t>
-            </a:r>
-            <a:r>
-              <a:rPr b="1" dirty="0">
-                <a:latin typeface="NanumSquareOTF ExtraBold" panose="020B0600000101010101" pitchFamily="34" charset="-127"/>
-                <a:ea typeface="NanumSquareOTF ExtraBold" panose="020B0600000101010101" pitchFamily="34" charset="-127"/>
-              </a:rPr>
-              <a:t> </a:t>
-            </a:r>
-            <a:r>
-              <a:rPr b="1" dirty="0" err="1">
-                <a:latin typeface="NanumSquareOTF ExtraBold" panose="020B0600000101010101" pitchFamily="34" charset="-127"/>
-                <a:ea typeface="NanumSquareOTF ExtraBold" panose="020B0600000101010101" pitchFamily="34" charset="-127"/>
-              </a:rPr>
-              <a:t>주변부만</a:t>
-            </a:r>
-            <a:r>
-              <a:rPr b="1" dirty="0">
-                <a:latin typeface="NanumSquareOTF ExtraBold" panose="020B0600000101010101" pitchFamily="34" charset="-127"/>
-                <a:ea typeface="NanumSquareOTF ExtraBold" panose="020B0600000101010101" pitchFamily="34" charset="-127"/>
-              </a:rPr>
-              <a:t> </a:t>
-            </a:r>
-            <a:r>
-              <a:rPr b="1" dirty="0" err="1">
-                <a:latin typeface="NanumSquareOTF ExtraBold" panose="020B0600000101010101" pitchFamily="34" charset="-127"/>
-                <a:ea typeface="NanumSquareOTF ExtraBold" panose="020B0600000101010101" pitchFamily="34" charset="-127"/>
-              </a:rPr>
-              <a:t>집중해서</a:t>
-            </a:r>
-            <a:r>
-              <a:rPr b="1" dirty="0">
-                <a:latin typeface="NanumSquareOTF ExtraBold" panose="020B0600000101010101" pitchFamily="34" charset="-127"/>
-                <a:ea typeface="NanumSquareOTF ExtraBold" panose="020B0600000101010101" pitchFamily="34" charset="-127"/>
-              </a:rPr>
-              <a:t> </a:t>
-            </a:r>
-            <a:r>
-              <a:rPr b="1" dirty="0" err="1">
-                <a:latin typeface="NanumSquareOTF ExtraBold" panose="020B0600000101010101" pitchFamily="34" charset="-127"/>
-                <a:ea typeface="NanumSquareOTF ExtraBold" panose="020B0600000101010101" pitchFamily="34" charset="-127"/>
-              </a:rPr>
-              <a:t>정확도를</a:t>
-            </a:r>
-            <a:r>
-              <a:rPr b="1" dirty="0">
-                <a:latin typeface="NanumSquareOTF ExtraBold" panose="020B0600000101010101" pitchFamily="34" charset="-127"/>
-                <a:ea typeface="NanumSquareOTF ExtraBold" panose="020B0600000101010101" pitchFamily="34" charset="-127"/>
-              </a:rPr>
-              <a:t> </a:t>
-            </a:r>
-          </a:p>
-          <a:p>
-            <a:pPr>
-              <a:defRPr b="1"/>
-            </a:pPr>
-            <a:r>
-              <a:rPr b="1" dirty="0" err="1">
-                <a:latin typeface="NanumSquareOTF ExtraBold" panose="020B0600000101010101" pitchFamily="34" charset="-127"/>
-                <a:ea typeface="NanumSquareOTF ExtraBold" panose="020B0600000101010101" pitchFamily="34" charset="-127"/>
-              </a:rPr>
-              <a:t>향상할</a:t>
-            </a:r>
-            <a:r>
-              <a:rPr b="1" dirty="0">
-                <a:latin typeface="NanumSquareOTF ExtraBold" panose="020B0600000101010101" pitchFamily="34" charset="-127"/>
-                <a:ea typeface="NanumSquareOTF ExtraBold" panose="020B0600000101010101" pitchFamily="34" charset="-127"/>
-              </a:rPr>
-              <a:t> </a:t>
-            </a:r>
-            <a:r>
-              <a:rPr b="1" dirty="0" err="1">
-                <a:latin typeface="NanumSquareOTF ExtraBold" panose="020B0600000101010101" pitchFamily="34" charset="-127"/>
-                <a:ea typeface="NanumSquareOTF ExtraBold" panose="020B0600000101010101" pitchFamily="34" charset="-127"/>
-              </a:rPr>
-              <a:t>것이라</a:t>
-            </a:r>
-            <a:r>
-              <a:rPr b="1" dirty="0">
-                <a:latin typeface="NanumSquareOTF ExtraBold" panose="020B0600000101010101" pitchFamily="34" charset="-127"/>
-                <a:ea typeface="NanumSquareOTF ExtraBold" panose="020B0600000101010101" pitchFamily="34" charset="-127"/>
-              </a:rPr>
-              <a:t> </a:t>
-            </a:r>
-            <a:r>
-              <a:rPr b="1" dirty="0" err="1">
-                <a:latin typeface="NanumSquareOTF ExtraBold" panose="020B0600000101010101" pitchFamily="34" charset="-127"/>
-                <a:ea typeface="NanumSquareOTF ExtraBold" panose="020B0600000101010101" pitchFamily="34" charset="-127"/>
-              </a:rPr>
-              <a:t>기대</a:t>
-            </a:r>
-            <a:endParaRPr b="1" dirty="0">
-              <a:latin typeface="NanumSquareOTF ExtraBold" panose="020B0600000101010101" pitchFamily="34" charset="-127"/>
-              <a:ea typeface="NanumSquareOTF ExtraBold" panose="020B0600000101010101" pitchFamily="34" charset="-127"/>
-            </a:endParaRPr>
-          </a:p>
-        </p:txBody>
-      </p:sp>
-      <p:sp>
-        <p:nvSpPr>
-          <p:cNvPr id="208" name="5/13"/>
-          <p:cNvSpPr txBox="1"/>
-          <p:nvPr/>
-        </p:nvSpPr>
-        <p:spPr>
-          <a:xfrm>
-            <a:off x="22789443" y="12833052"/>
-            <a:ext cx="1464293" cy="656590"/>
-          </a:xfrm>
-          <a:prstGeom prst="rect">
-            <a:avLst/>
-          </a:prstGeom>
-          <a:ln w="12700">
-            <a:miter lim="400000"/>
-          </a:ln>
-          <a:extLst>
-            <a:ext uri="{C572A759-6A51-4108-AA02-DFA0A04FC94B}">
-              <ma14:wrappingTextBoxFlag xmlns:ma14="http://schemas.microsoft.com/office/mac/drawingml/2011/main" xmlns:a14="http://schemas.microsoft.com/office/drawing/2010/main" xmlns:m="http://schemas.openxmlformats.org/officeDocument/2006/math" xmlns="" val="1"/>
-            </a:ext>
-          </a:extLst>
-        </p:spPr>
-        <p:txBody>
-          <a:bodyPr wrap="square" lIns="50800" tIns="50800" rIns="50800" bIns="50800" anchor="ctr">
-            <a:spAutoFit/>
-          </a:bodyPr>
-          <a:lstStyle>
-            <a:lvl1pPr defTabSz="825500">
-              <a:lnSpc>
-                <a:spcPct val="100000"/>
-              </a:lnSpc>
-              <a:spcBef>
-                <a:spcPts val="0"/>
-              </a:spcBef>
-              <a:defRPr sz="3600"/>
-            </a:lvl1pPr>
-          </a:lstStyle>
-          <a:p>
-            <a:r>
-              <a:rPr b="1">
-                <a:latin typeface="NanumSquareOTF ExtraBold" panose="020B0600000101010101" pitchFamily="34" charset="-127"/>
-                <a:ea typeface="NanumSquareOTF ExtraBold" panose="020B0600000101010101" pitchFamily="34" charset="-127"/>
-              </a:rPr>
-              <a:t>4 / 10</a:t>
-            </a:r>
-          </a:p>
-        </p:txBody>
-      </p:sp>
-    </p:spTree>
-  </p:cSld>
-  <p:clrMapOvr>
-    <a:masterClrMapping/>
-  </p:clrMapOvr>
-  <p:transition spd="med"/>
-</p:sld>
-</file>
-
-<file path=ppt/slides/slide6.xml><?xml version="1.0" encoding="utf-8"?>
-<p:sld xmlns:a="http://schemas.openxmlformats.org/drawingml/2006/main" xmlns:r="http://schemas.openxmlformats.org/officeDocument/2006/relationships" xmlns:p="http://schemas.openxmlformats.org/presentationml/2006/main">
-  <p:cSld>
-    <p:spTree>
-      <p:nvGrpSpPr>
-        <p:cNvPr id="1" name=""/>
-        <p:cNvGrpSpPr/>
-        <p:nvPr/>
-      </p:nvGrpSpPr>
-      <p:grpSpPr>
-        <a:xfrm>
-          <a:off x="0" y="0"/>
-          <a:ext cx="0" cy="0"/>
-          <a:chOff x="0" y="0"/>
-          <a:chExt cx="0" cy="0"/>
-        </a:xfrm>
-      </p:grpSpPr>
-      <p:sp>
-        <p:nvSpPr>
-          <p:cNvPr id="210" name="AI - Implementation"/>
+          <p:cNvPr id="202" name="AI - Implementation"/>
           <p:cNvSpPr txBox="1"/>
           <p:nvPr/>
         </p:nvSpPr>
@@ -8245,14 +6843,25 @@
                 <a:latin typeface="NanumSquareOTF ExtraBold" panose="020B0600000101010101" pitchFamily="34" charset="-127"/>
                 <a:ea typeface="NanumSquareOTF ExtraBold" panose="020B0600000101010101" pitchFamily="34" charset="-127"/>
               </a:rPr>
-              <a:t>AI - Implementation</a:t>
-            </a:r>
+              <a:t>AI - </a:t>
+            </a:r>
+            <a:r>
+              <a:rPr dirty="0" err="1">
+                <a:latin typeface="NanumSquareOTF ExtraBold" panose="020B0600000101010101" pitchFamily="34" charset="-127"/>
+                <a:ea typeface="NanumSquareOTF ExtraBold" panose="020B0600000101010101" pitchFamily="34" charset="-127"/>
+              </a:rPr>
+              <a:t>ViT</a:t>
+            </a:r>
+            <a:endParaRPr dirty="0">
+              <a:latin typeface="NanumSquareOTF ExtraBold" panose="020B0600000101010101" pitchFamily="34" charset="-127"/>
+              <a:ea typeface="NanumSquareOTF ExtraBold" panose="020B0600000101010101" pitchFamily="34" charset="-127"/>
+            </a:endParaRPr>
           </a:p>
         </p:txBody>
       </p:sp>
       <p:pic>
         <p:nvPicPr>
-          <p:cNvPr id="211" name="선 선" descr="선 선"/>
+          <p:cNvPr id="203" name="선 선" descr="선 선"/>
           <p:cNvPicPr>
             <a:picLocks noChangeAspect="1"/>
           </p:cNvPicPr>
@@ -8279,14 +6888,14 @@
       </p:pic>
       <p:sp>
         <p:nvSpPr>
-          <p:cNvPr id="212" name="(1, 150, 150)…"/>
+          <p:cNvPr id="204" name="(1, 150, 150)…"/>
           <p:cNvSpPr txBox="1"/>
           <p:nvPr/>
         </p:nvSpPr>
         <p:spPr>
           <a:xfrm>
-            <a:off x="13256378" y="2725118"/>
-            <a:ext cx="10643940" cy="8384859"/>
+            <a:off x="14750397" y="3157384"/>
+            <a:ext cx="7643118" cy="8222892"/>
           </a:xfrm>
           <a:prstGeom prst="rect">
             <a:avLst/>
@@ -8315,9 +6924,9 @@
               </a:defRPr>
             </a:pPr>
             <a:r>
-              <a:rPr b="1" dirty="0">
-                <a:latin typeface="D2Coding" panose="020B0609020101020101" pitchFamily="49" charset="-127"/>
-                <a:ea typeface="D2Coding" panose="020B0609020101020101" pitchFamily="49" charset="-127"/>
+              <a:rPr b="1">
+                <a:latin typeface="NanumSquareOTF ExtraBold" panose="020B0600000101010101" pitchFamily="34" charset="-127"/>
+                <a:ea typeface="NanumSquareOTF ExtraBold" panose="020B0600000101010101" pitchFamily="34" charset="-127"/>
               </a:rPr>
               <a:t>(1, 150, 150) </a:t>
             </a:r>
@@ -8332,9 +6941,9 @@
               </a:defRPr>
             </a:pPr>
             <a:r>
-              <a:rPr b="1" dirty="0">
-                <a:latin typeface="D2Coding" panose="020B0609020101020101" pitchFamily="49" charset="-127"/>
-                <a:ea typeface="D2Coding" panose="020B0609020101020101" pitchFamily="49" charset="-127"/>
+              <a:rPr b="1">
+                <a:latin typeface="NanumSquareOTF ExtraBold" panose="020B0600000101010101" pitchFamily="34" charset="-127"/>
+                <a:ea typeface="NanumSquareOTF ExtraBold" panose="020B0600000101010101" pitchFamily="34" charset="-127"/>
               </a:rPr>
               <a:t>-&gt; (1, 50*50, 3*3) </a:t>
             </a:r>
@@ -8349,9 +6958,9 @@
               </a:defRPr>
             </a:pPr>
             <a:r>
-              <a:rPr b="1" dirty="0">
-                <a:latin typeface="D2Coding" panose="020B0609020101020101" pitchFamily="49" charset="-127"/>
-                <a:ea typeface="D2Coding" panose="020B0609020101020101" pitchFamily="49" charset="-127"/>
+              <a:rPr b="1">
+                <a:latin typeface="NanumSquareOTF ExtraBold" panose="020B0600000101010101" pitchFamily="34" charset="-127"/>
+                <a:ea typeface="NanumSquareOTF ExtraBold" panose="020B0600000101010101" pitchFamily="34" charset="-127"/>
               </a:rPr>
               <a:t>-&gt; (1, 2500, 4)</a:t>
             </a:r>
@@ -8366,9 +6975,9 @@
               </a:defRPr>
             </a:pPr>
             <a:r>
-              <a:rPr b="1" dirty="0">
-                <a:latin typeface="D2Coding" panose="020B0609020101020101" pitchFamily="49" charset="-127"/>
-                <a:ea typeface="D2Coding" panose="020B0609020101020101" pitchFamily="49" charset="-127"/>
+              <a:rPr b="1">
+                <a:latin typeface="NanumSquareOTF ExtraBold" panose="020B0600000101010101" pitchFamily="34" charset="-127"/>
+                <a:ea typeface="NanumSquareOTF ExtraBold" panose="020B0600000101010101" pitchFamily="34" charset="-127"/>
               </a:rPr>
               <a:t>-&gt; (1, 2501, 4) </a:t>
             </a:r>
@@ -8383,9 +6992,9 @@
               </a:defRPr>
             </a:pPr>
             <a:r>
-              <a:rPr b="1" dirty="0">
-                <a:latin typeface="D2Coding" panose="020B0609020101020101" pitchFamily="49" charset="-127"/>
-                <a:ea typeface="D2Coding" panose="020B0609020101020101" pitchFamily="49" charset="-127"/>
+              <a:rPr b="1">
+                <a:latin typeface="NanumSquareOTF ExtraBold" panose="020B0600000101010101" pitchFamily="34" charset="-127"/>
+                <a:ea typeface="NanumSquareOTF ExtraBold" panose="020B0600000101010101" pitchFamily="34" charset="-127"/>
               </a:rPr>
               <a:t>-&gt;(1, 2501, 2, 2) </a:t>
             </a:r>
@@ -8400,9 +7009,9 @@
               </a:defRPr>
             </a:pPr>
             <a:r>
-              <a:rPr b="1" dirty="0">
-                <a:latin typeface="D2Coding" panose="020B0609020101020101" pitchFamily="49" charset="-127"/>
-                <a:ea typeface="D2Coding" panose="020B0609020101020101" pitchFamily="49" charset="-127"/>
+              <a:rPr b="1">
+                <a:latin typeface="NanumSquareOTF ExtraBold" panose="020B0600000101010101" pitchFamily="34" charset="-127"/>
+                <a:ea typeface="NanumSquareOTF ExtraBold" panose="020B0600000101010101" pitchFamily="34" charset="-127"/>
               </a:rPr>
               <a:t>-&gt; (1, 2501, 4) </a:t>
             </a:r>
@@ -8417,25 +7026,18 @@
               </a:defRPr>
             </a:pPr>
             <a:r>
-              <a:rPr b="1" dirty="0">
-                <a:latin typeface="D2Coding" panose="020B0609020101020101" pitchFamily="49" charset="-127"/>
-                <a:ea typeface="D2Coding" panose="020B0609020101020101" pitchFamily="49" charset="-127"/>
-              </a:rPr>
-              <a:t>-&gt; </a:t>
-            </a:r>
-            <a:r>
-              <a:rPr sz="6000" b="1" dirty="0">
-                <a:latin typeface="D2Coding" panose="020B0609020101020101" pitchFamily="49" charset="-127"/>
-                <a:ea typeface="D2Coding" panose="020B0609020101020101" pitchFamily="49" charset="-127"/>
-              </a:rPr>
-              <a:t>classification (binary)  </a:t>
+              <a:rPr b="1">
+                <a:latin typeface="NanumSquareOTF ExtraBold" panose="020B0600000101010101" pitchFamily="34" charset="-127"/>
+                <a:ea typeface="NanumSquareOTF ExtraBold" panose="020B0600000101010101" pitchFamily="34" charset="-127"/>
+              </a:rPr>
+              <a:t>-&gt; classification (binary)  </a:t>
             </a:r>
           </a:p>
         </p:txBody>
       </p:sp>
       <p:pic>
         <p:nvPicPr>
-          <p:cNvPr id="213" name="스크린샷 2023-12-07 오후 9.44.58.png" descr="스크린샷 2023-12-07 오후 9.44.58.png"/>
+          <p:cNvPr id="205" name="스크린샷 2023-12-07 오후 9.44.58.png" descr="스크린샷 2023-12-07 오후 9.44.58.png"/>
           <p:cNvPicPr>
             <a:picLocks noChangeAspect="1"/>
           </p:cNvPicPr>
@@ -8449,8 +7051,8 @@
         </p:blipFill>
         <p:spPr>
           <a:xfrm>
-            <a:off x="949889" y="2678649"/>
-            <a:ext cx="13439527" cy="2580708"/>
+            <a:off x="357469" y="2379623"/>
+            <a:ext cx="12214919" cy="2345555"/>
           </a:xfrm>
           <a:prstGeom prst="rect">
             <a:avLst/>
@@ -8462,7 +7064,7 @@
       </p:pic>
       <p:pic>
         <p:nvPicPr>
-          <p:cNvPr id="214" name="스크린샷 2023-12-07 오후 9.34.37.png" descr="스크린샷 2023-12-07 오후 9.34.37.png"/>
+          <p:cNvPr id="206" name="스크린샷 2023-12-07 오후 9.34.37.png" descr="스크린샷 2023-12-07 오후 9.34.37.png"/>
           <p:cNvPicPr>
             <a:picLocks noChangeAspect="1"/>
           </p:cNvPicPr>
@@ -8476,8 +7078,8 @@
         </p:blipFill>
         <p:spPr>
           <a:xfrm>
-            <a:off x="1957280" y="3060450"/>
-            <a:ext cx="10100121" cy="10351785"/>
+            <a:off x="2072241" y="3898690"/>
+            <a:ext cx="10164266" cy="10417528"/>
           </a:xfrm>
           <a:prstGeom prst="rect">
             <a:avLst/>
@@ -8489,21 +7091,21 @@
       </p:pic>
       <p:grpSp>
         <p:nvGrpSpPr>
-          <p:cNvPr id="230" name="그룹화"/>
+          <p:cNvPr id="222" name="그룹화"/>
           <p:cNvGrpSpPr/>
           <p:nvPr/>
         </p:nvGrpSpPr>
         <p:grpSpPr>
           <a:xfrm>
-            <a:off x="1984433" y="5401803"/>
-            <a:ext cx="7608424" cy="7683026"/>
+            <a:off x="13951312" y="2188271"/>
+            <a:ext cx="7608425" cy="7683027"/>
             <a:chOff x="0" y="18405"/>
             <a:chExt cx="7608423" cy="7683025"/>
           </a:xfrm>
         </p:grpSpPr>
         <p:pic>
           <p:nvPicPr>
-            <p:cNvPr id="215" name="aug_0_90.jpg" descr="aug_0_90.jpg"/>
+            <p:cNvPr id="207" name="aug_0_90.jpg" descr="aug_0_90.jpg"/>
             <p:cNvPicPr>
               <a:picLocks noChangeAspect="1"/>
             </p:cNvPicPr>
@@ -8532,7 +7134,7 @@
         </p:pic>
         <p:sp>
           <p:nvSpPr>
-            <p:cNvPr id="216" name="선"/>
+            <p:cNvPr id="208" name="선"/>
             <p:cNvSpPr/>
             <p:nvPr/>
           </p:nvSpPr>
@@ -8571,7 +7173,7 @@
         </p:sp>
         <p:sp>
           <p:nvSpPr>
-            <p:cNvPr id="217" name="선"/>
+            <p:cNvPr id="209" name="선"/>
             <p:cNvSpPr/>
             <p:nvPr/>
           </p:nvSpPr>
@@ -8610,7 +7212,7 @@
         </p:sp>
         <p:sp>
           <p:nvSpPr>
-            <p:cNvPr id="218" name="150"/>
+            <p:cNvPr id="210" name="150"/>
             <p:cNvSpPr txBox="1"/>
             <p:nvPr/>
           </p:nvSpPr>
@@ -8652,7 +7254,7 @@
         </p:sp>
         <p:sp>
           <p:nvSpPr>
-            <p:cNvPr id="219" name="150"/>
+            <p:cNvPr id="211" name="150"/>
             <p:cNvSpPr txBox="1"/>
             <p:nvPr/>
           </p:nvSpPr>
@@ -8694,7 +7296,7 @@
         </p:sp>
         <p:sp>
           <p:nvSpPr>
-            <p:cNvPr id="220" name="선"/>
+            <p:cNvPr id="212" name="선"/>
             <p:cNvSpPr/>
             <p:nvPr/>
           </p:nvSpPr>
@@ -8731,7 +7333,7 @@
         </p:sp>
         <p:sp>
           <p:nvSpPr>
-            <p:cNvPr id="221" name="선"/>
+            <p:cNvPr id="213" name="선"/>
             <p:cNvSpPr/>
             <p:nvPr/>
           </p:nvSpPr>
@@ -8768,7 +7370,7 @@
         </p:sp>
         <p:sp>
           <p:nvSpPr>
-            <p:cNvPr id="222" name="선"/>
+            <p:cNvPr id="214" name="선"/>
             <p:cNvSpPr/>
             <p:nvPr/>
           </p:nvSpPr>
@@ -8805,7 +7407,7 @@
         </p:sp>
         <p:sp>
           <p:nvSpPr>
-            <p:cNvPr id="223" name="선"/>
+            <p:cNvPr id="215" name="선"/>
             <p:cNvSpPr/>
             <p:nvPr/>
           </p:nvSpPr>
@@ -8842,7 +7444,7 @@
         </p:sp>
         <p:sp>
           <p:nvSpPr>
-            <p:cNvPr id="224" name="선"/>
+            <p:cNvPr id="216" name="선"/>
             <p:cNvSpPr/>
             <p:nvPr/>
           </p:nvSpPr>
@@ -8879,7 +7481,7 @@
         </p:sp>
         <p:sp>
           <p:nvSpPr>
-            <p:cNvPr id="225" name="선"/>
+            <p:cNvPr id="217" name="선"/>
             <p:cNvSpPr/>
             <p:nvPr/>
           </p:nvSpPr>
@@ -8916,7 +7518,7 @@
         </p:sp>
         <p:sp>
           <p:nvSpPr>
-            <p:cNvPr id="226" name="선"/>
+            <p:cNvPr id="218" name="선"/>
             <p:cNvSpPr/>
             <p:nvPr/>
           </p:nvSpPr>
@@ -8953,7 +7555,7 @@
         </p:sp>
         <p:sp>
           <p:nvSpPr>
-            <p:cNvPr id="227" name="선"/>
+            <p:cNvPr id="219" name="선"/>
             <p:cNvSpPr/>
             <p:nvPr/>
           </p:nvSpPr>
@@ -8990,7 +7592,7 @@
         </p:sp>
         <p:sp>
           <p:nvSpPr>
-            <p:cNvPr id="228" name="3"/>
+            <p:cNvPr id="220" name="3"/>
             <p:cNvSpPr txBox="1"/>
             <p:nvPr/>
           </p:nvSpPr>
@@ -9032,7 +7634,7 @@
         </p:sp>
         <p:sp>
           <p:nvSpPr>
-            <p:cNvPr id="229" name="3"/>
+            <p:cNvPr id="221" name="3"/>
             <p:cNvSpPr txBox="1"/>
             <p:nvPr/>
           </p:nvSpPr>
@@ -9075,7 +7677,7 @@
       </p:grpSp>
       <p:pic>
         <p:nvPicPr>
-          <p:cNvPr id="231" name="스크린샷 2023-11-29 오후 9.01.56.png" descr="스크린샷 2023-11-29 오후 9.01.56.png"/>
+          <p:cNvPr id="223" name="스크린샷 2023-11-29 오후 9.01.56.png" descr="스크린샷 2023-11-29 오후 9.01.56.png"/>
           <p:cNvPicPr>
             <a:picLocks noChangeAspect="1"/>
           </p:cNvPicPr>
@@ -9089,7 +7691,7 @@
         </p:blipFill>
         <p:spPr>
           <a:xfrm>
-            <a:off x="9592857" y="10959002"/>
+            <a:off x="9996492" y="10407112"/>
             <a:ext cx="13928020" cy="2453233"/>
           </a:xfrm>
           <a:prstGeom prst="rect">
@@ -9102,14 +7704,14 @@
       </p:pic>
       <p:sp>
         <p:nvSpPr>
-          <p:cNvPr id="232" name="5/13"/>
+          <p:cNvPr id="224" name="5/13"/>
           <p:cNvSpPr txBox="1"/>
           <p:nvPr/>
         </p:nvSpPr>
         <p:spPr>
           <a:xfrm>
             <a:off x="22789444" y="12975233"/>
-            <a:ext cx="1418658" cy="656590"/>
+            <a:ext cx="1131720" cy="656590"/>
           </a:xfrm>
           <a:prstGeom prst="rect">
             <a:avLst/>
@@ -9144,11 +7746,38 @@
                 <a:latin typeface="NanumSquareOTF ExtraBold" panose="020B0600000101010101" pitchFamily="34" charset="-127"/>
                 <a:ea typeface="NanumSquareOTF ExtraBold" panose="020B0600000101010101" pitchFamily="34" charset="-127"/>
               </a:rPr>
-              <a:t>5 / 10</a:t>
+              <a:t>4 / 9</a:t>
             </a:r>
           </a:p>
         </p:txBody>
       </p:sp>
+      <p:pic>
+        <p:nvPicPr>
+          <p:cNvPr id="225" name="aug_0_90.jpg" descr="aug_0_90.jpg"/>
+          <p:cNvPicPr>
+            <a:picLocks noChangeAspect="1"/>
+          </p:cNvPicPr>
+          <p:nvPr/>
+        </p:nvPicPr>
+        <p:blipFill>
+          <a:blip r:embed="rId5"/>
+          <a:stretch>
+            <a:fillRect/>
+          </a:stretch>
+        </p:blipFill>
+        <p:spPr>
+          <a:xfrm>
+            <a:off x="15628929" y="3422344"/>
+            <a:ext cx="5885968" cy="6351764"/>
+          </a:xfrm>
+          <a:prstGeom prst="rect">
+            <a:avLst/>
+          </a:prstGeom>
+          <a:ln w="12700">
+            <a:miter lim="400000"/>
+          </a:ln>
+        </p:spPr>
+      </p:pic>
     </p:spTree>
   </p:cSld>
   <p:clrMapOvr>
@@ -9176,7 +7805,7 @@
                             </p:stCondLst>
                             <p:childTnLst>
                               <p:par>
-                                <p:cTn id="5" presetID="1" presetClass="entr" presetSubtype="0" fill="hold" grpId="1" nodeType="clickEffect">
+                                <p:cTn id="5" presetID="1" presetClass="exit" presetSubtype="0" fill="hold" grpId="1" nodeType="clickEffect">
                                   <p:stCondLst>
                                     <p:cond delay="0"/>
                                   </p:stCondLst>
@@ -9186,16 +7815,20 @@
                                   <p:childTnLst>
                                     <p:set>
                                       <p:cBhvr>
-                                        <p:cTn id="6" fill="hold"/>
+                                        <p:cTn id="6" fill="hold">
+                                          <p:stCondLst>
+                                            <p:cond delay="0"/>
+                                          </p:stCondLst>
+                                        </p:cTn>
                                         <p:tgtEl>
-                                          <p:spTgt spid="214"/>
+                                          <p:spTgt spid="225"/>
                                         </p:tgtEl>
                                         <p:attrNameLst>
                                           <p:attrName>style.visibility</p:attrName>
                                         </p:attrNameLst>
                                       </p:cBhvr>
                                       <p:to>
-                                        <p:strVal val="visible"/>
+                                        <p:strVal val="hidden"/>
                                       </p:to>
                                     </p:set>
                                   </p:childTnLst>
@@ -9211,7 +7844,7 @@
                             </p:stCondLst>
                             <p:childTnLst>
                               <p:par>
-                                <p:cTn id="8" presetID="1" presetClass="exit" presetSubtype="0" fill="hold" grpId="2" nodeType="afterEffect">
+                                <p:cTn id="8" presetID="1" presetClass="entr" presetSubtype="0" fill="hold" grpId="2" nodeType="afterEffect">
                                   <p:stCondLst>
                                     <p:cond delay="0"/>
                                   </p:stCondLst>
@@ -9221,20 +7854,16 @@
                                   <p:childTnLst>
                                     <p:set>
                                       <p:cBhvr>
-                                        <p:cTn id="9" fill="hold">
-                                          <p:stCondLst>
-                                            <p:cond delay="0"/>
-                                          </p:stCondLst>
-                                        </p:cTn>
+                                        <p:cTn id="9" fill="hold"/>
                                         <p:tgtEl>
-                                          <p:spTgt spid="230"/>
+                                          <p:spTgt spid="222"/>
                                         </p:tgtEl>
                                         <p:attrNameLst>
                                           <p:attrName>style.visibility</p:attrName>
                                         </p:attrNameLst>
                                       </p:cBhvr>
                                       <p:to>
-                                        <p:strVal val="hidden"/>
+                                        <p:strVal val="visible"/>
                                       </p:to>
                                     </p:set>
                                   </p:childTnLst>
@@ -9259,7 +7888,7 @@
                             </p:stCondLst>
                             <p:childTnLst>
                               <p:par>
-                                <p:cTn id="12" presetID="1" presetClass="entr" presetSubtype="0" fill="hold" grpId="3" nodeType="clickEffect">
+                                <p:cTn id="12" presetID="1" presetClass="exit" presetSubtype="0" fill="hold" grpId="3" nodeType="clickEffect">
                                   <p:stCondLst>
                                     <p:cond delay="0"/>
                                   </p:stCondLst>
@@ -9269,9 +7898,92 @@
                                   <p:childTnLst>
                                     <p:set>
                                       <p:cBhvr>
-                                        <p:cTn id="13" fill="hold"/>
+                                        <p:cTn id="13" fill="hold">
+                                          <p:stCondLst>
+                                            <p:cond delay="0"/>
+                                          </p:stCondLst>
+                                        </p:cTn>
                                         <p:tgtEl>
-                                          <p:spTgt spid="231"/>
+                                          <p:spTgt spid="222"/>
+                                        </p:tgtEl>
+                                        <p:attrNameLst>
+                                          <p:attrName>style.visibility</p:attrName>
+                                        </p:attrNameLst>
+                                      </p:cBhvr>
+                                      <p:to>
+                                        <p:strVal val="hidden"/>
+                                      </p:to>
+                                    </p:set>
+                                  </p:childTnLst>
+                                </p:cTn>
+                              </p:par>
+                            </p:childTnLst>
+                          </p:cTn>
+                        </p:par>
+                        <p:par>
+                          <p:cTn id="14" fill="hold">
+                            <p:stCondLst>
+                              <p:cond delay="0"/>
+                            </p:stCondLst>
+                            <p:childTnLst>
+                              <p:par>
+                                <p:cTn id="15" presetID="1" presetClass="entr" presetSubtype="0" fill="hold" grpId="4" nodeType="afterEffect">
+                                  <p:stCondLst>
+                                    <p:cond delay="0"/>
+                                  </p:stCondLst>
+                                  <p:iterate>
+                                    <p:tmAbs val="0"/>
+                                  </p:iterate>
+                                  <p:childTnLst>
+                                    <p:set>
+                                      <p:cBhvr>
+                                        <p:cTn id="16" fill="hold"/>
+                                        <p:tgtEl>
+                                          <p:spTgt spid="204"/>
+                                        </p:tgtEl>
+                                        <p:attrNameLst>
+                                          <p:attrName>style.visibility</p:attrName>
+                                        </p:attrNameLst>
+                                      </p:cBhvr>
+                                      <p:to>
+                                        <p:strVal val="visible"/>
+                                      </p:to>
+                                    </p:set>
+                                  </p:childTnLst>
+                                </p:cTn>
+                              </p:par>
+                            </p:childTnLst>
+                          </p:cTn>
+                        </p:par>
+                      </p:childTnLst>
+                    </p:cTn>
+                  </p:par>
+                  <p:par>
+                    <p:cTn id="17" fill="hold">
+                      <p:stCondLst>
+                        <p:cond delay="indefinite"/>
+                      </p:stCondLst>
+                      <p:childTnLst>
+                        <p:par>
+                          <p:cTn id="18" fill="hold">
+                            <p:stCondLst>
+                              <p:cond delay="0"/>
+                            </p:stCondLst>
+                            <p:childTnLst>
+                              <p:par>
+                                <p:cTn id="19" presetID="1" presetClass="entr" presetSubtype="0" fill="hold" grpId="5" nodeType="clickEffect">
+                                  <p:stCondLst>
+                                    <p:cond delay="0"/>
+                                  </p:stCondLst>
+                                  <p:iterate>
+                                    <p:tmAbs val="0"/>
+                                  </p:iterate>
+                                  <p:childTnLst>
+                                    <p:set>
+                                      <p:cBhvr>
+                                        <p:cTn id="20" fill="hold"/>
+                                        <p:tgtEl>
+                                          <p:spTgt spid="223"/>
                                         </p:tgtEl>
                                         <p:attrNameLst>
                                           <p:attrName>style.visibility</p:attrName>
@@ -9312,11 +8024,229 @@
       </p:par>
     </p:tnLst>
     <p:bldLst>
-      <p:bldP spid="214" grpId="1" animBg="1" advAuto="0"/>
-      <p:bldP spid="230" grpId="2" animBg="1" advAuto="0"/>
-      <p:bldP spid="231" grpId="3" animBg="1" advAuto="0"/>
+      <p:bldP spid="204" grpId="4" animBg="1" advAuto="0"/>
+      <p:bldP spid="222" grpId="2" animBg="1" advAuto="0"/>
+      <p:bldP spid="222" grpId="3" animBg="1" advAuto="0"/>
+      <p:bldP spid="223" grpId="5" animBg="1" advAuto="0"/>
+      <p:bldP spid="225" grpId="1" animBg="1" advAuto="0"/>
     </p:bldLst>
   </p:timing>
+</p:sld>
+</file>
+
+<file path=ppt/slides/slide6.xml><?xml version="1.0" encoding="utf-8"?>
+<p:sld xmlns:a="http://schemas.openxmlformats.org/drawingml/2006/main" xmlns:r="http://schemas.openxmlformats.org/officeDocument/2006/relationships" xmlns:p="http://schemas.openxmlformats.org/presentationml/2006/main">
+  <p:cSld>
+    <p:spTree>
+      <p:nvGrpSpPr>
+        <p:cNvPr id="1" name=""/>
+        <p:cNvGrpSpPr/>
+        <p:nvPr/>
+      </p:nvGrpSpPr>
+      <p:grpSpPr>
+        <a:xfrm>
+          <a:off x="0" y="0"/>
+          <a:ext cx="0" cy="0"/>
+          <a:chOff x="0" y="0"/>
+          <a:chExt cx="0" cy="0"/>
+        </a:xfrm>
+      </p:grpSpPr>
+      <p:sp>
+        <p:nvSpPr>
+          <p:cNvPr id="227" name="AI - Implementation"/>
+          <p:cNvSpPr txBox="1"/>
+          <p:nvPr/>
+        </p:nvSpPr>
+        <p:spPr>
+          <a:xfrm>
+            <a:off x="809817" y="318714"/>
+            <a:ext cx="15899915" cy="1585627"/>
+          </a:xfrm>
+          <a:prstGeom prst="rect">
+            <a:avLst/>
+          </a:prstGeom>
+          <a:ln w="12700">
+            <a:miter lim="400000"/>
+          </a:ln>
+          <a:extLst>
+            <a:ext uri="{C572A759-6A51-4108-AA02-DFA0A04FC94B}">
+              <ma14:wrappingTextBoxFlag xmlns:ma14="http://schemas.microsoft.com/office/mac/drawingml/2011/main" xmlns:a14="http://schemas.microsoft.com/office/drawing/2010/main" xmlns:m="http://schemas.openxmlformats.org/officeDocument/2006/math" xmlns="" val="1"/>
+            </a:ext>
+          </a:extLst>
+        </p:spPr>
+        <p:txBody>
+          <a:bodyPr lIns="50800" tIns="50800" rIns="50800" bIns="50800" anchor="ctr">
+            <a:spAutoFit/>
+          </a:bodyPr>
+          <a:lstStyle>
+            <a:lvl1pPr>
+              <a:lnSpc>
+                <a:spcPct val="80000"/>
+              </a:lnSpc>
+              <a:spcBef>
+                <a:spcPts val="0"/>
+              </a:spcBef>
+              <a:defRPr sz="11600" b="1" spc="-232"/>
+            </a:lvl1pPr>
+          </a:lstStyle>
+          <a:p>
+            <a:r>
+              <a:rPr dirty="0">
+                <a:latin typeface="NanumSquareOTF ExtraBold" panose="020B0600000101010101" pitchFamily="34" charset="-127"/>
+                <a:ea typeface="NanumSquareOTF ExtraBold" panose="020B0600000101010101" pitchFamily="34" charset="-127"/>
+              </a:rPr>
+              <a:t>AI - </a:t>
+            </a:r>
+            <a:r>
+              <a:rPr dirty="0" err="1">
+                <a:latin typeface="NanumSquareOTF ExtraBold" panose="020B0600000101010101" pitchFamily="34" charset="-127"/>
+                <a:ea typeface="NanumSquareOTF ExtraBold" panose="020B0600000101010101" pitchFamily="34" charset="-127"/>
+              </a:rPr>
+              <a:t>Rekognition</a:t>
+            </a:r>
+            <a:endParaRPr dirty="0">
+              <a:latin typeface="NanumSquareOTF ExtraBold" panose="020B0600000101010101" pitchFamily="34" charset="-127"/>
+              <a:ea typeface="NanumSquareOTF ExtraBold" panose="020B0600000101010101" pitchFamily="34" charset="-127"/>
+            </a:endParaRPr>
+          </a:p>
+        </p:txBody>
+      </p:sp>
+      <p:pic>
+        <p:nvPicPr>
+          <p:cNvPr id="228" name="선 선" descr="선 선"/>
+          <p:cNvPicPr>
+            <a:picLocks noChangeAspect="1"/>
+          </p:cNvPicPr>
+          <p:nvPr/>
+        </p:nvPicPr>
+        <p:blipFill>
+          <a:blip r:embed="rId2"/>
+          <a:stretch>
+            <a:fillRect/>
+          </a:stretch>
+        </p:blipFill>
+        <p:spPr>
+          <a:xfrm>
+            <a:off x="560891" y="2169866"/>
+            <a:ext cx="22855498" cy="76202"/>
+          </a:xfrm>
+          <a:prstGeom prst="rect">
+            <a:avLst/>
+          </a:prstGeom>
+          <a:ln w="12700">
+            <a:miter lim="400000"/>
+          </a:ln>
+        </p:spPr>
+      </p:pic>
+      <p:pic>
+        <p:nvPicPr>
+          <p:cNvPr id="229" name="스크린샷 2023-11-30 오후 5.40.23.png" descr="스크린샷 2023-11-30 오후 5.40.23.png"/>
+          <p:cNvPicPr>
+            <a:picLocks noChangeAspect="1"/>
+          </p:cNvPicPr>
+          <p:nvPr/>
+        </p:nvPicPr>
+        <p:blipFill>
+          <a:blip r:embed="rId3"/>
+          <a:stretch>
+            <a:fillRect/>
+          </a:stretch>
+        </p:blipFill>
+        <p:spPr>
+          <a:xfrm>
+            <a:off x="5221088" y="9926994"/>
+            <a:ext cx="17312902" cy="3650015"/>
+          </a:xfrm>
+          <a:prstGeom prst="rect">
+            <a:avLst/>
+          </a:prstGeom>
+          <a:ln w="12700">
+            <a:miter lim="400000"/>
+          </a:ln>
+        </p:spPr>
+      </p:pic>
+      <p:pic>
+        <p:nvPicPr>
+          <p:cNvPr id="230" name="스크린샷 2023-11-30 오후 5.39.45.png" descr="스크린샷 2023-11-30 오후 5.39.45.png"/>
+          <p:cNvPicPr>
+            <a:picLocks noChangeAspect="1"/>
+          </p:cNvPicPr>
+          <p:nvPr/>
+        </p:nvPicPr>
+        <p:blipFill>
+          <a:blip r:embed="rId4"/>
+          <a:stretch>
+            <a:fillRect/>
+          </a:stretch>
+        </p:blipFill>
+        <p:spPr>
+          <a:xfrm>
+            <a:off x="1543252" y="2640693"/>
+            <a:ext cx="13532183" cy="7391956"/>
+          </a:xfrm>
+          <a:prstGeom prst="rect">
+            <a:avLst/>
+          </a:prstGeom>
+          <a:ln w="12700">
+            <a:miter lim="400000"/>
+          </a:ln>
+        </p:spPr>
+      </p:pic>
+      <p:sp>
+        <p:nvSpPr>
+          <p:cNvPr id="231" name="5/13"/>
+          <p:cNvSpPr txBox="1"/>
+          <p:nvPr/>
+        </p:nvSpPr>
+        <p:spPr>
+          <a:xfrm>
+            <a:off x="22789444" y="12833052"/>
+            <a:ext cx="1131720" cy="656590"/>
+          </a:xfrm>
+          <a:prstGeom prst="rect">
+            <a:avLst/>
+          </a:prstGeom>
+          <a:ln w="12700">
+            <a:miter lim="400000"/>
+          </a:ln>
+          <a:extLst>
+            <a:ext uri="{C572A759-6A51-4108-AA02-DFA0A04FC94B}">
+              <ma14:wrappingTextBoxFlag xmlns:ma14="http://schemas.microsoft.com/office/mac/drawingml/2011/main" xmlns:a14="http://schemas.microsoft.com/office/drawing/2010/main" xmlns:m="http://schemas.openxmlformats.org/officeDocument/2006/math" xmlns="" val="1"/>
+            </a:ext>
+          </a:extLst>
+        </p:spPr>
+        <p:txBody>
+          <a:bodyPr wrap="none" lIns="50800" tIns="50800" rIns="50800" bIns="50800" anchor="ctr">
+            <a:spAutoFit/>
+          </a:bodyPr>
+          <a:lstStyle>
+            <a:lvl1pPr defTabSz="825500">
+              <a:lnSpc>
+                <a:spcPct val="100000"/>
+              </a:lnSpc>
+              <a:spcBef>
+                <a:spcPts val="0"/>
+              </a:spcBef>
+              <a:defRPr sz="3600"/>
+            </a:lvl1pPr>
+          </a:lstStyle>
+          <a:p>
+            <a:r>
+              <a:rPr b="1">
+                <a:latin typeface="NanumSquareOTF ExtraBold" panose="020B0600000101010101" pitchFamily="34" charset="-127"/>
+                <a:ea typeface="NanumSquareOTF ExtraBold" panose="020B0600000101010101" pitchFamily="34" charset="-127"/>
+              </a:rPr>
+              <a:t>5 / 9</a:t>
+            </a:r>
+          </a:p>
+        </p:txBody>
+      </p:sp>
+    </p:spTree>
+  </p:cSld>
+  <p:clrMapOvr>
+    <a:masterClrMapping/>
+  </p:clrMapOvr>
+  <p:transition spd="med"/>
 </p:sld>
 </file>
 
@@ -9339,7 +8269,7 @@
       </p:grpSpPr>
       <p:sp>
         <p:nvSpPr>
-          <p:cNvPr id="234" name="AI - Implementation"/>
+          <p:cNvPr id="233" name="MLOps"/>
           <p:cNvSpPr txBox="1"/>
           <p:nvPr/>
         </p:nvSpPr>
@@ -9377,18 +8307,22 @@
           </a:lstStyle>
           <a:p>
             <a:r>
-              <a:rPr>
-                <a:latin typeface="NanumSquareOTF ExtraBold" panose="020B0600000101010101" pitchFamily="34" charset="-127"/>
-                <a:ea typeface="NanumSquareOTF ExtraBold" panose="020B0600000101010101" pitchFamily="34" charset="-127"/>
-              </a:rPr>
-              <a:t>AI - Implementation</a:t>
-            </a:r>
+              <a:rPr dirty="0" err="1">
+                <a:latin typeface="NanumSquareOTF ExtraBold" panose="020B0600000101010101" pitchFamily="34" charset="-127"/>
+                <a:ea typeface="NanumSquareOTF ExtraBold" panose="020B0600000101010101" pitchFamily="34" charset="-127"/>
+              </a:rPr>
+              <a:t>MLOps</a:t>
+            </a:r>
+            <a:endParaRPr dirty="0">
+              <a:latin typeface="NanumSquareOTF ExtraBold" panose="020B0600000101010101" pitchFamily="34" charset="-127"/>
+              <a:ea typeface="NanumSquareOTF ExtraBold" panose="020B0600000101010101" pitchFamily="34" charset="-127"/>
+            </a:endParaRPr>
           </a:p>
         </p:txBody>
       </p:sp>
       <p:pic>
         <p:nvPicPr>
-          <p:cNvPr id="235" name="선 선" descr="선 선"/>
+          <p:cNvPr id="234" name="선 선" descr="선 선"/>
           <p:cNvPicPr>
             <a:picLocks noChangeAspect="1"/>
           </p:cNvPicPr>
@@ -9413,218 +8347,9 @@
           </a:ln>
         </p:spPr>
       </p:pic>
-      <p:pic>
-        <p:nvPicPr>
-          <p:cNvPr id="236" name="스크린샷 2023-11-30 오후 5.40.23.png" descr="스크린샷 2023-11-30 오후 5.40.23.png"/>
-          <p:cNvPicPr>
-            <a:picLocks noChangeAspect="1"/>
-          </p:cNvPicPr>
-          <p:nvPr/>
-        </p:nvPicPr>
-        <p:blipFill>
-          <a:blip r:embed="rId3"/>
-          <a:stretch>
-            <a:fillRect/>
-          </a:stretch>
-        </p:blipFill>
-        <p:spPr>
-          <a:xfrm>
-            <a:off x="5221088" y="9926994"/>
-            <a:ext cx="17312902" cy="3650015"/>
-          </a:xfrm>
-          <a:prstGeom prst="rect">
-            <a:avLst/>
-          </a:prstGeom>
-          <a:ln w="12700">
-            <a:miter lim="400000"/>
-          </a:ln>
-        </p:spPr>
-      </p:pic>
-      <p:pic>
-        <p:nvPicPr>
-          <p:cNvPr id="237" name="스크린샷 2023-11-30 오후 5.39.45.png" descr="스크린샷 2023-11-30 오후 5.39.45.png"/>
-          <p:cNvPicPr>
-            <a:picLocks noChangeAspect="1"/>
-          </p:cNvPicPr>
-          <p:nvPr/>
-        </p:nvPicPr>
-        <p:blipFill>
-          <a:blip r:embed="rId4"/>
-          <a:stretch>
-            <a:fillRect/>
-          </a:stretch>
-        </p:blipFill>
-        <p:spPr>
-          <a:xfrm>
-            <a:off x="1543252" y="2640693"/>
-            <a:ext cx="13532183" cy="7391956"/>
-          </a:xfrm>
-          <a:prstGeom prst="rect">
-            <a:avLst/>
-          </a:prstGeom>
-          <a:ln w="12700">
-            <a:miter lim="400000"/>
-          </a:ln>
-        </p:spPr>
-      </p:pic>
       <p:sp>
         <p:nvSpPr>
-          <p:cNvPr id="238" name="5/13"/>
-          <p:cNvSpPr txBox="1"/>
-          <p:nvPr/>
-        </p:nvSpPr>
-        <p:spPr>
-          <a:xfrm>
-            <a:off x="22789444" y="12833052"/>
-            <a:ext cx="1418658" cy="656590"/>
-          </a:xfrm>
-          <a:prstGeom prst="rect">
-            <a:avLst/>
-          </a:prstGeom>
-          <a:ln w="12700">
-            <a:miter lim="400000"/>
-          </a:ln>
-          <a:extLst>
-            <a:ext uri="{C572A759-6A51-4108-AA02-DFA0A04FC94B}">
-              <ma14:wrappingTextBoxFlag xmlns:ma14="http://schemas.microsoft.com/office/mac/drawingml/2011/main" xmlns:a14="http://schemas.microsoft.com/office/drawing/2010/main" xmlns:m="http://schemas.openxmlformats.org/officeDocument/2006/math" xmlns="" val="1"/>
-            </a:ext>
-          </a:extLst>
-        </p:spPr>
-        <p:txBody>
-          <a:bodyPr wrap="none" lIns="50800" tIns="50800" rIns="50800" bIns="50800" anchor="ctr">
-            <a:spAutoFit/>
-          </a:bodyPr>
-          <a:lstStyle>
-            <a:lvl1pPr defTabSz="825500">
-              <a:lnSpc>
-                <a:spcPct val="100000"/>
-              </a:lnSpc>
-              <a:spcBef>
-                <a:spcPts val="0"/>
-              </a:spcBef>
-              <a:defRPr sz="3600"/>
-            </a:lvl1pPr>
-          </a:lstStyle>
-          <a:p>
-            <a:r>
-              <a:rPr b="1">
-                <a:latin typeface="NanumSquareOTF ExtraBold" panose="020B0600000101010101" pitchFamily="34" charset="-127"/>
-                <a:ea typeface="NanumSquareOTF ExtraBold" panose="020B0600000101010101" pitchFamily="34" charset="-127"/>
-              </a:rPr>
-              <a:t>6 / 10</a:t>
-            </a:r>
-          </a:p>
-        </p:txBody>
-      </p:sp>
-    </p:spTree>
-  </p:cSld>
-  <p:clrMapOvr>
-    <a:masterClrMapping/>
-  </p:clrMapOvr>
-  <p:transition spd="med"/>
-</p:sld>
-</file>
-
-<file path=ppt/slides/slide8.xml><?xml version="1.0" encoding="utf-8"?>
-<p:sld xmlns:a="http://schemas.openxmlformats.org/drawingml/2006/main" xmlns:r="http://schemas.openxmlformats.org/officeDocument/2006/relationships" xmlns:p="http://schemas.openxmlformats.org/presentationml/2006/main">
-  <p:cSld>
-    <p:spTree>
-      <p:nvGrpSpPr>
-        <p:cNvPr id="1" name=""/>
-        <p:cNvGrpSpPr/>
-        <p:nvPr/>
-      </p:nvGrpSpPr>
-      <p:grpSpPr>
-        <a:xfrm>
-          <a:off x="0" y="0"/>
-          <a:ext cx="0" cy="0"/>
-          <a:chOff x="0" y="0"/>
-          <a:chExt cx="0" cy="0"/>
-        </a:xfrm>
-      </p:grpSpPr>
-      <p:sp>
-        <p:nvSpPr>
-          <p:cNvPr id="240" name="MLOps"/>
-          <p:cNvSpPr txBox="1"/>
-          <p:nvPr/>
-        </p:nvSpPr>
-        <p:spPr>
-          <a:xfrm>
-            <a:off x="809817" y="318714"/>
-            <a:ext cx="15899915" cy="1585627"/>
-          </a:xfrm>
-          <a:prstGeom prst="rect">
-            <a:avLst/>
-          </a:prstGeom>
-          <a:ln w="12700">
-            <a:miter lim="400000"/>
-          </a:ln>
-          <a:extLst>
-            <a:ext uri="{C572A759-6A51-4108-AA02-DFA0A04FC94B}">
-              <ma14:wrappingTextBoxFlag xmlns:ma14="http://schemas.microsoft.com/office/mac/drawingml/2011/main" xmlns:a14="http://schemas.microsoft.com/office/drawing/2010/main" xmlns:m="http://schemas.openxmlformats.org/officeDocument/2006/math" xmlns="" val="1"/>
-            </a:ext>
-          </a:extLst>
-        </p:spPr>
-        <p:txBody>
-          <a:bodyPr lIns="50800" tIns="50800" rIns="50800" bIns="50800" anchor="ctr">
-            <a:spAutoFit/>
-          </a:bodyPr>
-          <a:lstStyle>
-            <a:lvl1pPr>
-              <a:lnSpc>
-                <a:spcPct val="80000"/>
-              </a:lnSpc>
-              <a:spcBef>
-                <a:spcPts val="0"/>
-              </a:spcBef>
-              <a:defRPr sz="11600" b="1" spc="-232"/>
-            </a:lvl1pPr>
-          </a:lstStyle>
-          <a:p>
-            <a:r>
-              <a:rPr dirty="0" err="1">
-                <a:latin typeface="NanumSquareOTF ExtraBold" panose="020B0600000101010101" pitchFamily="34" charset="-127"/>
-                <a:ea typeface="NanumSquareOTF ExtraBold" panose="020B0600000101010101" pitchFamily="34" charset="-127"/>
-              </a:rPr>
-              <a:t>MLOps</a:t>
-            </a:r>
-            <a:endParaRPr dirty="0">
-              <a:latin typeface="NanumSquareOTF ExtraBold" panose="020B0600000101010101" pitchFamily="34" charset="-127"/>
-              <a:ea typeface="NanumSquareOTF ExtraBold" panose="020B0600000101010101" pitchFamily="34" charset="-127"/>
-            </a:endParaRPr>
-          </a:p>
-        </p:txBody>
-      </p:sp>
-      <p:pic>
-        <p:nvPicPr>
-          <p:cNvPr id="241" name="선 선" descr="선 선"/>
-          <p:cNvPicPr>
-            <a:picLocks noChangeAspect="1"/>
-          </p:cNvPicPr>
-          <p:nvPr/>
-        </p:nvPicPr>
-        <p:blipFill>
-          <a:blip r:embed="rId2"/>
-          <a:stretch>
-            <a:fillRect/>
-          </a:stretch>
-        </p:blipFill>
-        <p:spPr>
-          <a:xfrm>
-            <a:off x="560891" y="2169866"/>
-            <a:ext cx="22855498" cy="76202"/>
-          </a:xfrm>
-          <a:prstGeom prst="rect">
-            <a:avLst/>
-          </a:prstGeom>
-          <a:ln w="12700">
-            <a:miter lim="400000"/>
-          </a:ln>
-        </p:spPr>
-      </p:pic>
-      <p:sp>
-        <p:nvSpPr>
-          <p:cNvPr id="242" name="Data"/>
+          <p:cNvPr id="235" name="Data"/>
           <p:cNvSpPr txBox="1"/>
           <p:nvPr/>
         </p:nvSpPr>
@@ -9672,7 +8397,7 @@
       </p:sp>
       <p:sp>
         <p:nvSpPr>
-          <p:cNvPr id="243" name="Training"/>
+          <p:cNvPr id="236" name="Training"/>
           <p:cNvSpPr txBox="1"/>
           <p:nvPr/>
         </p:nvSpPr>
@@ -9720,7 +8445,7 @@
       </p:sp>
       <p:sp>
         <p:nvSpPr>
-          <p:cNvPr id="244" name="Deploy"/>
+          <p:cNvPr id="237" name="Deploy"/>
           <p:cNvSpPr txBox="1"/>
           <p:nvPr/>
         </p:nvSpPr>
@@ -9768,7 +8493,7 @@
       </p:sp>
       <p:pic>
         <p:nvPicPr>
-          <p:cNvPr id="245" name="kaggle-logo-transparent-300.png" descr="kaggle-logo-transparent-300.png"/>
+          <p:cNvPr id="238" name="kaggle-logo-transparent-300.png" descr="kaggle-logo-transparent-300.png"/>
           <p:cNvPicPr>
             <a:picLocks noChangeAspect="1"/>
           </p:cNvPicPr>
@@ -9795,7 +8520,7 @@
       </p:pic>
       <p:pic>
         <p:nvPicPr>
-          <p:cNvPr id="246" name="Google_Colaboratory_SVG_Logo.svg.png" descr="Google_Colaboratory_SVG_Logo.svg.png"/>
+          <p:cNvPr id="239" name="Google_Colaboratory_SVG_Logo.svg.png" descr="Google_Colaboratory_SVG_Logo.svg.png"/>
           <p:cNvPicPr>
             <a:picLocks noChangeAspect="1"/>
           </p:cNvPicPr>
@@ -9822,7 +8547,7 @@
       </p:pic>
       <p:pic>
         <p:nvPicPr>
-          <p:cNvPr id="247" name="2560px-Scikit_learn_logo_small.svg.png" descr="2560px-Scikit_learn_logo_small.svg.png"/>
+          <p:cNvPr id="240" name="2560px-Scikit_learn_logo_small.svg.png" descr="2560px-Scikit_learn_logo_small.svg.png"/>
           <p:cNvPicPr>
             <a:picLocks noChangeAspect="1"/>
           </p:cNvPicPr>
@@ -9849,7 +8574,7 @@
       </p:pic>
       <p:pic>
         <p:nvPicPr>
-          <p:cNvPr id="248" name="976px-PyTorch_logo_black.svg.png" descr="976px-PyTorch_logo_black.svg.png"/>
+          <p:cNvPr id="241" name="976px-PyTorch_logo_black.svg.png" descr="976px-PyTorch_logo_black.svg.png"/>
           <p:cNvPicPr>
             <a:picLocks noChangeAspect="1"/>
           </p:cNvPicPr>
@@ -9876,7 +8601,7 @@
       </p:pic>
       <p:pic>
         <p:nvPicPr>
-          <p:cNvPr id="249" name="logo-teal.png" descr="logo-teal.png"/>
+          <p:cNvPr id="242" name="logo-teal.png" descr="logo-teal.png"/>
           <p:cNvPicPr>
             <a:picLocks noChangeAspect="1"/>
           </p:cNvPicPr>
@@ -9903,7 +8628,7 @@
       </p:pic>
       <p:sp>
         <p:nvSpPr>
-          <p:cNvPr id="250" name="01 훈련, 배포, 분석 과정이 전부 파편화…"/>
+          <p:cNvPr id="243" name="01 훈련, 배포, 분석 과정이 전부 파편화…"/>
           <p:cNvSpPr txBox="1"/>
           <p:nvPr/>
         </p:nvSpPr>
@@ -9931,229 +8656,42 @@
           <a:lstStyle/>
           <a:p>
             <a:r>
-              <a:rPr b="1" dirty="0">
-                <a:latin typeface="NanumSquareOTF ExtraBold" panose="020B0600000101010101" pitchFamily="34" charset="-127"/>
-                <a:ea typeface="NanumSquareOTF ExtraBold" panose="020B0600000101010101" pitchFamily="34" charset="-127"/>
-              </a:rPr>
-              <a:t>1. </a:t>
-            </a:r>
-            <a:r>
-              <a:rPr b="1" dirty="0" err="1">
-                <a:latin typeface="NanumSquareOTF ExtraBold" panose="020B0600000101010101" pitchFamily="34" charset="-127"/>
-                <a:ea typeface="NanumSquareOTF ExtraBold" panose="020B0600000101010101" pitchFamily="34" charset="-127"/>
-              </a:rPr>
-              <a:t>훈련</a:t>
-            </a:r>
-            <a:r>
-              <a:rPr b="1" dirty="0">
-                <a:latin typeface="NanumSquareOTF ExtraBold" panose="020B0600000101010101" pitchFamily="34" charset="-127"/>
-                <a:ea typeface="NanumSquareOTF ExtraBold" panose="020B0600000101010101" pitchFamily="34" charset="-127"/>
-              </a:rPr>
-              <a:t>, </a:t>
-            </a:r>
-            <a:r>
-              <a:rPr b="1" dirty="0" err="1">
-                <a:latin typeface="NanumSquareOTF ExtraBold" panose="020B0600000101010101" pitchFamily="34" charset="-127"/>
-                <a:ea typeface="NanumSquareOTF ExtraBold" panose="020B0600000101010101" pitchFamily="34" charset="-127"/>
-              </a:rPr>
-              <a:t>배포</a:t>
-            </a:r>
-            <a:r>
-              <a:rPr b="1" dirty="0">
-                <a:latin typeface="NanumSquareOTF ExtraBold" panose="020B0600000101010101" pitchFamily="34" charset="-127"/>
-                <a:ea typeface="NanumSquareOTF ExtraBold" panose="020B0600000101010101" pitchFamily="34" charset="-127"/>
-              </a:rPr>
-              <a:t>, </a:t>
-            </a:r>
-            <a:r>
-              <a:rPr b="1" dirty="0" err="1">
-                <a:latin typeface="NanumSquareOTF ExtraBold" panose="020B0600000101010101" pitchFamily="34" charset="-127"/>
-                <a:ea typeface="NanumSquareOTF ExtraBold" panose="020B0600000101010101" pitchFamily="34" charset="-127"/>
-              </a:rPr>
-              <a:t>분석</a:t>
-            </a:r>
-            <a:r>
-              <a:rPr b="1" dirty="0">
-                <a:latin typeface="NanumSquareOTF ExtraBold" panose="020B0600000101010101" pitchFamily="34" charset="-127"/>
-                <a:ea typeface="NanumSquareOTF ExtraBold" panose="020B0600000101010101" pitchFamily="34" charset="-127"/>
-              </a:rPr>
-              <a:t> </a:t>
-            </a:r>
-            <a:r>
-              <a:rPr b="1" dirty="0" err="1">
-                <a:latin typeface="NanumSquareOTF ExtraBold" panose="020B0600000101010101" pitchFamily="34" charset="-127"/>
-                <a:ea typeface="NanumSquareOTF ExtraBold" panose="020B0600000101010101" pitchFamily="34" charset="-127"/>
-              </a:rPr>
-              <a:t>과정이</a:t>
-            </a:r>
-            <a:r>
-              <a:rPr b="1" dirty="0">
-                <a:latin typeface="NanumSquareOTF ExtraBold" panose="020B0600000101010101" pitchFamily="34" charset="-127"/>
-                <a:ea typeface="NanumSquareOTF ExtraBold" panose="020B0600000101010101" pitchFamily="34" charset="-127"/>
-              </a:rPr>
-              <a:t> </a:t>
-            </a:r>
-            <a:r>
-              <a:rPr b="1" dirty="0" err="1">
-                <a:latin typeface="NanumSquareOTF ExtraBold" panose="020B0600000101010101" pitchFamily="34" charset="-127"/>
-                <a:ea typeface="NanumSquareOTF ExtraBold" panose="020B0600000101010101" pitchFamily="34" charset="-127"/>
-              </a:rPr>
-              <a:t>전부</a:t>
-            </a:r>
-            <a:r>
-              <a:rPr b="1" dirty="0">
-                <a:latin typeface="NanumSquareOTF ExtraBold" panose="020B0600000101010101" pitchFamily="34" charset="-127"/>
-                <a:ea typeface="NanumSquareOTF ExtraBold" panose="020B0600000101010101" pitchFamily="34" charset="-127"/>
-              </a:rPr>
-              <a:t> </a:t>
-            </a:r>
-            <a:r>
-              <a:rPr b="1" dirty="0" err="1">
-                <a:latin typeface="NanumSquareOTF ExtraBold" panose="020B0600000101010101" pitchFamily="34" charset="-127"/>
-                <a:ea typeface="NanumSquareOTF ExtraBold" panose="020B0600000101010101" pitchFamily="34" charset="-127"/>
-              </a:rPr>
-              <a:t>파편화</a:t>
-            </a:r>
-            <a:endParaRPr b="1" dirty="0">
-              <a:latin typeface="NanumSquareOTF ExtraBold" panose="020B0600000101010101" pitchFamily="34" charset="-127"/>
-              <a:ea typeface="NanumSquareOTF ExtraBold" panose="020B0600000101010101" pitchFamily="34" charset="-127"/>
-            </a:endParaRPr>
-          </a:p>
-          <a:p>
-            <a:r>
-              <a:rPr b="1" dirty="0">
-                <a:latin typeface="NanumSquareOTF ExtraBold" panose="020B0600000101010101" pitchFamily="34" charset="-127"/>
-                <a:ea typeface="NanumSquareOTF ExtraBold" panose="020B0600000101010101" pitchFamily="34" charset="-127"/>
-              </a:rPr>
-              <a:t>2. </a:t>
-            </a:r>
-            <a:r>
-              <a:rPr b="1" dirty="0" err="1">
-                <a:latin typeface="NanumSquareOTF ExtraBold" panose="020B0600000101010101" pitchFamily="34" charset="-127"/>
-                <a:ea typeface="NanumSquareOTF ExtraBold" panose="020B0600000101010101" pitchFamily="34" charset="-127"/>
-              </a:rPr>
-              <a:t>지속가능성이</a:t>
-            </a:r>
-            <a:r>
-              <a:rPr b="1" dirty="0">
-                <a:latin typeface="NanumSquareOTF ExtraBold" panose="020B0600000101010101" pitchFamily="34" charset="-127"/>
-                <a:ea typeface="NanumSquareOTF ExtraBold" panose="020B0600000101010101" pitchFamily="34" charset="-127"/>
-              </a:rPr>
-              <a:t> </a:t>
-            </a:r>
-            <a:r>
-              <a:rPr b="1" dirty="0" err="1">
-                <a:latin typeface="NanumSquareOTF ExtraBold" panose="020B0600000101010101" pitchFamily="34" charset="-127"/>
-                <a:ea typeface="NanumSquareOTF ExtraBold" panose="020B0600000101010101" pitchFamily="34" charset="-127"/>
-              </a:rPr>
-              <a:t>있는</a:t>
-            </a:r>
-            <a:r>
-              <a:rPr b="1" dirty="0">
-                <a:latin typeface="NanumSquareOTF ExtraBold" panose="020B0600000101010101" pitchFamily="34" charset="-127"/>
-                <a:ea typeface="NanumSquareOTF ExtraBold" panose="020B0600000101010101" pitchFamily="34" charset="-127"/>
-              </a:rPr>
-              <a:t> </a:t>
-            </a:r>
-            <a:r>
-              <a:rPr b="1" dirty="0" err="1">
-                <a:latin typeface="NanumSquareOTF ExtraBold" panose="020B0600000101010101" pitchFamily="34" charset="-127"/>
-                <a:ea typeface="NanumSquareOTF ExtraBold" panose="020B0600000101010101" pitchFamily="34" charset="-127"/>
-              </a:rPr>
-              <a:t>모델이</a:t>
-            </a:r>
-            <a:r>
-              <a:rPr b="1" dirty="0">
-                <a:latin typeface="NanumSquareOTF ExtraBold" panose="020B0600000101010101" pitchFamily="34" charset="-127"/>
-                <a:ea typeface="NanumSquareOTF ExtraBold" panose="020B0600000101010101" pitchFamily="34" charset="-127"/>
-              </a:rPr>
-              <a:t> </a:t>
-            </a:r>
-            <a:r>
-              <a:rPr b="1" dirty="0" err="1">
-                <a:latin typeface="NanumSquareOTF ExtraBold" panose="020B0600000101010101" pitchFamily="34" charset="-127"/>
-                <a:ea typeface="NanumSquareOTF ExtraBold" panose="020B0600000101010101" pitchFamily="34" charset="-127"/>
-              </a:rPr>
-              <a:t>아니다</a:t>
-            </a:r>
-            <a:endParaRPr b="1" dirty="0">
-              <a:latin typeface="NanumSquareOTF ExtraBold" panose="020B0600000101010101" pitchFamily="34" charset="-127"/>
-              <a:ea typeface="NanumSquareOTF ExtraBold" panose="020B0600000101010101" pitchFamily="34" charset="-127"/>
-            </a:endParaRPr>
-          </a:p>
-          <a:p>
-            <a:r>
-              <a:rPr b="1" dirty="0">
-                <a:latin typeface="NanumSquareOTF ExtraBold" panose="020B0600000101010101" pitchFamily="34" charset="-127"/>
-                <a:ea typeface="NanumSquareOTF ExtraBold" panose="020B0600000101010101" pitchFamily="34" charset="-127"/>
-              </a:rPr>
-              <a:t>3. </a:t>
-            </a:r>
-            <a:r>
-              <a:rPr b="1" dirty="0" err="1">
-                <a:latin typeface="NanumSquareOTF ExtraBold" panose="020B0600000101010101" pitchFamily="34" charset="-127"/>
-                <a:ea typeface="NanumSquareOTF ExtraBold" panose="020B0600000101010101" pitchFamily="34" charset="-127"/>
-              </a:rPr>
-              <a:t>추후의</a:t>
-            </a:r>
-            <a:r>
-              <a:rPr b="1" dirty="0">
-                <a:latin typeface="NanumSquareOTF ExtraBold" panose="020B0600000101010101" pitchFamily="34" charset="-127"/>
-                <a:ea typeface="NanumSquareOTF ExtraBold" panose="020B0600000101010101" pitchFamily="34" charset="-127"/>
-              </a:rPr>
-              <a:t> </a:t>
-            </a:r>
-            <a:r>
-              <a:rPr b="1" dirty="0" err="1">
-                <a:latin typeface="NanumSquareOTF ExtraBold" panose="020B0600000101010101" pitchFamily="34" charset="-127"/>
-                <a:ea typeface="NanumSquareOTF ExtraBold" panose="020B0600000101010101" pitchFamily="34" charset="-127"/>
-              </a:rPr>
-              <a:t>확장성을</a:t>
-            </a:r>
-            <a:r>
-              <a:rPr b="1" dirty="0">
-                <a:latin typeface="NanumSquareOTF ExtraBold" panose="020B0600000101010101" pitchFamily="34" charset="-127"/>
-                <a:ea typeface="NanumSquareOTF ExtraBold" panose="020B0600000101010101" pitchFamily="34" charset="-127"/>
-              </a:rPr>
-              <a:t> </a:t>
-            </a:r>
-            <a:r>
-              <a:rPr b="1" dirty="0" err="1">
-                <a:latin typeface="NanumSquareOTF ExtraBold" panose="020B0600000101010101" pitchFamily="34" charset="-127"/>
-                <a:ea typeface="NanumSquareOTF ExtraBold" panose="020B0600000101010101" pitchFamily="34" charset="-127"/>
-              </a:rPr>
-              <a:t>고려하기</a:t>
-            </a:r>
-            <a:r>
-              <a:rPr b="1" dirty="0">
-                <a:latin typeface="NanumSquareOTF ExtraBold" panose="020B0600000101010101" pitchFamily="34" charset="-127"/>
-                <a:ea typeface="NanumSquareOTF ExtraBold" panose="020B0600000101010101" pitchFamily="34" charset="-127"/>
-              </a:rPr>
-              <a:t> </a:t>
-            </a:r>
-            <a:r>
-              <a:rPr b="1" dirty="0" err="1">
-                <a:latin typeface="NanumSquareOTF ExtraBold" panose="020B0600000101010101" pitchFamily="34" charset="-127"/>
-                <a:ea typeface="NanumSquareOTF ExtraBold" panose="020B0600000101010101" pitchFamily="34" charset="-127"/>
-              </a:rPr>
-              <a:t>어려움</a:t>
-            </a:r>
-            <a:endParaRPr b="1" dirty="0">
-              <a:latin typeface="NanumSquareOTF ExtraBold" panose="020B0600000101010101" pitchFamily="34" charset="-127"/>
-              <a:ea typeface="NanumSquareOTF ExtraBold" panose="020B0600000101010101" pitchFamily="34" charset="-127"/>
-            </a:endParaRPr>
+              <a:rPr b="1">
+                <a:latin typeface="NanumSquareOTF ExtraBold" panose="020B0600000101010101" pitchFamily="34" charset="-127"/>
+                <a:ea typeface="NanumSquareOTF ExtraBold" panose="020B0600000101010101" pitchFamily="34" charset="-127"/>
+              </a:rPr>
+              <a:t>1. 훈련, 배포, 분석 과정이 전부 파편화</a:t>
+            </a:r>
+          </a:p>
+          <a:p>
+            <a:r>
+              <a:rPr b="1">
+                <a:latin typeface="NanumSquareOTF ExtraBold" panose="020B0600000101010101" pitchFamily="34" charset="-127"/>
+                <a:ea typeface="NanumSquareOTF ExtraBold" panose="020B0600000101010101" pitchFamily="34" charset="-127"/>
+              </a:rPr>
+              <a:t>2. 지속가능성이 있는 모델이 아니다</a:t>
+            </a:r>
+          </a:p>
+          <a:p>
+            <a:r>
+              <a:rPr b="1">
+                <a:latin typeface="NanumSquareOTF ExtraBold" panose="020B0600000101010101" pitchFamily="34" charset="-127"/>
+                <a:ea typeface="NanumSquareOTF ExtraBold" panose="020B0600000101010101" pitchFamily="34" charset="-127"/>
+              </a:rPr>
+              <a:t>3. 추후의 확장성을 고려하기 어려움</a:t>
+            </a:r>
           </a:p>
         </p:txBody>
       </p:sp>
       <p:sp>
         <p:nvSpPr>
-          <p:cNvPr id="251" name="머신러닝 모델 생애주기를 자동화,…"/>
+          <p:cNvPr id="244" name="머신러닝 모델 생애주기를 자동화,…"/>
           <p:cNvSpPr txBox="1"/>
           <p:nvPr/>
         </p:nvSpPr>
         <p:spPr>
           <a:xfrm>
-            <a:off x="12149798" y="9469215"/>
+            <a:off x="12931578" y="9495733"/>
             <a:ext cx="11746805" cy="3255378"/>
           </a:xfrm>
           <a:prstGeom prst="rect">
@@ -10175,167 +8713,36 @@
           <a:lstStyle/>
           <a:p>
             <a:r>
-              <a:rPr b="1" dirty="0">
-                <a:latin typeface="NanumSquareOTF ExtraBold" panose="020B0600000101010101" pitchFamily="34" charset="-127"/>
-                <a:ea typeface="NanumSquareOTF ExtraBold" panose="020B0600000101010101" pitchFamily="34" charset="-127"/>
-              </a:rPr>
-              <a:t>1. </a:t>
-            </a:r>
-            <a:r>
-              <a:rPr b="1" dirty="0" err="1">
-                <a:latin typeface="NanumSquareOTF ExtraBold" panose="020B0600000101010101" pitchFamily="34" charset="-127"/>
-                <a:ea typeface="NanumSquareOTF ExtraBold" panose="020B0600000101010101" pitchFamily="34" charset="-127"/>
-              </a:rPr>
-              <a:t>머신러닝</a:t>
-            </a:r>
-            <a:r>
-              <a:rPr b="1" dirty="0">
-                <a:latin typeface="NanumSquareOTF ExtraBold" panose="020B0600000101010101" pitchFamily="34" charset="-127"/>
-                <a:ea typeface="NanumSquareOTF ExtraBold" panose="020B0600000101010101" pitchFamily="34" charset="-127"/>
-              </a:rPr>
-              <a:t> </a:t>
-            </a:r>
-            <a:r>
-              <a:rPr b="1" dirty="0" err="1">
-                <a:latin typeface="NanumSquareOTF ExtraBold" panose="020B0600000101010101" pitchFamily="34" charset="-127"/>
-                <a:ea typeface="NanumSquareOTF ExtraBold" panose="020B0600000101010101" pitchFamily="34" charset="-127"/>
-              </a:rPr>
-              <a:t>모델</a:t>
-            </a:r>
-            <a:r>
-              <a:rPr b="1" dirty="0">
-                <a:latin typeface="NanumSquareOTF ExtraBold" panose="020B0600000101010101" pitchFamily="34" charset="-127"/>
-                <a:ea typeface="NanumSquareOTF ExtraBold" panose="020B0600000101010101" pitchFamily="34" charset="-127"/>
-              </a:rPr>
-              <a:t> </a:t>
-            </a:r>
-            <a:r>
-              <a:rPr b="1" dirty="0" err="1">
-                <a:latin typeface="NanumSquareOTF ExtraBold" panose="020B0600000101010101" pitchFamily="34" charset="-127"/>
-                <a:ea typeface="NanumSquareOTF ExtraBold" panose="020B0600000101010101" pitchFamily="34" charset="-127"/>
-              </a:rPr>
-              <a:t>생애주기를</a:t>
-            </a:r>
-            <a:r>
-              <a:rPr b="1" dirty="0">
-                <a:latin typeface="NanumSquareOTF ExtraBold" panose="020B0600000101010101" pitchFamily="34" charset="-127"/>
-                <a:ea typeface="NanumSquareOTF ExtraBold" panose="020B0600000101010101" pitchFamily="34" charset="-127"/>
-              </a:rPr>
-              <a:t> </a:t>
-            </a:r>
-            <a:r>
-              <a:rPr b="1" dirty="0" err="1">
-                <a:latin typeface="NanumSquareOTF ExtraBold" panose="020B0600000101010101" pitchFamily="34" charset="-127"/>
-                <a:ea typeface="NanumSquareOTF ExtraBold" panose="020B0600000101010101" pitchFamily="34" charset="-127"/>
-              </a:rPr>
-              <a:t>자동화</a:t>
-            </a:r>
-            <a:endParaRPr b="1" dirty="0">
-              <a:latin typeface="NanumSquareOTF ExtraBold" panose="020B0600000101010101" pitchFamily="34" charset="-127"/>
-              <a:ea typeface="NanumSquareOTF ExtraBold" panose="020B0600000101010101" pitchFamily="34" charset="-127"/>
-            </a:endParaRPr>
-          </a:p>
-          <a:p>
-            <a:r>
-              <a:rPr b="1" dirty="0">
-                <a:latin typeface="NanumSquareOTF ExtraBold" panose="020B0600000101010101" pitchFamily="34" charset="-127"/>
-                <a:ea typeface="NanumSquareOTF ExtraBold" panose="020B0600000101010101" pitchFamily="34" charset="-127"/>
-              </a:rPr>
-              <a:t>2. </a:t>
-            </a:r>
-            <a:r>
-              <a:rPr b="1" dirty="0" err="1">
-                <a:latin typeface="NanumSquareOTF ExtraBold" panose="020B0600000101010101" pitchFamily="34" charset="-127"/>
-                <a:ea typeface="NanumSquareOTF ExtraBold" panose="020B0600000101010101" pitchFamily="34" charset="-127"/>
-              </a:rPr>
-              <a:t>엔지니어</a:t>
-            </a:r>
-            <a:r>
-              <a:rPr b="1" dirty="0">
-                <a:latin typeface="NanumSquareOTF ExtraBold" panose="020B0600000101010101" pitchFamily="34" charset="-127"/>
-                <a:ea typeface="NanumSquareOTF ExtraBold" panose="020B0600000101010101" pitchFamily="34" charset="-127"/>
-              </a:rPr>
-              <a:t>, </a:t>
-            </a:r>
-            <a:r>
-              <a:rPr b="1" dirty="0" err="1">
-                <a:latin typeface="NanumSquareOTF ExtraBold" panose="020B0600000101010101" pitchFamily="34" charset="-127"/>
-                <a:ea typeface="NanumSquareOTF ExtraBold" panose="020B0600000101010101" pitchFamily="34" charset="-127"/>
-              </a:rPr>
-              <a:t>데이터</a:t>
-            </a:r>
-            <a:r>
-              <a:rPr b="1" dirty="0">
-                <a:latin typeface="NanumSquareOTF ExtraBold" panose="020B0600000101010101" pitchFamily="34" charset="-127"/>
-                <a:ea typeface="NanumSquareOTF ExtraBold" panose="020B0600000101010101" pitchFamily="34" charset="-127"/>
-              </a:rPr>
-              <a:t> </a:t>
-            </a:r>
-            <a:r>
-              <a:rPr b="1" dirty="0" err="1">
-                <a:latin typeface="NanumSquareOTF ExtraBold" panose="020B0600000101010101" pitchFamily="34" charset="-127"/>
-                <a:ea typeface="NanumSquareOTF ExtraBold" panose="020B0600000101010101" pitchFamily="34" charset="-127"/>
-              </a:rPr>
-              <a:t>과학자가</a:t>
-            </a:r>
-            <a:r>
-              <a:rPr b="1" dirty="0">
-                <a:latin typeface="NanumSquareOTF ExtraBold" panose="020B0600000101010101" pitchFamily="34" charset="-127"/>
-                <a:ea typeface="NanumSquareOTF ExtraBold" panose="020B0600000101010101" pitchFamily="34" charset="-127"/>
-              </a:rPr>
-              <a:t> </a:t>
-            </a:r>
-            <a:r>
-              <a:rPr b="1" dirty="0" err="1">
-                <a:latin typeface="NanumSquareOTF ExtraBold" panose="020B0600000101010101" pitchFamily="34" charset="-127"/>
-                <a:ea typeface="NanumSquareOTF ExtraBold" panose="020B0600000101010101" pitchFamily="34" charset="-127"/>
-              </a:rPr>
-              <a:t>협업하는</a:t>
-            </a:r>
-            <a:r>
-              <a:rPr b="1" dirty="0">
-                <a:latin typeface="NanumSquareOTF ExtraBold" panose="020B0600000101010101" pitchFamily="34" charset="-127"/>
-                <a:ea typeface="NanumSquareOTF ExtraBold" panose="020B0600000101010101" pitchFamily="34" charset="-127"/>
-              </a:rPr>
-              <a:t> </a:t>
-            </a:r>
-            <a:r>
-              <a:rPr b="1" dirty="0" err="1">
-                <a:latin typeface="NanumSquareOTF ExtraBold" panose="020B0600000101010101" pitchFamily="34" charset="-127"/>
-                <a:ea typeface="NanumSquareOTF ExtraBold" panose="020B0600000101010101" pitchFamily="34" charset="-127"/>
-              </a:rPr>
-              <a:t>확장성</a:t>
-            </a:r>
-            <a:endParaRPr b="1" dirty="0">
-              <a:latin typeface="NanumSquareOTF ExtraBold" panose="020B0600000101010101" pitchFamily="34" charset="-127"/>
-              <a:ea typeface="NanumSquareOTF ExtraBold" panose="020B0600000101010101" pitchFamily="34" charset="-127"/>
-            </a:endParaRPr>
-          </a:p>
-          <a:p>
-            <a:r>
-              <a:rPr b="1" dirty="0">
-                <a:latin typeface="NanumSquareOTF ExtraBold" panose="020B0600000101010101" pitchFamily="34" charset="-127"/>
-                <a:ea typeface="NanumSquareOTF ExtraBold" panose="020B0600000101010101" pitchFamily="34" charset="-127"/>
-              </a:rPr>
-              <a:t>3. </a:t>
-            </a:r>
-            <a:r>
-              <a:rPr b="1" dirty="0" err="1">
-                <a:latin typeface="NanumSquareOTF ExtraBold" panose="020B0600000101010101" pitchFamily="34" charset="-127"/>
-                <a:ea typeface="NanumSquareOTF ExtraBold" panose="020B0600000101010101" pitchFamily="34" charset="-127"/>
-              </a:rPr>
-              <a:t>MLOps</a:t>
-            </a:r>
-            <a:endParaRPr b="1" dirty="0">
-              <a:latin typeface="NanumSquareOTF ExtraBold" panose="020B0600000101010101" pitchFamily="34" charset="-127"/>
-              <a:ea typeface="NanumSquareOTF ExtraBold" panose="020B0600000101010101" pitchFamily="34" charset="-127"/>
-            </a:endParaRPr>
+              <a:rPr b="1">
+                <a:latin typeface="NanumSquareOTF ExtraBold" panose="020B0600000101010101" pitchFamily="34" charset="-127"/>
+                <a:ea typeface="NanumSquareOTF ExtraBold" panose="020B0600000101010101" pitchFamily="34" charset="-127"/>
+              </a:rPr>
+              <a:t>1. 머신러닝 모델 생애주기를 자동화</a:t>
+            </a:r>
+          </a:p>
+          <a:p>
+            <a:r>
+              <a:rPr b="1">
+                <a:latin typeface="NanumSquareOTF ExtraBold" panose="020B0600000101010101" pitchFamily="34" charset="-127"/>
+                <a:ea typeface="NanumSquareOTF ExtraBold" panose="020B0600000101010101" pitchFamily="34" charset="-127"/>
+              </a:rPr>
+              <a:t>2. 엔지니어, 데이터 과학자가 협업하는 확장성</a:t>
+            </a:r>
+          </a:p>
+          <a:p>
+            <a:r>
+              <a:rPr b="1">
+                <a:latin typeface="NanumSquareOTF ExtraBold" panose="020B0600000101010101" pitchFamily="34" charset="-127"/>
+                <a:ea typeface="NanumSquareOTF ExtraBold" panose="020B0600000101010101" pitchFamily="34" charset="-127"/>
+              </a:rPr>
+              <a:t>3. MLOps</a:t>
+            </a:r>
           </a:p>
         </p:txBody>
       </p:sp>
       <p:sp>
         <p:nvSpPr>
-          <p:cNvPr id="252" name="화살표 1"/>
+          <p:cNvPr id="245" name="화살표 1"/>
           <p:cNvSpPr/>
           <p:nvPr/>
         </p:nvSpPr>
@@ -10475,14 +8882,14 @@
       </p:sp>
       <p:sp>
         <p:nvSpPr>
-          <p:cNvPr id="253" name="5/13"/>
+          <p:cNvPr id="246" name="5/13"/>
           <p:cNvSpPr txBox="1"/>
           <p:nvPr/>
         </p:nvSpPr>
         <p:spPr>
           <a:xfrm>
             <a:off x="22789444" y="12833052"/>
-            <a:ext cx="1418658" cy="656590"/>
+            <a:ext cx="1131720" cy="656590"/>
           </a:xfrm>
           <a:prstGeom prst="rect">
             <a:avLst/>
@@ -10517,7 +8924,212 @@
                 <a:latin typeface="NanumSquareOTF ExtraBold" panose="020B0600000101010101" pitchFamily="34" charset="-127"/>
                 <a:ea typeface="NanumSquareOTF ExtraBold" panose="020B0600000101010101" pitchFamily="34" charset="-127"/>
               </a:rPr>
-              <a:t>7 / 10</a:t>
+              <a:t>6 / 9</a:t>
+            </a:r>
+          </a:p>
+        </p:txBody>
+      </p:sp>
+    </p:spTree>
+  </p:cSld>
+  <p:clrMapOvr>
+    <a:masterClrMapping/>
+  </p:clrMapOvr>
+  <p:transition spd="med"/>
+</p:sld>
+</file>
+
+<file path=ppt/slides/slide8.xml><?xml version="1.0" encoding="utf-8"?>
+<p:sld xmlns:a="http://schemas.openxmlformats.org/drawingml/2006/main" xmlns:r="http://schemas.openxmlformats.org/officeDocument/2006/relationships" xmlns:p="http://schemas.openxmlformats.org/presentationml/2006/main">
+  <p:cSld>
+    <p:spTree>
+      <p:nvGrpSpPr>
+        <p:cNvPr id="1" name=""/>
+        <p:cNvGrpSpPr/>
+        <p:nvPr/>
+      </p:nvGrpSpPr>
+      <p:grpSpPr>
+        <a:xfrm>
+          <a:off x="0" y="0"/>
+          <a:ext cx="0" cy="0"/>
+          <a:chOff x="0" y="0"/>
+          <a:chExt cx="0" cy="0"/>
+        </a:xfrm>
+      </p:grpSpPr>
+      <p:sp>
+        <p:nvSpPr>
+          <p:cNvPr id="248" name="MLOps"/>
+          <p:cNvSpPr txBox="1"/>
+          <p:nvPr/>
+        </p:nvSpPr>
+        <p:spPr>
+          <a:xfrm>
+            <a:off x="809817" y="318714"/>
+            <a:ext cx="15899915" cy="1585627"/>
+          </a:xfrm>
+          <a:prstGeom prst="rect">
+            <a:avLst/>
+          </a:prstGeom>
+          <a:ln w="12700">
+            <a:miter lim="400000"/>
+          </a:ln>
+          <a:extLst>
+            <a:ext uri="{C572A759-6A51-4108-AA02-DFA0A04FC94B}">
+              <ma14:wrappingTextBoxFlag xmlns:ma14="http://schemas.microsoft.com/office/mac/drawingml/2011/main" xmlns:a14="http://schemas.microsoft.com/office/drawing/2010/main" xmlns:m="http://schemas.openxmlformats.org/officeDocument/2006/math" xmlns="" val="1"/>
+            </a:ext>
+          </a:extLst>
+        </p:spPr>
+        <p:txBody>
+          <a:bodyPr lIns="50800" tIns="50800" rIns="50800" bIns="50800" anchor="ctr">
+            <a:spAutoFit/>
+          </a:bodyPr>
+          <a:lstStyle>
+            <a:lvl1pPr>
+              <a:lnSpc>
+                <a:spcPct val="80000"/>
+              </a:lnSpc>
+              <a:spcBef>
+                <a:spcPts val="0"/>
+              </a:spcBef>
+              <a:defRPr sz="11600" b="1" spc="-232"/>
+            </a:lvl1pPr>
+          </a:lstStyle>
+          <a:p>
+            <a:r>
+              <a:rPr dirty="0">
+                <a:latin typeface="NanumSquareOTF ExtraBold" panose="020B0600000101010101" pitchFamily="34" charset="-127"/>
+                <a:ea typeface="NanumSquareOTF ExtraBold" panose="020B0600000101010101" pitchFamily="34" charset="-127"/>
+              </a:rPr>
+              <a:t>Autopilot</a:t>
+            </a:r>
+          </a:p>
+        </p:txBody>
+      </p:sp>
+      <p:pic>
+        <p:nvPicPr>
+          <p:cNvPr id="249" name="선 선" descr="선 선"/>
+          <p:cNvPicPr>
+            <a:picLocks noChangeAspect="1"/>
+          </p:cNvPicPr>
+          <p:nvPr/>
+        </p:nvPicPr>
+        <p:blipFill>
+          <a:blip r:embed="rId2"/>
+          <a:stretch>
+            <a:fillRect/>
+          </a:stretch>
+        </p:blipFill>
+        <p:spPr>
+          <a:xfrm>
+            <a:off x="560891" y="2169866"/>
+            <a:ext cx="22855498" cy="76202"/>
+          </a:xfrm>
+          <a:prstGeom prst="rect">
+            <a:avLst/>
+          </a:prstGeom>
+          <a:ln w="12700">
+            <a:miter lim="400000"/>
+          </a:ln>
+        </p:spPr>
+      </p:pic>
+      <p:pic>
+        <p:nvPicPr>
+          <p:cNvPr id="250" name="autopilot.png" descr="autopilot.png"/>
+          <p:cNvPicPr>
+            <a:picLocks noChangeAspect="1"/>
+          </p:cNvPicPr>
+          <p:nvPr/>
+        </p:nvPicPr>
+        <p:blipFill>
+          <a:blip r:embed="rId3"/>
+          <a:stretch>
+            <a:fillRect/>
+          </a:stretch>
+        </p:blipFill>
+        <p:spPr>
+          <a:xfrm>
+            <a:off x="851177" y="3594078"/>
+            <a:ext cx="10087548" cy="7060074"/>
+          </a:xfrm>
+          <a:prstGeom prst="rect">
+            <a:avLst/>
+          </a:prstGeom>
+          <a:ln w="12700">
+            <a:miter lim="400000"/>
+          </a:ln>
+        </p:spPr>
+      </p:pic>
+      <p:pic>
+        <p:nvPicPr>
+          <p:cNvPr id="251" name="스크린샷 2023-11-30 오후 5.31.28.png" descr="스크린샷 2023-11-30 오후 5.31.28.png"/>
+          <p:cNvPicPr>
+            <a:picLocks noChangeAspect="1"/>
+          </p:cNvPicPr>
+          <p:nvPr/>
+        </p:nvPicPr>
+        <p:blipFill>
+          <a:blip r:embed="rId4"/>
+          <a:stretch>
+            <a:fillRect/>
+          </a:stretch>
+        </p:blipFill>
+        <p:spPr>
+          <a:xfrm>
+            <a:off x="11636391" y="3594078"/>
+            <a:ext cx="11832934" cy="7060074"/>
+          </a:xfrm>
+          <a:prstGeom prst="rect">
+            <a:avLst/>
+          </a:prstGeom>
+          <a:ln w="12700">
+            <a:miter lim="400000"/>
+          </a:ln>
+        </p:spPr>
+      </p:pic>
+      <p:sp>
+        <p:nvSpPr>
+          <p:cNvPr id="252" name="5/13"/>
+          <p:cNvSpPr txBox="1"/>
+          <p:nvPr/>
+        </p:nvSpPr>
+        <p:spPr>
+          <a:xfrm>
+            <a:off x="22789444" y="12833052"/>
+            <a:ext cx="1131720" cy="656590"/>
+          </a:xfrm>
+          <a:prstGeom prst="rect">
+            <a:avLst/>
+          </a:prstGeom>
+          <a:ln w="12700">
+            <a:miter lim="400000"/>
+          </a:ln>
+          <a:extLst>
+            <a:ext uri="{C572A759-6A51-4108-AA02-DFA0A04FC94B}">
+              <ma14:wrappingTextBoxFlag xmlns:ma14="http://schemas.microsoft.com/office/mac/drawingml/2011/main" xmlns:a14="http://schemas.microsoft.com/office/drawing/2010/main" xmlns:m="http://schemas.openxmlformats.org/officeDocument/2006/math" xmlns="" val="1"/>
+            </a:ext>
+          </a:extLst>
+        </p:spPr>
+        <p:txBody>
+          <a:bodyPr wrap="none" lIns="50800" tIns="50800" rIns="50800" bIns="50800" anchor="ctr">
+            <a:spAutoFit/>
+          </a:bodyPr>
+          <a:lstStyle>
+            <a:lvl1pPr defTabSz="825500">
+              <a:lnSpc>
+                <a:spcPct val="100000"/>
+              </a:lnSpc>
+              <a:spcBef>
+                <a:spcPts val="0"/>
+              </a:spcBef>
+              <a:defRPr sz="3600"/>
+            </a:lvl1pPr>
+          </a:lstStyle>
+          <a:p>
+            <a:r>
+              <a:rPr b="1">
+                <a:latin typeface="NanumSquareOTF ExtraBold" panose="020B0600000101010101" pitchFamily="34" charset="-127"/>
+                <a:ea typeface="NanumSquareOTF ExtraBold" panose="020B0600000101010101" pitchFamily="34" charset="-127"/>
+              </a:rPr>
+              <a:t>7 / 9</a:t>
             </a:r>
           </a:p>
         </p:txBody>
@@ -10550,7 +9162,7 @@
       </p:grpSpPr>
       <p:sp>
         <p:nvSpPr>
-          <p:cNvPr id="255" name="MLOps"/>
+          <p:cNvPr id="254" name="Conclusion"/>
           <p:cNvSpPr txBox="1"/>
           <p:nvPr/>
         </p:nvSpPr>
@@ -10592,14 +9204,14 @@
                 <a:latin typeface="NanumSquareOTF ExtraBold" panose="020B0600000101010101" pitchFamily="34" charset="-127"/>
                 <a:ea typeface="NanumSquareOTF ExtraBold" panose="020B0600000101010101" pitchFamily="34" charset="-127"/>
               </a:rPr>
-              <a:t>Autopilot</a:t>
+              <a:t>Conclusion</a:t>
             </a:r>
           </a:p>
         </p:txBody>
       </p:sp>
       <p:pic>
         <p:nvPicPr>
-          <p:cNvPr id="256" name="선 선" descr="선 선"/>
+          <p:cNvPr id="255" name="선 선" descr="선 선"/>
           <p:cNvPicPr>
             <a:picLocks noChangeAspect="1"/>
           </p:cNvPicPr>
@@ -10624,11 +9236,109 @@
           </a:ln>
         </p:spPr>
       </p:pic>
+      <p:sp>
+        <p:nvSpPr>
+          <p:cNvPr id="256" name="뇌졸중 판단 시스템 + MLOps"/>
+          <p:cNvSpPr txBox="1"/>
+          <p:nvPr/>
+        </p:nvSpPr>
+        <p:spPr>
+          <a:xfrm>
+            <a:off x="1130575" y="3059315"/>
+            <a:ext cx="9531455" cy="948978"/>
+          </a:xfrm>
+          <a:prstGeom prst="rect">
+            <a:avLst/>
+          </a:prstGeom>
+          <a:ln w="12700">
+            <a:miter lim="400000"/>
+          </a:ln>
+          <a:extLst>
+            <a:ext uri="{C572A759-6A51-4108-AA02-DFA0A04FC94B}">
+              <ma14:wrappingTextBoxFlag xmlns:ma14="http://schemas.microsoft.com/office/mac/drawingml/2011/main" xmlns:a14="http://schemas.microsoft.com/office/drawing/2010/main" xmlns:m="http://schemas.openxmlformats.org/officeDocument/2006/math" xmlns="" val="1"/>
+            </a:ext>
+          </a:extLst>
+        </p:spPr>
+        <p:txBody>
+          <a:bodyPr wrap="none" lIns="50800" tIns="50800" rIns="50800" bIns="50800" anchor="ctr">
+            <a:spAutoFit/>
+          </a:bodyPr>
+          <a:lstStyle>
+            <a:lvl1pPr defTabSz="825500">
+              <a:lnSpc>
+                <a:spcPct val="100000"/>
+              </a:lnSpc>
+              <a:spcBef>
+                <a:spcPts val="0"/>
+              </a:spcBef>
+              <a:defRPr sz="5500" b="1"/>
+            </a:lvl1pPr>
+          </a:lstStyle>
+          <a:p>
+            <a:r>
+              <a:rPr>
+                <a:latin typeface="NanumSquareOTF ExtraBold" panose="020B0600000101010101" pitchFamily="34" charset="-127"/>
+                <a:ea typeface="NanumSquareOTF ExtraBold" panose="020B0600000101010101" pitchFamily="34" charset="-127"/>
+              </a:rPr>
+              <a:t>1. 뇌졸중 판단 시스템 + MLOps</a:t>
+            </a:r>
+          </a:p>
+        </p:txBody>
+      </p:sp>
+      <p:sp>
+        <p:nvSpPr>
+          <p:cNvPr id="257" name="여러 헬스 케어 가구로 집을 개인 최적화된 병원으로 만들 수 있다."/>
+          <p:cNvSpPr txBox="1"/>
+          <p:nvPr/>
+        </p:nvSpPr>
+        <p:spPr>
+          <a:xfrm>
+            <a:off x="1154273" y="4379565"/>
+            <a:ext cx="21289482" cy="948978"/>
+          </a:xfrm>
+          <a:prstGeom prst="rect">
+            <a:avLst/>
+          </a:prstGeom>
+          <a:ln w="12700">
+            <a:miter lim="400000"/>
+          </a:ln>
+          <a:extLst>
+            <a:ext uri="{C572A759-6A51-4108-AA02-DFA0A04FC94B}">
+              <ma14:wrappingTextBoxFlag xmlns:ma14="http://schemas.microsoft.com/office/mac/drawingml/2011/main" xmlns:a14="http://schemas.microsoft.com/office/drawing/2010/main" xmlns:m="http://schemas.openxmlformats.org/officeDocument/2006/math" xmlns="" val="1"/>
+            </a:ext>
+          </a:extLst>
+        </p:spPr>
+        <p:txBody>
+          <a:bodyPr wrap="none" lIns="50800" tIns="50800" rIns="50800" bIns="50800" anchor="ctr">
+            <a:spAutoFit/>
+          </a:bodyPr>
+          <a:lstStyle>
+            <a:lvl1pPr defTabSz="825500">
+              <a:lnSpc>
+                <a:spcPct val="100000"/>
+              </a:lnSpc>
+              <a:spcBef>
+                <a:spcPts val="0"/>
+              </a:spcBef>
+              <a:defRPr sz="5500" b="1"/>
+            </a:lvl1pPr>
+          </a:lstStyle>
+          <a:p>
+            <a:r>
+              <a:rPr>
+                <a:latin typeface="NanumSquareOTF ExtraBold" panose="020B0600000101010101" pitchFamily="34" charset="-127"/>
+                <a:ea typeface="NanumSquareOTF ExtraBold" panose="020B0600000101010101" pitchFamily="34" charset="-127"/>
+              </a:rPr>
+              <a:t>=&gt; 가전을 통한 헬스 케어 기능으로 집을 하나의 진단 센터로 만들 수 있다.</a:t>
+            </a:r>
+          </a:p>
+        </p:txBody>
+      </p:sp>
       <p:pic>
         <p:nvPicPr>
-          <p:cNvPr id="257" name="autopilot.png" descr="autopilot.png"/>
+          <p:cNvPr id="258" name="free-animated-icon-connection-7211809.gif" descr="free-animated-icon-connection-7211809.gif"/>
           <p:cNvPicPr>
-            <a:picLocks noChangeAspect="1"/>
+            <a:picLocks/>
           </p:cNvPicPr>
           <p:nvPr/>
         </p:nvPicPr>
@@ -10640,8 +9350,8 @@
         </p:blipFill>
         <p:spPr>
           <a:xfrm>
-            <a:off x="1633171" y="2980662"/>
-            <a:ext cx="9327089" cy="6527844"/>
+            <a:off x="8533124" y="6766710"/>
+            <a:ext cx="6911034" cy="6911035"/>
           </a:xfrm>
           <a:prstGeom prst="rect">
             <a:avLst/>
@@ -10653,7 +9363,7 @@
       </p:pic>
       <p:pic>
         <p:nvPicPr>
-          <p:cNvPr id="258" name="스크린샷 2023-11-30 오후 5.31.28.png" descr="스크린샷 2023-11-30 오후 5.31.28.png"/>
+          <p:cNvPr id="259" name="free-icon-artificial-intelligence-12220317.png" descr="free-icon-artificial-intelligence-12220317.png"/>
           <p:cNvPicPr>
             <a:picLocks noChangeAspect="1"/>
           </p:cNvPicPr>
@@ -10667,8 +9377,8 @@
         </p:blipFill>
         <p:spPr>
           <a:xfrm>
-            <a:off x="12110327" y="2980662"/>
-            <a:ext cx="10940897" cy="6527844"/>
+            <a:off x="15255997" y="10706379"/>
+            <a:ext cx="3504764" cy="3504763"/>
           </a:xfrm>
           <a:prstGeom prst="rect">
             <a:avLst/>
@@ -10680,14 +9390,14 @@
       </p:pic>
       <p:sp>
         <p:nvSpPr>
-          <p:cNvPr id="259" name="모델 개발, 배포, 모니터링간의 종속성…"/>
+          <p:cNvPr id="260" name="Stroke AI"/>
           <p:cNvSpPr txBox="1"/>
           <p:nvPr/>
         </p:nvSpPr>
         <p:spPr>
           <a:xfrm>
-            <a:off x="12884185" y="10040760"/>
-            <a:ext cx="10280058" cy="3255378"/>
+            <a:off x="4516806" y="7667437"/>
+            <a:ext cx="4071627" cy="1164421"/>
           </a:xfrm>
           <a:prstGeom prst="rect">
             <a:avLst/>
@@ -10705,243 +9415,272 @@
           <a:bodyPr wrap="none" lIns="50800" tIns="50800" rIns="50800" bIns="50800" anchor="ctr">
             <a:spAutoFit/>
           </a:bodyPr>
-          <a:lstStyle/>
-          <a:p>
-            <a:pPr>
-              <a:defRPr>
-                <a:latin typeface="나눔스퀘어OTF Bold"/>
-                <a:ea typeface="나눔스퀘어OTF Bold"/>
-                <a:cs typeface="나눔스퀘어OTF Bold"/>
-                <a:sym typeface="나눔스퀘어OTF Bold"/>
+          <a:lstStyle>
+            <a:lvl1pPr defTabSz="825500">
+              <a:lnSpc>
+                <a:spcPct val="100000"/>
+              </a:lnSpc>
+              <a:spcBef>
+                <a:spcPts val="0"/>
+              </a:spcBef>
+              <a:defRPr sz="6900">
+                <a:latin typeface="SF Pro Bold"/>
+                <a:ea typeface="SF Pro Bold"/>
+                <a:cs typeface="SF Pro Bold"/>
+                <a:sym typeface="SF Pro Bold"/>
               </a:defRPr>
-            </a:pPr>
-            <a:r>
-              <a:rPr b="1" dirty="0">
-                <a:latin typeface="NanumSquareOTF ExtraBold" panose="020B0600000101010101" pitchFamily="34" charset="-127"/>
-                <a:ea typeface="NanumSquareOTF ExtraBold" panose="020B0600000101010101" pitchFamily="34" charset="-127"/>
-              </a:rPr>
-              <a:t>1. </a:t>
-            </a:r>
-            <a:r>
-              <a:rPr b="1" dirty="0" err="1">
-                <a:latin typeface="NanumSquareOTF ExtraBold" panose="020B0600000101010101" pitchFamily="34" charset="-127"/>
-                <a:ea typeface="NanumSquareOTF ExtraBold" panose="020B0600000101010101" pitchFamily="34" charset="-127"/>
-              </a:rPr>
-              <a:t>모델</a:t>
-            </a:r>
-            <a:r>
-              <a:rPr b="1" dirty="0">
-                <a:latin typeface="NanumSquareOTF ExtraBold" panose="020B0600000101010101" pitchFamily="34" charset="-127"/>
-                <a:ea typeface="NanumSquareOTF ExtraBold" panose="020B0600000101010101" pitchFamily="34" charset="-127"/>
-              </a:rPr>
-              <a:t> </a:t>
-            </a:r>
-            <a:r>
-              <a:rPr b="1" dirty="0" err="1">
-                <a:latin typeface="NanumSquareOTF ExtraBold" panose="020B0600000101010101" pitchFamily="34" charset="-127"/>
-                <a:ea typeface="NanumSquareOTF ExtraBold" panose="020B0600000101010101" pitchFamily="34" charset="-127"/>
-              </a:rPr>
-              <a:t>개발</a:t>
-            </a:r>
-            <a:r>
-              <a:rPr b="1" dirty="0">
-                <a:latin typeface="NanumSquareOTF ExtraBold" panose="020B0600000101010101" pitchFamily="34" charset="-127"/>
-                <a:ea typeface="NanumSquareOTF ExtraBold" panose="020B0600000101010101" pitchFamily="34" charset="-127"/>
-              </a:rPr>
-              <a:t>, </a:t>
-            </a:r>
-            <a:r>
-              <a:rPr b="1" dirty="0" err="1">
-                <a:latin typeface="NanumSquareOTF ExtraBold" panose="020B0600000101010101" pitchFamily="34" charset="-127"/>
-                <a:ea typeface="NanumSquareOTF ExtraBold" panose="020B0600000101010101" pitchFamily="34" charset="-127"/>
-              </a:rPr>
-              <a:t>배포</a:t>
-            </a:r>
-            <a:r>
-              <a:rPr b="1" dirty="0">
-                <a:latin typeface="NanumSquareOTF ExtraBold" panose="020B0600000101010101" pitchFamily="34" charset="-127"/>
-                <a:ea typeface="NanumSquareOTF ExtraBold" panose="020B0600000101010101" pitchFamily="34" charset="-127"/>
-              </a:rPr>
-              <a:t>, </a:t>
-            </a:r>
-            <a:r>
-              <a:rPr b="1" dirty="0" err="1">
-                <a:latin typeface="NanumSquareOTF ExtraBold" panose="020B0600000101010101" pitchFamily="34" charset="-127"/>
-                <a:ea typeface="NanumSquareOTF ExtraBold" panose="020B0600000101010101" pitchFamily="34" charset="-127"/>
-              </a:rPr>
-              <a:t>모니터링간의</a:t>
-            </a:r>
-            <a:r>
-              <a:rPr b="1" dirty="0">
-                <a:latin typeface="NanumSquareOTF ExtraBold" panose="020B0600000101010101" pitchFamily="34" charset="-127"/>
-                <a:ea typeface="NanumSquareOTF ExtraBold" panose="020B0600000101010101" pitchFamily="34" charset="-127"/>
-              </a:rPr>
-              <a:t> </a:t>
-            </a:r>
-            <a:r>
-              <a:rPr b="1" dirty="0" err="1">
-                <a:latin typeface="NanumSquareOTF ExtraBold" panose="020B0600000101010101" pitchFamily="34" charset="-127"/>
-                <a:ea typeface="NanumSquareOTF ExtraBold" panose="020B0600000101010101" pitchFamily="34" charset="-127"/>
-              </a:rPr>
-              <a:t>종속성</a:t>
-            </a:r>
-            <a:endParaRPr b="1" dirty="0">
-              <a:latin typeface="NanumSquareOTF ExtraBold" panose="020B0600000101010101" pitchFamily="34" charset="-127"/>
-              <a:ea typeface="NanumSquareOTF ExtraBold" panose="020B0600000101010101" pitchFamily="34" charset="-127"/>
-            </a:endParaRPr>
-          </a:p>
-          <a:p>
-            <a:pPr>
-              <a:defRPr>
-                <a:latin typeface="나눔스퀘어OTF Bold"/>
-                <a:ea typeface="나눔스퀘어OTF Bold"/>
-                <a:cs typeface="나눔스퀘어OTF Bold"/>
-                <a:sym typeface="나눔스퀘어OTF Bold"/>
+            </a:lvl1pPr>
+          </a:lstStyle>
+          <a:p>
+            <a:r>
+              <a:rPr b="1">
+                <a:latin typeface="NanumSquareOTF ExtraBold" panose="020B0600000101010101" pitchFamily="34" charset="-127"/>
+                <a:ea typeface="NanumSquareOTF ExtraBold" panose="020B0600000101010101" pitchFamily="34" charset="-127"/>
+              </a:rPr>
+              <a:t>Stroke AI</a:t>
+            </a:r>
+          </a:p>
+        </p:txBody>
+      </p:sp>
+      <p:pic>
+        <p:nvPicPr>
+          <p:cNvPr id="261" name="free-icon-artificial-intelligence-12220317.png" descr="free-icon-artificial-intelligence-12220317.png"/>
+          <p:cNvPicPr>
+            <a:picLocks noChangeAspect="1"/>
+          </p:cNvPicPr>
+          <p:nvPr/>
+        </p:nvPicPr>
+        <p:blipFill>
+          <a:blip r:embed="rId4"/>
+          <a:stretch>
+            <a:fillRect/>
+          </a:stretch>
+        </p:blipFill>
+        <p:spPr>
+          <a:xfrm>
+            <a:off x="15255997" y="6497266"/>
+            <a:ext cx="3504764" cy="3504764"/>
+          </a:xfrm>
+          <a:prstGeom prst="rect">
+            <a:avLst/>
+          </a:prstGeom>
+          <a:ln w="12700">
+            <a:miter lim="400000"/>
+          </a:ln>
+        </p:spPr>
+      </p:pic>
+      <p:sp>
+        <p:nvSpPr>
+          <p:cNvPr id="262" name="Insomnia AI"/>
+          <p:cNvSpPr txBox="1"/>
+          <p:nvPr/>
+        </p:nvSpPr>
+        <p:spPr>
+          <a:xfrm>
+            <a:off x="15241564" y="5935328"/>
+            <a:ext cx="3731791" cy="872034"/>
+          </a:xfrm>
+          <a:prstGeom prst="rect">
+            <a:avLst/>
+          </a:prstGeom>
+          <a:ln w="12700">
+            <a:miter lim="400000"/>
+          </a:ln>
+          <a:extLst>
+            <a:ext uri="{C572A759-6A51-4108-AA02-DFA0A04FC94B}">
+              <ma14:wrappingTextBoxFlag xmlns:ma14="http://schemas.microsoft.com/office/mac/drawingml/2011/main" xmlns:a14="http://schemas.microsoft.com/office/drawing/2010/main" xmlns:m="http://schemas.openxmlformats.org/officeDocument/2006/math" xmlns="" val="1"/>
+            </a:ext>
+          </a:extLst>
+        </p:spPr>
+        <p:txBody>
+          <a:bodyPr wrap="none" lIns="50800" tIns="50800" rIns="50800" bIns="50800" anchor="ctr">
+            <a:spAutoFit/>
+          </a:bodyPr>
+          <a:lstStyle>
+            <a:lvl1pPr defTabSz="825500">
+              <a:lnSpc>
+                <a:spcPct val="100000"/>
+              </a:lnSpc>
+              <a:spcBef>
+                <a:spcPts val="0"/>
+              </a:spcBef>
+              <a:defRPr sz="5000">
+                <a:latin typeface="SF Pro Bold"/>
+                <a:ea typeface="SF Pro Bold"/>
+                <a:cs typeface="SF Pro Bold"/>
+                <a:sym typeface="SF Pro Bold"/>
               </a:defRPr>
-            </a:pPr>
-            <a:r>
-              <a:rPr b="1" dirty="0">
-                <a:latin typeface="NanumSquareOTF ExtraBold" panose="020B0600000101010101" pitchFamily="34" charset="-127"/>
-                <a:ea typeface="NanumSquareOTF ExtraBold" panose="020B0600000101010101" pitchFamily="34" charset="-127"/>
-              </a:rPr>
-              <a:t>2. </a:t>
-            </a:r>
-            <a:r>
-              <a:rPr b="1" dirty="0" err="1">
-                <a:latin typeface="NanumSquareOTF ExtraBold" panose="020B0600000101010101" pitchFamily="34" charset="-127"/>
-                <a:ea typeface="NanumSquareOTF ExtraBold" panose="020B0600000101010101" pitchFamily="34" charset="-127"/>
-              </a:rPr>
-              <a:t>DAG로</a:t>
-            </a:r>
-            <a:r>
-              <a:rPr b="1" dirty="0">
-                <a:latin typeface="NanumSquareOTF ExtraBold" panose="020B0600000101010101" pitchFamily="34" charset="-127"/>
-                <a:ea typeface="NanumSquareOTF ExtraBold" panose="020B0600000101010101" pitchFamily="34" charset="-127"/>
-              </a:rPr>
-              <a:t> </a:t>
-            </a:r>
-            <a:r>
-              <a:rPr b="1" dirty="0" err="1">
-                <a:latin typeface="NanumSquareOTF ExtraBold" panose="020B0600000101010101" pitchFamily="34" charset="-127"/>
-                <a:ea typeface="NanumSquareOTF ExtraBold" panose="020B0600000101010101" pitchFamily="34" charset="-127"/>
-              </a:rPr>
-              <a:t>종속성을</a:t>
-            </a:r>
-            <a:r>
-              <a:rPr b="1" dirty="0">
-                <a:latin typeface="NanumSquareOTF ExtraBold" panose="020B0600000101010101" pitchFamily="34" charset="-127"/>
-                <a:ea typeface="NanumSquareOTF ExtraBold" panose="020B0600000101010101" pitchFamily="34" charset="-127"/>
-              </a:rPr>
-              <a:t> </a:t>
-            </a:r>
-            <a:r>
-              <a:rPr b="1" dirty="0" err="1">
-                <a:latin typeface="NanumSquareOTF ExtraBold" panose="020B0600000101010101" pitchFamily="34" charset="-127"/>
-                <a:ea typeface="NanumSquareOTF ExtraBold" panose="020B0600000101010101" pitchFamily="34" charset="-127"/>
-              </a:rPr>
-              <a:t>시각화</a:t>
-            </a:r>
-            <a:endParaRPr b="1" dirty="0">
-              <a:latin typeface="NanumSquareOTF ExtraBold" panose="020B0600000101010101" pitchFamily="34" charset="-127"/>
-              <a:ea typeface="NanumSquareOTF ExtraBold" panose="020B0600000101010101" pitchFamily="34" charset="-127"/>
-            </a:endParaRPr>
-          </a:p>
-          <a:p>
-            <a:pPr>
-              <a:defRPr>
-                <a:latin typeface="나눔스퀘어OTF Bold"/>
-                <a:ea typeface="나눔스퀘어OTF Bold"/>
-                <a:cs typeface="나눔스퀘어OTF Bold"/>
-                <a:sym typeface="나눔스퀘어OTF Bold"/>
+            </a:lvl1pPr>
+          </a:lstStyle>
+          <a:p>
+            <a:r>
+              <a:rPr b="1">
+                <a:latin typeface="NanumSquareOTF ExtraBold" panose="020B0600000101010101" pitchFamily="34" charset="-127"/>
+                <a:ea typeface="NanumSquareOTF ExtraBold" panose="020B0600000101010101" pitchFamily="34" charset="-127"/>
+              </a:rPr>
+              <a:t>Insomnia AI</a:t>
+            </a:r>
+          </a:p>
+        </p:txBody>
+      </p:sp>
+      <p:pic>
+        <p:nvPicPr>
+          <p:cNvPr id="263" name="free-icon-artificial-intelligence-12220317.png" descr="free-icon-artificial-intelligence-12220317.png"/>
+          <p:cNvPicPr>
+            <a:picLocks noChangeAspect="1"/>
+          </p:cNvPicPr>
+          <p:nvPr/>
+        </p:nvPicPr>
+        <p:blipFill>
+          <a:blip r:embed="rId4"/>
+          <a:stretch>
+            <a:fillRect/>
+          </a:stretch>
+        </p:blipFill>
+        <p:spPr>
+          <a:xfrm>
+            <a:off x="4960685" y="8920084"/>
+            <a:ext cx="3504764" cy="3504765"/>
+          </a:xfrm>
+          <a:prstGeom prst="rect">
+            <a:avLst/>
+          </a:prstGeom>
+          <a:ln w="12700">
+            <a:miter lim="400000"/>
+          </a:ln>
+        </p:spPr>
+      </p:pic>
+      <p:sp>
+        <p:nvSpPr>
+          <p:cNvPr id="264" name="MLOps"/>
+          <p:cNvSpPr txBox="1"/>
+          <p:nvPr/>
+        </p:nvSpPr>
+        <p:spPr>
+          <a:xfrm>
+            <a:off x="9890066" y="5672844"/>
+            <a:ext cx="4197149" cy="1397001"/>
+          </a:xfrm>
+          <a:prstGeom prst="rect">
+            <a:avLst/>
+          </a:prstGeom>
+          <a:ln w="12700">
+            <a:miter lim="400000"/>
+          </a:ln>
+          <a:extLst>
+            <a:ext uri="{C572A759-6A51-4108-AA02-DFA0A04FC94B}">
+              <ma14:wrappingTextBoxFlag xmlns:ma14="http://schemas.microsoft.com/office/mac/drawingml/2011/main" xmlns:a14="http://schemas.microsoft.com/office/drawing/2010/main" xmlns:m="http://schemas.openxmlformats.org/officeDocument/2006/math" xmlns="" val="1"/>
+            </a:ext>
+          </a:extLst>
+        </p:spPr>
+        <p:txBody>
+          <a:bodyPr lIns="50800" tIns="50800" rIns="50800" bIns="50800" anchor="ctr">
+            <a:spAutoFit/>
+          </a:bodyPr>
+          <a:lstStyle>
+            <a:lvl1pPr>
+              <a:lnSpc>
+                <a:spcPct val="100000"/>
+              </a:lnSpc>
+              <a:spcBef>
+                <a:spcPts val="0"/>
+              </a:spcBef>
+              <a:defRPr sz="8500" spc="-170">
+                <a:latin typeface="SF Pro Bold"/>
+                <a:ea typeface="SF Pro Bold"/>
+                <a:cs typeface="SF Pro Bold"/>
+                <a:sym typeface="SF Pro Bold"/>
               </a:defRPr>
-            </a:pPr>
-            <a:r>
-              <a:rPr b="1" dirty="0">
-                <a:latin typeface="NanumSquareOTF ExtraBold" panose="020B0600000101010101" pitchFamily="34" charset="-127"/>
-                <a:ea typeface="NanumSquareOTF ExtraBold" panose="020B0600000101010101" pitchFamily="34" charset="-127"/>
-              </a:rPr>
-              <a:t>3. </a:t>
-            </a:r>
-            <a:r>
-              <a:rPr b="1" dirty="0" err="1">
-                <a:latin typeface="NanumSquareOTF ExtraBold" panose="020B0600000101010101" pitchFamily="34" charset="-127"/>
-                <a:ea typeface="NanumSquareOTF ExtraBold" panose="020B0600000101010101" pitchFamily="34" charset="-127"/>
-              </a:rPr>
-              <a:t>Git에</a:t>
-            </a:r>
-            <a:r>
-              <a:rPr b="1" dirty="0">
-                <a:latin typeface="NanumSquareOTF ExtraBold" panose="020B0600000101010101" pitchFamily="34" charset="-127"/>
-                <a:ea typeface="NanumSquareOTF ExtraBold" panose="020B0600000101010101" pitchFamily="34" charset="-127"/>
-              </a:rPr>
-              <a:t> </a:t>
-            </a:r>
-            <a:r>
-              <a:rPr b="1" dirty="0" err="1">
-                <a:latin typeface="NanumSquareOTF ExtraBold" panose="020B0600000101010101" pitchFamily="34" charset="-127"/>
-                <a:ea typeface="NanumSquareOTF ExtraBold" panose="020B0600000101010101" pitchFamily="34" charset="-127"/>
-              </a:rPr>
-              <a:t>수정이</a:t>
-            </a:r>
-            <a:r>
-              <a:rPr b="1" dirty="0">
-                <a:latin typeface="NanumSquareOTF ExtraBold" panose="020B0600000101010101" pitchFamily="34" charset="-127"/>
-                <a:ea typeface="NanumSquareOTF ExtraBold" panose="020B0600000101010101" pitchFamily="34" charset="-127"/>
-              </a:rPr>
-              <a:t> </a:t>
-            </a:r>
-            <a:r>
-              <a:rPr b="1" dirty="0" err="1">
-                <a:latin typeface="NanumSquareOTF ExtraBold" panose="020B0600000101010101" pitchFamily="34" charset="-127"/>
-                <a:ea typeface="NanumSquareOTF ExtraBold" panose="020B0600000101010101" pitchFamily="34" charset="-127"/>
-              </a:rPr>
-              <a:t>생기면</a:t>
-            </a:r>
-            <a:r>
-              <a:rPr b="1" dirty="0">
-                <a:latin typeface="NanumSquareOTF ExtraBold" panose="020B0600000101010101" pitchFamily="34" charset="-127"/>
-                <a:ea typeface="NanumSquareOTF ExtraBold" panose="020B0600000101010101" pitchFamily="34" charset="-127"/>
-              </a:rPr>
-              <a:t> </a:t>
-            </a:r>
-            <a:r>
-              <a:rPr b="1" dirty="0" err="1">
-                <a:latin typeface="NanumSquareOTF ExtraBold" panose="020B0600000101010101" pitchFamily="34" charset="-127"/>
-                <a:ea typeface="NanumSquareOTF ExtraBold" panose="020B0600000101010101" pitchFamily="34" charset="-127"/>
-              </a:rPr>
-              <a:t>자동으로</a:t>
-            </a:r>
-            <a:r>
-              <a:rPr b="1" dirty="0">
-                <a:latin typeface="NanumSquareOTF ExtraBold" panose="020B0600000101010101" pitchFamily="34" charset="-127"/>
-                <a:ea typeface="NanumSquareOTF ExtraBold" panose="020B0600000101010101" pitchFamily="34" charset="-127"/>
-              </a:rPr>
-              <a:t> </a:t>
-            </a:r>
-            <a:r>
-              <a:rPr b="1" dirty="0" err="1">
-                <a:latin typeface="NanumSquareOTF ExtraBold" panose="020B0600000101010101" pitchFamily="34" charset="-127"/>
-                <a:ea typeface="NanumSquareOTF ExtraBold" panose="020B0600000101010101" pitchFamily="34" charset="-127"/>
-              </a:rPr>
-              <a:t>영향</a:t>
-            </a:r>
-            <a:endParaRPr b="1" dirty="0">
-              <a:latin typeface="NanumSquareOTF ExtraBold" panose="020B0600000101010101" pitchFamily="34" charset="-127"/>
-              <a:ea typeface="NanumSquareOTF ExtraBold" panose="020B0600000101010101" pitchFamily="34" charset="-127"/>
-            </a:endParaRPr>
+            </a:lvl1pPr>
+          </a:lstStyle>
+          <a:p>
+            <a:r>
+              <a:rPr b="1">
+                <a:latin typeface="NanumSquareOTF ExtraBold" panose="020B0600000101010101" pitchFamily="34" charset="-127"/>
+                <a:ea typeface="NanumSquareOTF ExtraBold" panose="020B0600000101010101" pitchFamily="34" charset="-127"/>
+              </a:rPr>
+              <a:t>MLOps</a:t>
+            </a:r>
           </a:p>
         </p:txBody>
       </p:sp>
       <p:sp>
         <p:nvSpPr>
-          <p:cNvPr id="260" name="5/13"/>
+          <p:cNvPr id="265" name="Diabetes AI"/>
           <p:cNvSpPr txBox="1"/>
           <p:nvPr/>
         </p:nvSpPr>
         <p:spPr>
           <a:xfrm>
+            <a:off x="15511833" y="10090255"/>
+            <a:ext cx="3682098" cy="1164421"/>
+          </a:xfrm>
+          <a:prstGeom prst="rect">
+            <a:avLst/>
+          </a:prstGeom>
+          <a:ln w="12700">
+            <a:miter lim="400000"/>
+          </a:ln>
+          <a:extLst>
+            <a:ext uri="{C572A759-6A51-4108-AA02-DFA0A04FC94B}">
+              <ma14:wrappingTextBoxFlag xmlns:ma14="http://schemas.microsoft.com/office/mac/drawingml/2011/main" xmlns:a14="http://schemas.microsoft.com/office/drawing/2010/main" xmlns:m="http://schemas.openxmlformats.org/officeDocument/2006/math" xmlns="" val="1"/>
+            </a:ext>
+          </a:extLst>
+        </p:spPr>
+        <p:txBody>
+          <a:bodyPr wrap="none" lIns="50800" tIns="50800" rIns="50800" bIns="50800" anchor="ctr">
+            <a:spAutoFit/>
+          </a:bodyPr>
+          <a:lstStyle/>
+          <a:p>
+            <a:pPr defTabSz="825500">
+              <a:lnSpc>
+                <a:spcPct val="100000"/>
+              </a:lnSpc>
+              <a:spcBef>
+                <a:spcPts val="0"/>
+              </a:spcBef>
+              <a:defRPr sz="5000">
+                <a:latin typeface="SF Pro Bold"/>
+                <a:ea typeface="SF Pro Bold"/>
+                <a:cs typeface="SF Pro Bold"/>
+                <a:sym typeface="SF Pro Bold"/>
+              </a:defRPr>
+            </a:pPr>
+            <a:r>
+              <a:rPr b="1">
+                <a:latin typeface="NanumSquareOTF ExtraBold" panose="020B0600000101010101" pitchFamily="34" charset="-127"/>
+                <a:ea typeface="NanumSquareOTF ExtraBold" panose="020B0600000101010101" pitchFamily="34" charset="-127"/>
+              </a:rPr>
+              <a:t>Diabetes</a:t>
+            </a:r>
+            <a:r>
+              <a:rPr sz="6900" b="1">
+                <a:latin typeface="NanumSquareOTF ExtraBold" panose="020B0600000101010101" pitchFamily="34" charset="-127"/>
+                <a:ea typeface="NanumSquareOTF ExtraBold" panose="020B0600000101010101" pitchFamily="34" charset="-127"/>
+              </a:rPr>
+              <a:t> </a:t>
+            </a:r>
+            <a:r>
+              <a:rPr b="1">
+                <a:latin typeface="NanumSquareOTF ExtraBold" panose="020B0600000101010101" pitchFamily="34" charset="-127"/>
+                <a:ea typeface="NanumSquareOTF ExtraBold" panose="020B0600000101010101" pitchFamily="34" charset="-127"/>
+              </a:rPr>
+              <a:t>AI</a:t>
+            </a:r>
+          </a:p>
+        </p:txBody>
+      </p:sp>
+      <p:sp>
+        <p:nvSpPr>
+          <p:cNvPr id="266" name="5/13"/>
+          <p:cNvSpPr txBox="1"/>
+          <p:nvPr/>
+        </p:nvSpPr>
+        <p:spPr>
+          <a:xfrm>
             <a:off x="22789444" y="12833052"/>
-            <a:ext cx="1418658" cy="656590"/>
+            <a:ext cx="1131720" cy="656590"/>
           </a:xfrm>
           <a:prstGeom prst="rect">
             <a:avLst/>
@@ -10976,7 +9715,7 @@
                 <a:latin typeface="NanumSquareOTF ExtraBold" panose="020B0600000101010101" pitchFamily="34" charset="-127"/>
                 <a:ea typeface="NanumSquareOTF ExtraBold" panose="020B0600000101010101" pitchFamily="34" charset="-127"/>
               </a:rPr>
-              <a:t>8 / 10</a:t>
+              <a:t>8 / 9</a:t>
             </a:r>
           </a:p>
         </p:txBody>
@@ -10987,83 +9726,6 @@
     <a:masterClrMapping/>
   </p:clrMapOvr>
   <p:transition spd="med"/>
-  <p:timing>
-    <p:tnLst>
-      <p:par>
-        <p:cTn id="1" dur="indefinite" restart="never" fill="hold" nodeType="tmRoot">
-          <p:childTnLst>
-            <p:seq concurrent="1" prevAc="none" nextAc="seek">
-              <p:cTn id="2" dur="indefinite" fill="hold" nodeType="mainSeq">
-                <p:childTnLst>
-                  <p:par>
-                    <p:cTn id="3" fill="hold">
-                      <p:stCondLst>
-                        <p:cond delay="indefinite"/>
-                      </p:stCondLst>
-                      <p:childTnLst>
-                        <p:par>
-                          <p:cTn id="4" fill="hold">
-                            <p:stCondLst>
-                              <p:cond delay="0"/>
-                            </p:stCondLst>
-                            <p:childTnLst>
-                              <p:par>
-                                <p:cTn id="5" presetID="1" presetClass="entr" presetSubtype="0" fill="hold" grpId="1" nodeType="clickEffect">
-                                  <p:stCondLst>
-                                    <p:cond delay="0"/>
-                                  </p:stCondLst>
-                                  <p:iterate>
-                                    <p:tmAbs val="0"/>
-                                  </p:iterate>
-                                  <p:childTnLst>
-                                    <p:set>
-                                      <p:cBhvr>
-                                        <p:cTn id="6" fill="hold"/>
-                                        <p:tgtEl>
-                                          <p:spTgt spid="258"/>
-                                        </p:tgtEl>
-                                        <p:attrNameLst>
-                                          <p:attrName>style.visibility</p:attrName>
-                                        </p:attrNameLst>
-                                      </p:cBhvr>
-                                      <p:to>
-                                        <p:strVal val="visible"/>
-                                      </p:to>
-                                    </p:set>
-                                  </p:childTnLst>
-                                </p:cTn>
-                              </p:par>
-                            </p:childTnLst>
-                          </p:cTn>
-                        </p:par>
-                      </p:childTnLst>
-                    </p:cTn>
-                  </p:par>
-                </p:childTnLst>
-              </p:cTn>
-              <p:prevCondLst>
-                <p:cond evt="onPrev" delay="0">
-                  <p:tgtEl>
-                    <p:sldTgt/>
-                  </p:tgtEl>
-                </p:cond>
-              </p:prevCondLst>
-              <p:nextCondLst>
-                <p:cond evt="onNext" delay="0">
-                  <p:tgtEl>
-                    <p:sldTgt/>
-                  </p:tgtEl>
-                </p:cond>
-              </p:nextCondLst>
-            </p:seq>
-          </p:childTnLst>
-        </p:cTn>
-      </p:par>
-    </p:tnLst>
-    <p:bldLst>
-      <p:bldP spid="258" grpId="1" animBg="1" advAuto="0"/>
-    </p:bldLst>
-  </p:timing>
 </p:sld>
 </file>
 
